--- a/docs/浏览器大型文件存储.pptx
+++ b/docs/浏览器大型文件存储.pptx
@@ -5,7 +5,7 @@
     <p:sldMasterId id="2147483728" r:id="rId1"/>
   </p:sldMasterIdLst>
   <p:notesMasterIdLst>
-    <p:notesMasterId r:id="rId17"/>
+    <p:notesMasterId r:id="rId18"/>
   </p:notesMasterIdLst>
   <p:sldIdLst>
     <p:sldId id="256" r:id="rId2"/>
@@ -16,13 +16,14 @@
     <p:sldId id="261" r:id="rId7"/>
     <p:sldId id="262" r:id="rId8"/>
     <p:sldId id="264" r:id="rId9"/>
-    <p:sldId id="263" r:id="rId10"/>
-    <p:sldId id="265" r:id="rId11"/>
-    <p:sldId id="266" r:id="rId12"/>
-    <p:sldId id="267" r:id="rId13"/>
-    <p:sldId id="270" r:id="rId14"/>
-    <p:sldId id="268" r:id="rId15"/>
-    <p:sldId id="269" r:id="rId16"/>
+    <p:sldId id="271" r:id="rId10"/>
+    <p:sldId id="263" r:id="rId11"/>
+    <p:sldId id="265" r:id="rId12"/>
+    <p:sldId id="266" r:id="rId13"/>
+    <p:sldId id="267" r:id="rId14"/>
+    <p:sldId id="270" r:id="rId15"/>
+    <p:sldId id="268" r:id="rId16"/>
+    <p:sldId id="269" r:id="rId17"/>
   </p:sldIdLst>
   <p:sldSz cx="12192000" cy="6858000"/>
   <p:notesSz cx="6858000" cy="9144000"/>
@@ -545,7 +546,6 @@
               <a:rPr lang="en-US" altLang="zh-CN" dirty="0" smtClean="0"/>
               <a:t>https://my.oschina.net/zhangstephen/blog/591575</a:t>
             </a:r>
-            <a:endParaRPr lang="en-US" altLang="zh-CN" dirty="0" smtClean="0"/>
           </a:p>
           <a:p>
             <a:r>
@@ -568,7 +568,17 @@
           <a:p>
             <a:r>
               <a:rPr lang="en-US" altLang="zh-CN" dirty="0" smtClean="0"/>
-              <a:t>https://docs.google.com/presentation/d/11CJnf77N45qPFAhASwnfRNeEMJfR-E_x05v1Z6Rh5HA/edit#slide=id.p</a:t>
+              <a:t>https://</a:t>
+            </a:r>
+            <a:r>
+              <a:rPr lang="en-US" altLang="zh-CN" dirty="0" smtClean="0"/>
+              <a:t>docs.google.com/presentation/d/11CJnf77N45qPFAhASwnfRNeEMJfR-E_x05v1Z6Rh5HA/edit#slide=id.p</a:t>
+            </a:r>
+          </a:p>
+          <a:p>
+            <a:r>
+              <a:rPr lang="en-US" altLang="zh-CN" dirty="0" smtClean="0"/>
+              <a:t>https://demo.agektmr.com/storage/</a:t>
             </a:r>
             <a:endParaRPr lang="zh-CN" altLang="en-US" dirty="0"/>
           </a:p>
@@ -876,13 +886,33 @@
           <a:p>
             <a:r>
               <a:rPr lang="zh-CN" altLang="en-US" dirty="0" smtClean="0"/>
-              <a:t>参考：</a:t>
-            </a:r>
+              <a:t>参考</a:t>
+            </a:r>
+            <a:r>
+              <a:rPr lang="zh-CN" altLang="en-US" dirty="0" smtClean="0"/>
+              <a:t>：</a:t>
+            </a:r>
+            <a:endParaRPr lang="en-US" altLang="zh-CN" dirty="0" smtClean="0"/>
+          </a:p>
+          <a:p>
             <a:r>
               <a:rPr lang="en-US" altLang="zh-CN" dirty="0" smtClean="0"/>
-              <a:t>https://developers.google.com/web/fundamentals/instant-and-offline/web-storage/offline-for-pwa</a:t>
-            </a:r>
-            <a:endParaRPr lang="zh-CN" altLang="en-US" dirty="0"/>
+              <a:t>https</a:t>
+            </a:r>
+            <a:r>
+              <a:rPr lang="en-US" altLang="zh-CN" dirty="0" smtClean="0"/>
+              <a:t>://</a:t>
+            </a:r>
+            <a:r>
+              <a:rPr lang="en-US" altLang="zh-CN" dirty="0" smtClean="0"/>
+              <a:t>developers.google.com/web/fundamentals/instant-and-offline/web-storage/offline-for-pwa</a:t>
+            </a:r>
+          </a:p>
+          <a:p>
+            <a:r>
+              <a:rPr lang="en-US" altLang="zh-CN" dirty="0" smtClean="0"/>
+              <a:t>https://www.html5rocks.com/en/tutorials/offline/quota-research/</a:t>
+            </a:r>
           </a:p>
         </p:txBody>
       </p:sp>
@@ -1097,6 +1127,262 @@
     <p:extLst>
       <p:ext uri="{BB962C8B-B14F-4D97-AF65-F5344CB8AC3E}">
         <p14:creationId xmlns:p14="http://schemas.microsoft.com/office/powerpoint/2010/main" val="3459854334"/>
+      </p:ext>
+    </p:extLst>
+  </p:cSld>
+  <p:clrMapOvr>
+    <a:masterClrMapping/>
+  </p:clrMapOvr>
+</p:notes>
+</file>
+
+<file path=ppt/notesSlides/notesSlide7.xml><?xml version="1.0" encoding="utf-8"?>
+<p:notes xmlns:a="http://schemas.openxmlformats.org/drawingml/2006/main" xmlns:r="http://schemas.openxmlformats.org/officeDocument/2006/relationships" xmlns:p="http://schemas.openxmlformats.org/presentationml/2006/main">
+  <p:cSld>
+    <p:spTree>
+      <p:nvGrpSpPr>
+        <p:cNvPr id="1" name=""/>
+        <p:cNvGrpSpPr/>
+        <p:nvPr/>
+      </p:nvGrpSpPr>
+      <p:grpSpPr>
+        <a:xfrm>
+          <a:off x="0" y="0"/>
+          <a:ext cx="0" cy="0"/>
+          <a:chOff x="0" y="0"/>
+          <a:chExt cx="0" cy="0"/>
+        </a:xfrm>
+      </p:grpSpPr>
+      <p:sp>
+        <p:nvSpPr>
+          <p:cNvPr id="2" name="幻灯片图像占位符 1"/>
+          <p:cNvSpPr>
+            <a:spLocks noGrp="1" noRot="1" noChangeAspect="1"/>
+          </p:cNvSpPr>
+          <p:nvPr>
+            <p:ph type="sldImg"/>
+          </p:nvPr>
+        </p:nvSpPr>
+        <p:spPr/>
+      </p:sp>
+      <p:sp>
+        <p:nvSpPr>
+          <p:cNvPr id="3" name="备注占位符 2"/>
+          <p:cNvSpPr>
+            <a:spLocks noGrp="1"/>
+          </p:cNvSpPr>
+          <p:nvPr>
+            <p:ph type="body" idx="1"/>
+          </p:nvPr>
+        </p:nvSpPr>
+        <p:spPr/>
+        <p:txBody>
+          <a:bodyPr/>
+          <a:lstStyle/>
+          <a:p>
+            <a:endParaRPr lang="zh-CN" altLang="en-US" dirty="0"/>
+          </a:p>
+        </p:txBody>
+      </p:sp>
+      <p:sp>
+        <p:nvSpPr>
+          <p:cNvPr id="4" name="灯片编号占位符 3"/>
+          <p:cNvSpPr>
+            <a:spLocks noGrp="1"/>
+          </p:cNvSpPr>
+          <p:nvPr>
+            <p:ph type="sldNum" sz="quarter" idx="10"/>
+          </p:nvPr>
+        </p:nvSpPr>
+        <p:spPr/>
+        <p:txBody>
+          <a:bodyPr/>
+          <a:lstStyle/>
+          <a:p>
+            <a:fld id="{80F750DE-A424-41F9-8DA1-B01F34C639C1}" type="slidenum">
+              <a:rPr lang="zh-CN" altLang="en-US" smtClean="0"/>
+              <a:t>8</a:t>
+            </a:fld>
+            <a:endParaRPr lang="zh-CN" altLang="en-US"/>
+          </a:p>
+        </p:txBody>
+      </p:sp>
+    </p:spTree>
+    <p:extLst>
+      <p:ext uri="{BB962C8B-B14F-4D97-AF65-F5344CB8AC3E}">
+        <p14:creationId xmlns:p14="http://schemas.microsoft.com/office/powerpoint/2010/main" val="551201831"/>
+      </p:ext>
+    </p:extLst>
+  </p:cSld>
+  <p:clrMapOvr>
+    <a:masterClrMapping/>
+  </p:clrMapOvr>
+</p:notes>
+</file>
+
+<file path=ppt/notesSlides/notesSlide8.xml><?xml version="1.0" encoding="utf-8"?>
+<p:notes xmlns:a="http://schemas.openxmlformats.org/drawingml/2006/main" xmlns:r="http://schemas.openxmlformats.org/officeDocument/2006/relationships" xmlns:p="http://schemas.openxmlformats.org/presentationml/2006/main">
+  <p:cSld>
+    <p:spTree>
+      <p:nvGrpSpPr>
+        <p:cNvPr id="1" name=""/>
+        <p:cNvGrpSpPr/>
+        <p:nvPr/>
+      </p:nvGrpSpPr>
+      <p:grpSpPr>
+        <a:xfrm>
+          <a:off x="0" y="0"/>
+          <a:ext cx="0" cy="0"/>
+          <a:chOff x="0" y="0"/>
+          <a:chExt cx="0" cy="0"/>
+        </a:xfrm>
+      </p:grpSpPr>
+      <p:sp>
+        <p:nvSpPr>
+          <p:cNvPr id="2" name="幻灯片图像占位符 1"/>
+          <p:cNvSpPr>
+            <a:spLocks noGrp="1" noRot="1" noChangeAspect="1"/>
+          </p:cNvSpPr>
+          <p:nvPr>
+            <p:ph type="sldImg"/>
+          </p:nvPr>
+        </p:nvSpPr>
+        <p:spPr/>
+      </p:sp>
+      <p:sp>
+        <p:nvSpPr>
+          <p:cNvPr id="3" name="备注占位符 2"/>
+          <p:cNvSpPr>
+            <a:spLocks noGrp="1"/>
+          </p:cNvSpPr>
+          <p:nvPr>
+            <p:ph type="body" idx="1"/>
+          </p:nvPr>
+        </p:nvSpPr>
+        <p:spPr/>
+        <p:txBody>
+          <a:bodyPr/>
+          <a:lstStyle/>
+          <a:p>
+            <a:endParaRPr lang="zh-CN" altLang="en-US" dirty="0"/>
+          </a:p>
+        </p:txBody>
+      </p:sp>
+      <p:sp>
+        <p:nvSpPr>
+          <p:cNvPr id="4" name="灯片编号占位符 3"/>
+          <p:cNvSpPr>
+            <a:spLocks noGrp="1"/>
+          </p:cNvSpPr>
+          <p:nvPr>
+            <p:ph type="sldNum" sz="quarter" idx="10"/>
+          </p:nvPr>
+        </p:nvSpPr>
+        <p:spPr/>
+        <p:txBody>
+          <a:bodyPr/>
+          <a:lstStyle/>
+          <a:p>
+            <a:fld id="{80F750DE-A424-41F9-8DA1-B01F34C639C1}" type="slidenum">
+              <a:rPr lang="zh-CN" altLang="en-US" smtClean="0"/>
+              <a:t>9</a:t>
+            </a:fld>
+            <a:endParaRPr lang="zh-CN" altLang="en-US"/>
+          </a:p>
+        </p:txBody>
+      </p:sp>
+    </p:spTree>
+    <p:extLst>
+      <p:ext uri="{BB962C8B-B14F-4D97-AF65-F5344CB8AC3E}">
+        <p14:creationId xmlns:p14="http://schemas.microsoft.com/office/powerpoint/2010/main" val="2368237245"/>
+      </p:ext>
+    </p:extLst>
+  </p:cSld>
+  <p:clrMapOvr>
+    <a:masterClrMapping/>
+  </p:clrMapOvr>
+</p:notes>
+</file>
+
+<file path=ppt/notesSlides/notesSlide9.xml><?xml version="1.0" encoding="utf-8"?>
+<p:notes xmlns:a="http://schemas.openxmlformats.org/drawingml/2006/main" xmlns:r="http://schemas.openxmlformats.org/officeDocument/2006/relationships" xmlns:p="http://schemas.openxmlformats.org/presentationml/2006/main">
+  <p:cSld>
+    <p:spTree>
+      <p:nvGrpSpPr>
+        <p:cNvPr id="1" name=""/>
+        <p:cNvGrpSpPr/>
+        <p:nvPr/>
+      </p:nvGrpSpPr>
+      <p:grpSpPr>
+        <a:xfrm>
+          <a:off x="0" y="0"/>
+          <a:ext cx="0" cy="0"/>
+          <a:chOff x="0" y="0"/>
+          <a:chExt cx="0" cy="0"/>
+        </a:xfrm>
+      </p:grpSpPr>
+      <p:sp>
+        <p:nvSpPr>
+          <p:cNvPr id="2" name="幻灯片图像占位符 1"/>
+          <p:cNvSpPr>
+            <a:spLocks noGrp="1" noRot="1" noChangeAspect="1"/>
+          </p:cNvSpPr>
+          <p:nvPr>
+            <p:ph type="sldImg"/>
+          </p:nvPr>
+        </p:nvSpPr>
+        <p:spPr/>
+      </p:sp>
+      <p:sp>
+        <p:nvSpPr>
+          <p:cNvPr id="3" name="备注占位符 2"/>
+          <p:cNvSpPr>
+            <a:spLocks noGrp="1"/>
+          </p:cNvSpPr>
+          <p:nvPr>
+            <p:ph type="body" idx="1"/>
+          </p:nvPr>
+        </p:nvSpPr>
+        <p:spPr/>
+        <p:txBody>
+          <a:bodyPr/>
+          <a:lstStyle/>
+          <a:p>
+            <a:r>
+              <a:rPr lang="en-US" altLang="zh-CN" dirty="0" smtClean="0"/>
+              <a:t>https://www.w3.org/TR/2012/WD-file-system-api-20120417/</a:t>
+            </a:r>
+            <a:endParaRPr lang="zh-CN" altLang="en-US" dirty="0"/>
+          </a:p>
+        </p:txBody>
+      </p:sp>
+      <p:sp>
+        <p:nvSpPr>
+          <p:cNvPr id="4" name="灯片编号占位符 3"/>
+          <p:cNvSpPr>
+            <a:spLocks noGrp="1"/>
+          </p:cNvSpPr>
+          <p:nvPr>
+            <p:ph type="sldNum" sz="quarter" idx="10"/>
+          </p:nvPr>
+        </p:nvSpPr>
+        <p:spPr/>
+        <p:txBody>
+          <a:bodyPr/>
+          <a:lstStyle/>
+          <a:p>
+            <a:fld id="{80F750DE-A424-41F9-8DA1-B01F34C639C1}" type="slidenum">
+              <a:rPr lang="zh-CN" altLang="en-US" smtClean="0"/>
+              <a:t>10</a:t>
+            </a:fld>
+            <a:endParaRPr lang="zh-CN" altLang="en-US"/>
+          </a:p>
+        </p:txBody>
+      </p:sp>
+    </p:spTree>
+    <p:extLst>
+      <p:ext uri="{BB962C8B-B14F-4D97-AF65-F5344CB8AC3E}">
+        <p14:creationId xmlns:p14="http://schemas.microsoft.com/office/powerpoint/2010/main" val="1038379318"/>
       </p:ext>
     </p:extLst>
   </p:cSld>
@@ -8694,11 +8980,7 @@
           <a:p>
             <a:r>
               <a:rPr lang="zh-CN" altLang="en-US" dirty="0" smtClean="0"/>
-              <a:t>浏览器</a:t>
-            </a:r>
-            <a:r>
-              <a:rPr lang="zh-CN" altLang="en-US" dirty="0" smtClean="0"/>
-              <a:t>大型文件存储</a:t>
+              <a:t>浏览器大型文件存储</a:t>
             </a:r>
             <a:endParaRPr lang="zh-CN" altLang="en-US" dirty="0"/>
           </a:p>
@@ -8795,14 +9077,19 @@
             <p:ph type="title"/>
           </p:nvPr>
         </p:nvSpPr>
-        <p:spPr/>
+        <p:spPr>
+          <a:xfrm>
+            <a:off x="2592925" y="624110"/>
+            <a:ext cx="8911687" cy="799248"/>
+          </a:xfrm>
+        </p:spPr>
         <p:txBody>
           <a:bodyPr/>
           <a:lstStyle/>
           <a:p>
             <a:r>
-              <a:rPr lang="en-US" altLang="zh-CN" dirty="0" err="1" smtClean="0"/>
-              <a:t>Enry</a:t>
+              <a:rPr lang="en-US" altLang="zh-CN" dirty="0" smtClean="0"/>
+              <a:t>FileSystem.js</a:t>
             </a:r>
             <a:endParaRPr lang="zh-CN" altLang="en-US" dirty="0"/>
           </a:p>
@@ -8818,164 +9105,796 @@
             <p:ph idx="1"/>
           </p:nvPr>
         </p:nvSpPr>
-        <p:spPr/>
+        <p:spPr>
+          <a:xfrm>
+            <a:off x="2295914" y="1564256"/>
+            <a:ext cx="8915400" cy="4487864"/>
+          </a:xfrm>
+        </p:spPr>
         <p:txBody>
           <a:bodyPr/>
           <a:lstStyle/>
-          <a:p>
-            <a:r>
-              <a:rPr lang="en-US" altLang="zh-CN" dirty="0" err="1" smtClean="0"/>
-              <a:t>getMetadata</a:t>
-            </a:r>
-            <a:r>
-              <a:rPr lang="zh-CN" altLang="en-US" dirty="0"/>
-              <a:t>：</a:t>
-            </a:r>
-            <a:r>
-              <a:rPr lang="zh-CN" altLang="en-US" dirty="0" smtClean="0"/>
-              <a:t>获取元数据 </a:t>
-            </a:r>
-            <a:r>
-              <a:rPr lang="en-US" altLang="zh-CN" dirty="0" err="1" smtClean="0"/>
-              <a:t>modificationTime</a:t>
-            </a:r>
-            <a:r>
-              <a:rPr lang="en-US" altLang="zh-CN" dirty="0"/>
-              <a:t>, </a:t>
-            </a:r>
-            <a:r>
-              <a:rPr lang="en-US" altLang="zh-CN" dirty="0" smtClean="0"/>
-              <a:t>size</a:t>
-            </a:r>
-          </a:p>
-          <a:p>
-            <a:r>
-              <a:rPr lang="en-US" altLang="zh-CN" dirty="0" err="1" smtClean="0"/>
-              <a:t>moveTo</a:t>
-            </a:r>
-            <a:r>
-              <a:rPr lang="zh-CN" altLang="en-US" dirty="0"/>
-              <a:t>：</a:t>
-            </a:r>
-            <a:r>
-              <a:rPr lang="zh-CN" altLang="en-US" dirty="0" smtClean="0"/>
-              <a:t>移动（未实现）</a:t>
-            </a:r>
-            <a:endParaRPr lang="en-US" altLang="zh-CN" dirty="0" smtClean="0"/>
-          </a:p>
-          <a:p>
-            <a:r>
-              <a:rPr lang="en-US" altLang="zh-CN" dirty="0" err="1" smtClean="0"/>
-              <a:t>copyTo</a:t>
-            </a:r>
-            <a:r>
-              <a:rPr lang="zh-CN" altLang="en-US" dirty="0"/>
-              <a:t>：</a:t>
-            </a:r>
-            <a:r>
-              <a:rPr lang="zh-CN" altLang="en-US" dirty="0" smtClean="0"/>
-              <a:t>复制（未实现）</a:t>
-            </a:r>
-            <a:endParaRPr lang="en-US" altLang="zh-CN" dirty="0" smtClean="0"/>
-          </a:p>
-          <a:p>
-            <a:r>
-              <a:rPr lang="en-US" altLang="zh-CN" dirty="0" err="1" smtClean="0"/>
-              <a:t>toURL</a:t>
-            </a:r>
-            <a:r>
-              <a:rPr lang="zh-CN" altLang="en-US" dirty="0" smtClean="0"/>
-              <a:t>：变成格式为 </a:t>
-            </a:r>
-            <a:r>
-              <a:rPr lang="en-US" altLang="zh-CN" dirty="0" err="1"/>
-              <a:t>blob:https</a:t>
-            </a:r>
-            <a:r>
-              <a:rPr lang="en-US" altLang="zh-CN" dirty="0" smtClean="0"/>
-              <a:t>://[</a:t>
-            </a:r>
-            <a:r>
-              <a:rPr lang="en-US" altLang="zh-CN" i="1" dirty="0" err="1" smtClean="0"/>
-              <a:t>domain:port</a:t>
-            </a:r>
-            <a:r>
-              <a:rPr lang="en-US" altLang="zh-CN" dirty="0" smtClean="0"/>
-              <a:t>]/[</a:t>
-            </a:r>
-            <a:r>
-              <a:rPr lang="en-US" altLang="zh-CN" i="1" dirty="0" err="1" smtClean="0"/>
-              <a:t>uuid</a:t>
-            </a:r>
-            <a:r>
-              <a:rPr lang="en-US" altLang="zh-CN" dirty="0" smtClean="0"/>
-              <a:t>]</a:t>
-            </a:r>
-          </a:p>
           <a:p>
             <a:pPr marL="0" indent="0">
               <a:buNone/>
             </a:pPr>
             <a:r>
-              <a:rPr lang="en-US" altLang="zh-CN" dirty="0"/>
-              <a:t> </a:t>
+              <a:rPr lang="zh-CN" altLang="en-US" dirty="0" smtClean="0"/>
+              <a:t>核心</a:t>
             </a:r>
             <a:r>
               <a:rPr lang="en-US" altLang="zh-CN" dirty="0" smtClean="0"/>
-              <a:t>                  </a:t>
-            </a:r>
-            <a:r>
-              <a:rPr lang="zh-CN" altLang="en-US" dirty="0" smtClean="0"/>
-              <a:t>例如：</a:t>
-            </a:r>
-            <a:r>
-              <a:rPr lang="en-US" altLang="zh-CN" dirty="0"/>
-              <a:t> </a:t>
-            </a:r>
-            <a:r>
-              <a:rPr lang="en-US" altLang="zh-CN" sz="1400" dirty="0" err="1"/>
-              <a:t>blob:https</a:t>
-            </a:r>
+              <a:t>class</a:t>
+            </a:r>
+          </a:p>
+          <a:p>
+            <a:r>
+              <a:rPr lang="en-US" altLang="zh-CN" dirty="0" smtClean="0"/>
+              <a:t>Entry</a:t>
+            </a:r>
+          </a:p>
+          <a:p>
+            <a:r>
+              <a:rPr lang="en-US" altLang="zh-CN" dirty="0" err="1"/>
+              <a:t>FileEntry</a:t>
+            </a:r>
+            <a:endParaRPr lang="en-US" altLang="zh-CN" dirty="0"/>
+          </a:p>
+          <a:p>
+            <a:r>
+              <a:rPr lang="en-US" altLang="zh-CN" dirty="0" err="1"/>
+              <a:t>DirectoryEntry</a:t>
+            </a:r>
+            <a:endParaRPr lang="en-US" altLang="zh-CN" dirty="0"/>
+          </a:p>
+          <a:p>
+            <a:r>
+              <a:rPr lang="en-US" altLang="zh-CN" dirty="0" err="1"/>
+              <a:t>FileSystem</a:t>
+            </a:r>
+            <a:endParaRPr lang="en-US" altLang="zh-CN" dirty="0"/>
+          </a:p>
+          <a:p>
+            <a:r>
+              <a:rPr lang="en-US" altLang="zh-CN" dirty="0" err="1"/>
+              <a:t>ReaderUtil</a:t>
+            </a:r>
+            <a:endParaRPr lang="en-US" altLang="zh-CN" dirty="0"/>
+          </a:p>
+          <a:p>
+            <a:endParaRPr lang="en-US" altLang="zh-CN" dirty="0"/>
+          </a:p>
+          <a:p>
+            <a:pPr marL="0" indent="0">
+              <a:buNone/>
+            </a:pPr>
+            <a:endParaRPr lang="zh-CN" altLang="en-US" dirty="0"/>
+          </a:p>
+        </p:txBody>
+      </p:sp>
+      <p:sp>
+        <p:nvSpPr>
+          <p:cNvPr id="4" name="矩形 3"/>
+          <p:cNvSpPr/>
+          <p:nvPr/>
+        </p:nvSpPr>
+        <p:spPr>
+          <a:xfrm>
+            <a:off x="8476889" y="769873"/>
+            <a:ext cx="1164567" cy="327804"/>
+          </a:xfrm>
+          <a:prstGeom prst="rect">
+            <a:avLst/>
+          </a:prstGeom>
+        </p:spPr>
+        <p:style>
+          <a:lnRef idx="2">
+            <a:schemeClr val="accent1">
+              <a:shade val="50000"/>
+            </a:schemeClr>
+          </a:lnRef>
+          <a:fillRef idx="1">
+            <a:schemeClr val="accent1"/>
+          </a:fillRef>
+          <a:effectRef idx="0">
+            <a:schemeClr val="accent1"/>
+          </a:effectRef>
+          <a:fontRef idx="minor">
+            <a:schemeClr val="lt1"/>
+          </a:fontRef>
+        </p:style>
+        <p:txBody>
+          <a:bodyPr rtlCol="0" anchor="ctr"/>
+          <a:lstStyle/>
+          <a:p>
+            <a:pPr algn="ctr"/>
+            <a:r>
+              <a:rPr lang="en-US" altLang="zh-CN" dirty="0" smtClean="0"/>
+              <a:t>Entry</a:t>
+            </a:r>
+            <a:endParaRPr lang="zh-CN" altLang="en-US" dirty="0"/>
+          </a:p>
+        </p:txBody>
+      </p:sp>
+      <p:sp>
+        <p:nvSpPr>
+          <p:cNvPr id="5" name="矩形 4"/>
+          <p:cNvSpPr/>
+          <p:nvPr/>
+        </p:nvSpPr>
+        <p:spPr>
+          <a:xfrm>
+            <a:off x="9279146" y="1728024"/>
+            <a:ext cx="1840303" cy="327804"/>
+          </a:xfrm>
+          <a:prstGeom prst="rect">
+            <a:avLst/>
+          </a:prstGeom>
+        </p:spPr>
+        <p:style>
+          <a:lnRef idx="2">
+            <a:schemeClr val="accent1">
+              <a:shade val="50000"/>
+            </a:schemeClr>
+          </a:lnRef>
+          <a:fillRef idx="1">
+            <a:schemeClr val="accent1"/>
+          </a:fillRef>
+          <a:effectRef idx="0">
+            <a:schemeClr val="accent1"/>
+          </a:effectRef>
+          <a:fontRef idx="minor">
+            <a:schemeClr val="lt1"/>
+          </a:fontRef>
+        </p:style>
+        <p:txBody>
+          <a:bodyPr rtlCol="0" anchor="ctr"/>
+          <a:lstStyle/>
+          <a:p>
+            <a:pPr algn="ctr"/>
+            <a:r>
+              <a:rPr lang="en-US" altLang="zh-CN" dirty="0" err="1" smtClean="0"/>
+              <a:t>DirectoryEnty</a:t>
+            </a:r>
+            <a:endParaRPr lang="zh-CN" altLang="en-US" dirty="0"/>
+          </a:p>
+        </p:txBody>
+      </p:sp>
+      <p:sp>
+        <p:nvSpPr>
+          <p:cNvPr id="6" name="矩形 5"/>
+          <p:cNvSpPr/>
+          <p:nvPr/>
+        </p:nvSpPr>
+        <p:spPr>
+          <a:xfrm>
+            <a:off x="7358333" y="1730900"/>
+            <a:ext cx="1670648" cy="327804"/>
+          </a:xfrm>
+          <a:prstGeom prst="rect">
+            <a:avLst/>
+          </a:prstGeom>
+        </p:spPr>
+        <p:style>
+          <a:lnRef idx="2">
+            <a:schemeClr val="accent1">
+              <a:shade val="50000"/>
+            </a:schemeClr>
+          </a:lnRef>
+          <a:fillRef idx="1">
+            <a:schemeClr val="accent1"/>
+          </a:fillRef>
+          <a:effectRef idx="0">
+            <a:schemeClr val="accent1"/>
+          </a:effectRef>
+          <a:fontRef idx="minor">
+            <a:schemeClr val="lt1"/>
+          </a:fontRef>
+        </p:style>
+        <p:txBody>
+          <a:bodyPr rtlCol="0" anchor="ctr"/>
+          <a:lstStyle/>
+          <a:p>
+            <a:pPr algn="ctr"/>
+            <a:r>
+              <a:rPr lang="en-US" altLang="zh-CN" dirty="0" err="1" smtClean="0"/>
+              <a:t>FileEntry</a:t>
+            </a:r>
+            <a:endParaRPr lang="zh-CN" altLang="en-US" dirty="0"/>
+          </a:p>
+        </p:txBody>
+      </p:sp>
+      <p:sp>
+        <p:nvSpPr>
+          <p:cNvPr id="7" name="矩形 6"/>
+          <p:cNvSpPr/>
+          <p:nvPr/>
+        </p:nvSpPr>
+        <p:spPr>
+          <a:xfrm>
+            <a:off x="8453886" y="2835215"/>
+            <a:ext cx="1407543" cy="327804"/>
+          </a:xfrm>
+          <a:prstGeom prst="rect">
+            <a:avLst/>
+          </a:prstGeom>
+        </p:spPr>
+        <p:style>
+          <a:lnRef idx="2">
+            <a:schemeClr val="accent1">
+              <a:shade val="50000"/>
+            </a:schemeClr>
+          </a:lnRef>
+          <a:fillRef idx="1">
+            <a:schemeClr val="accent1"/>
+          </a:fillRef>
+          <a:effectRef idx="0">
+            <a:schemeClr val="accent1"/>
+          </a:effectRef>
+          <a:fontRef idx="minor">
+            <a:schemeClr val="lt1"/>
+          </a:fontRef>
+        </p:style>
+        <p:txBody>
+          <a:bodyPr rtlCol="0" anchor="ctr"/>
+          <a:lstStyle/>
+          <a:p>
+            <a:pPr algn="ctr"/>
+            <a:r>
+              <a:rPr lang="en-US" altLang="zh-CN" dirty="0" err="1" smtClean="0"/>
+              <a:t>FileSystem</a:t>
+            </a:r>
+            <a:endParaRPr lang="zh-CN" altLang="en-US" dirty="0"/>
+          </a:p>
+        </p:txBody>
+      </p:sp>
+      <p:cxnSp>
+        <p:nvCxnSpPr>
+          <p:cNvPr id="13" name="直接箭头连接符 12"/>
+          <p:cNvCxnSpPr>
+            <a:stCxn id="6" idx="2"/>
+            <a:endCxn id="7" idx="0"/>
+          </p:cNvCxnSpPr>
+          <p:nvPr/>
+        </p:nvCxnSpPr>
+        <p:spPr>
+          <a:xfrm>
+            <a:off x="8193657" y="2058704"/>
+            <a:ext cx="964001" cy="776511"/>
+          </a:xfrm>
+          <a:prstGeom prst="straightConnector1">
+            <a:avLst/>
+          </a:prstGeom>
+          <a:ln>
+            <a:tailEnd type="triangle"/>
+          </a:ln>
+        </p:spPr>
+        <p:style>
+          <a:lnRef idx="1">
+            <a:schemeClr val="accent1"/>
+          </a:lnRef>
+          <a:fillRef idx="0">
+            <a:schemeClr val="accent1"/>
+          </a:fillRef>
+          <a:effectRef idx="0">
+            <a:schemeClr val="accent1"/>
+          </a:effectRef>
+          <a:fontRef idx="minor">
+            <a:schemeClr val="tx1"/>
+          </a:fontRef>
+        </p:style>
+      </p:cxnSp>
+      <p:cxnSp>
+        <p:nvCxnSpPr>
+          <p:cNvPr id="15" name="直接箭头连接符 14"/>
+          <p:cNvCxnSpPr>
+            <a:stCxn id="5" idx="2"/>
+            <a:endCxn id="7" idx="0"/>
+          </p:cNvCxnSpPr>
+          <p:nvPr/>
+        </p:nvCxnSpPr>
+        <p:spPr>
+          <a:xfrm flipH="1">
+            <a:off x="9157658" y="2055828"/>
+            <a:ext cx="1041640" cy="779387"/>
+          </a:xfrm>
+          <a:prstGeom prst="straightConnector1">
+            <a:avLst/>
+          </a:prstGeom>
+          <a:ln>
+            <a:tailEnd type="triangle"/>
+          </a:ln>
+        </p:spPr>
+        <p:style>
+          <a:lnRef idx="1">
+            <a:schemeClr val="accent1"/>
+          </a:lnRef>
+          <a:fillRef idx="0">
+            <a:schemeClr val="accent1"/>
+          </a:fillRef>
+          <a:effectRef idx="0">
+            <a:schemeClr val="accent1"/>
+          </a:effectRef>
+          <a:fontRef idx="minor">
+            <a:schemeClr val="tx1"/>
+          </a:fontRef>
+        </p:style>
+      </p:cxnSp>
+      <p:sp>
+        <p:nvSpPr>
+          <p:cNvPr id="16" name="矩形 15"/>
+          <p:cNvSpPr/>
+          <p:nvPr/>
+        </p:nvSpPr>
+        <p:spPr>
+          <a:xfrm>
+            <a:off x="8491266" y="4285650"/>
+            <a:ext cx="1407543" cy="327804"/>
+          </a:xfrm>
+          <a:prstGeom prst="rect">
+            <a:avLst/>
+          </a:prstGeom>
+        </p:spPr>
+        <p:style>
+          <a:lnRef idx="2">
+            <a:schemeClr val="accent1">
+              <a:shade val="50000"/>
+            </a:schemeClr>
+          </a:lnRef>
+          <a:fillRef idx="1">
+            <a:schemeClr val="accent1"/>
+          </a:fillRef>
+          <a:effectRef idx="0">
+            <a:schemeClr val="accent1"/>
+          </a:effectRef>
+          <a:fontRef idx="minor">
+            <a:schemeClr val="lt1"/>
+          </a:fontRef>
+        </p:style>
+        <p:txBody>
+          <a:bodyPr rot="0" spcFirstLastPara="0" vert="horz" wrap="square" lIns="91440" tIns="45720" rIns="91440" bIns="45720" numCol="1" spcCol="0" rtlCol="0" fromWordArt="0" anchor="ctr" anchorCtr="0" forceAA="0" compatLnSpc="1">
+            <a:prstTxWarp prst="textNoShape">
+              <a:avLst/>
+            </a:prstTxWarp>
+            <a:noAutofit/>
+          </a:bodyPr>
+          <a:lstStyle>
+            <a:defPPr>
+              <a:defRPr lang="zh-CN"/>
+            </a:defPPr>
+            <a:lvl1pPr marL="0" algn="l" defTabSz="914400" rtl="0" eaLnBrk="1" latinLnBrk="0" hangingPunct="1">
+              <a:defRPr sz="1800" kern="1200">
+                <a:solidFill>
+                  <a:schemeClr val="lt1"/>
+                </a:solidFill>
+                <a:latin typeface="+mn-lt"/>
+                <a:ea typeface="+mn-ea"/>
+                <a:cs typeface="+mn-cs"/>
+              </a:defRPr>
+            </a:lvl1pPr>
+            <a:lvl2pPr marL="457200" algn="l" defTabSz="914400" rtl="0" eaLnBrk="1" latinLnBrk="0" hangingPunct="1">
+              <a:defRPr sz="1800" kern="1200">
+                <a:solidFill>
+                  <a:schemeClr val="lt1"/>
+                </a:solidFill>
+                <a:latin typeface="+mn-lt"/>
+                <a:ea typeface="+mn-ea"/>
+                <a:cs typeface="+mn-cs"/>
+              </a:defRPr>
+            </a:lvl2pPr>
+            <a:lvl3pPr marL="914400" algn="l" defTabSz="914400" rtl="0" eaLnBrk="1" latinLnBrk="0" hangingPunct="1">
+              <a:defRPr sz="1800" kern="1200">
+                <a:solidFill>
+                  <a:schemeClr val="lt1"/>
+                </a:solidFill>
+                <a:latin typeface="+mn-lt"/>
+                <a:ea typeface="+mn-ea"/>
+                <a:cs typeface="+mn-cs"/>
+              </a:defRPr>
+            </a:lvl3pPr>
+            <a:lvl4pPr marL="1371600" algn="l" defTabSz="914400" rtl="0" eaLnBrk="1" latinLnBrk="0" hangingPunct="1">
+              <a:defRPr sz="1800" kern="1200">
+                <a:solidFill>
+                  <a:schemeClr val="lt1"/>
+                </a:solidFill>
+                <a:latin typeface="+mn-lt"/>
+                <a:ea typeface="+mn-ea"/>
+                <a:cs typeface="+mn-cs"/>
+              </a:defRPr>
+            </a:lvl4pPr>
+            <a:lvl5pPr marL="1828800" algn="l" defTabSz="914400" rtl="0" eaLnBrk="1" latinLnBrk="0" hangingPunct="1">
+              <a:defRPr sz="1800" kern="1200">
+                <a:solidFill>
+                  <a:schemeClr val="lt1"/>
+                </a:solidFill>
+                <a:latin typeface="+mn-lt"/>
+                <a:ea typeface="+mn-ea"/>
+                <a:cs typeface="+mn-cs"/>
+              </a:defRPr>
+            </a:lvl5pPr>
+            <a:lvl6pPr marL="2286000" algn="l" defTabSz="914400" rtl="0" eaLnBrk="1" latinLnBrk="0" hangingPunct="1">
+              <a:defRPr sz="1800" kern="1200">
+                <a:solidFill>
+                  <a:schemeClr val="lt1"/>
+                </a:solidFill>
+                <a:latin typeface="+mn-lt"/>
+                <a:ea typeface="+mn-ea"/>
+                <a:cs typeface="+mn-cs"/>
+              </a:defRPr>
+            </a:lvl6pPr>
+            <a:lvl7pPr marL="2743200" algn="l" defTabSz="914400" rtl="0" eaLnBrk="1" latinLnBrk="0" hangingPunct="1">
+              <a:defRPr sz="1800" kern="1200">
+                <a:solidFill>
+                  <a:schemeClr val="lt1"/>
+                </a:solidFill>
+                <a:latin typeface="+mn-lt"/>
+                <a:ea typeface="+mn-ea"/>
+                <a:cs typeface="+mn-cs"/>
+              </a:defRPr>
+            </a:lvl7pPr>
+            <a:lvl8pPr marL="3200400" algn="l" defTabSz="914400" rtl="0" eaLnBrk="1" latinLnBrk="0" hangingPunct="1">
+              <a:defRPr sz="1800" kern="1200">
+                <a:solidFill>
+                  <a:schemeClr val="lt1"/>
+                </a:solidFill>
+                <a:latin typeface="+mn-lt"/>
+                <a:ea typeface="+mn-ea"/>
+                <a:cs typeface="+mn-cs"/>
+              </a:defRPr>
+            </a:lvl8pPr>
+            <a:lvl9pPr marL="3657600" algn="l" defTabSz="914400" rtl="0" eaLnBrk="1" latinLnBrk="0" hangingPunct="1">
+              <a:defRPr sz="1800" kern="1200">
+                <a:solidFill>
+                  <a:schemeClr val="lt1"/>
+                </a:solidFill>
+                <a:latin typeface="+mn-lt"/>
+                <a:ea typeface="+mn-ea"/>
+                <a:cs typeface="+mn-cs"/>
+              </a:defRPr>
+            </a:lvl9pPr>
+          </a:lstStyle>
+          <a:p>
+            <a:pPr algn="ctr"/>
+            <a:r>
+              <a:rPr lang="en-US" altLang="zh-CN" dirty="0" err="1" smtClean="0"/>
+              <a:t>indexedDB</a:t>
+            </a:r>
+            <a:endParaRPr lang="zh-CN" altLang="en-US" dirty="0"/>
+          </a:p>
+        </p:txBody>
+      </p:sp>
+      <p:cxnSp>
+        <p:nvCxnSpPr>
+          <p:cNvPr id="18" name="直接箭头连接符 17"/>
+          <p:cNvCxnSpPr/>
+          <p:nvPr/>
+        </p:nvCxnSpPr>
+        <p:spPr>
+          <a:xfrm>
+            <a:off x="8764438" y="3209026"/>
+            <a:ext cx="60385" cy="1076624"/>
+          </a:xfrm>
+          <a:prstGeom prst="straightConnector1">
+            <a:avLst/>
+          </a:prstGeom>
+          <a:ln>
+            <a:tailEnd type="triangle"/>
+          </a:ln>
+        </p:spPr>
+        <p:style>
+          <a:lnRef idx="1">
+            <a:schemeClr val="accent1"/>
+          </a:lnRef>
+          <a:fillRef idx="0">
+            <a:schemeClr val="accent1"/>
+          </a:fillRef>
+          <a:effectRef idx="0">
+            <a:schemeClr val="accent1"/>
+          </a:effectRef>
+          <a:fontRef idx="minor">
+            <a:schemeClr val="tx1"/>
+          </a:fontRef>
+        </p:style>
+      </p:cxnSp>
+      <p:cxnSp>
+        <p:nvCxnSpPr>
+          <p:cNvPr id="20" name="直接箭头连接符 19"/>
+          <p:cNvCxnSpPr/>
+          <p:nvPr/>
+        </p:nvCxnSpPr>
+        <p:spPr>
+          <a:xfrm flipH="1" flipV="1">
+            <a:off x="9489057" y="3163021"/>
+            <a:ext cx="87700" cy="1076622"/>
+          </a:xfrm>
+          <a:prstGeom prst="straightConnector1">
+            <a:avLst/>
+          </a:prstGeom>
+          <a:ln>
+            <a:tailEnd type="triangle"/>
+          </a:ln>
+        </p:spPr>
+        <p:style>
+          <a:lnRef idx="1">
+            <a:schemeClr val="accent1"/>
+          </a:lnRef>
+          <a:fillRef idx="0">
+            <a:schemeClr val="accent1"/>
+          </a:fillRef>
+          <a:effectRef idx="0">
+            <a:schemeClr val="accent1"/>
+          </a:effectRef>
+          <a:fontRef idx="minor">
+            <a:schemeClr val="tx1"/>
+          </a:fontRef>
+        </p:style>
+      </p:cxnSp>
+      <p:sp>
+        <p:nvSpPr>
+          <p:cNvPr id="25" name="文本框 24"/>
+          <p:cNvSpPr txBox="1"/>
+          <p:nvPr/>
+        </p:nvSpPr>
+        <p:spPr>
+          <a:xfrm>
+            <a:off x="8307238" y="1268083"/>
+            <a:ext cx="595222" cy="307777"/>
+          </a:xfrm>
+          <a:prstGeom prst="rect">
+            <a:avLst/>
+          </a:prstGeom>
+          <a:noFill/>
+        </p:spPr>
+        <p:txBody>
+          <a:bodyPr wrap="square" rtlCol="0">
+            <a:spAutoFit/>
+          </a:bodyPr>
+          <a:lstStyle/>
+          <a:p>
+            <a:r>
+              <a:rPr lang="zh-CN" altLang="en-US" sz="1400" dirty="0" smtClean="0"/>
+              <a:t>继承</a:t>
+            </a:r>
+            <a:endParaRPr lang="zh-CN" altLang="en-US" sz="1400" dirty="0"/>
+          </a:p>
+        </p:txBody>
+      </p:sp>
+      <p:sp>
+        <p:nvSpPr>
+          <p:cNvPr id="26" name="文本框 25"/>
+          <p:cNvSpPr txBox="1"/>
+          <p:nvPr/>
+        </p:nvSpPr>
+        <p:spPr>
+          <a:xfrm>
+            <a:off x="9279146" y="1243455"/>
+            <a:ext cx="595222" cy="307777"/>
+          </a:xfrm>
+          <a:prstGeom prst="rect">
+            <a:avLst/>
+          </a:prstGeom>
+          <a:noFill/>
+        </p:spPr>
+        <p:txBody>
+          <a:bodyPr wrap="square" rtlCol="0">
+            <a:spAutoFit/>
+          </a:bodyPr>
+          <a:lstStyle/>
+          <a:p>
+            <a:r>
+              <a:rPr lang="zh-CN" altLang="en-US" sz="1400" dirty="0" smtClean="0"/>
+              <a:t>继承</a:t>
+            </a:r>
+            <a:endParaRPr lang="zh-CN" altLang="en-US" sz="1400" dirty="0"/>
+          </a:p>
+        </p:txBody>
+      </p:sp>
+      <p:cxnSp>
+        <p:nvCxnSpPr>
+          <p:cNvPr id="28" name="直接箭头连接符 27"/>
+          <p:cNvCxnSpPr>
+            <a:stCxn id="6" idx="0"/>
+            <a:endCxn id="4" idx="2"/>
+          </p:cNvCxnSpPr>
+          <p:nvPr/>
+        </p:nvCxnSpPr>
+        <p:spPr>
+          <a:xfrm flipV="1">
+            <a:off x="8193657" y="1097677"/>
+            <a:ext cx="865516" cy="633223"/>
+          </a:xfrm>
+          <a:prstGeom prst="straightConnector1">
+            <a:avLst/>
+          </a:prstGeom>
+          <a:ln>
+            <a:tailEnd type="triangle"/>
+          </a:ln>
+        </p:spPr>
+        <p:style>
+          <a:lnRef idx="1">
+            <a:schemeClr val="accent1"/>
+          </a:lnRef>
+          <a:fillRef idx="0">
+            <a:schemeClr val="accent1"/>
+          </a:fillRef>
+          <a:effectRef idx="0">
+            <a:schemeClr val="accent1"/>
+          </a:effectRef>
+          <a:fontRef idx="minor">
+            <a:schemeClr val="tx1"/>
+          </a:fontRef>
+        </p:style>
+      </p:cxnSp>
+      <p:cxnSp>
+        <p:nvCxnSpPr>
+          <p:cNvPr id="30" name="直接箭头连接符 29"/>
+          <p:cNvCxnSpPr>
+            <a:stCxn id="5" idx="0"/>
+            <a:endCxn id="4" idx="2"/>
+          </p:cNvCxnSpPr>
+          <p:nvPr/>
+        </p:nvCxnSpPr>
+        <p:spPr>
+          <a:xfrm flipH="1" flipV="1">
+            <a:off x="9059173" y="1097677"/>
+            <a:ext cx="1140125" cy="630347"/>
+          </a:xfrm>
+          <a:prstGeom prst="straightConnector1">
+            <a:avLst/>
+          </a:prstGeom>
+          <a:ln>
+            <a:tailEnd type="triangle"/>
+          </a:ln>
+        </p:spPr>
+        <p:style>
+          <a:lnRef idx="1">
+            <a:schemeClr val="accent1"/>
+          </a:lnRef>
+          <a:fillRef idx="0">
+            <a:schemeClr val="accent1"/>
+          </a:fillRef>
+          <a:effectRef idx="0">
+            <a:schemeClr val="accent1"/>
+          </a:effectRef>
+          <a:fontRef idx="minor">
+            <a:schemeClr val="tx1"/>
+          </a:fontRef>
+        </p:style>
+      </p:cxnSp>
+      <p:sp>
+        <p:nvSpPr>
+          <p:cNvPr id="43" name="文本框 42"/>
+          <p:cNvSpPr txBox="1"/>
+          <p:nvPr/>
+        </p:nvSpPr>
+        <p:spPr>
+          <a:xfrm>
+            <a:off x="8072170" y="2291632"/>
+            <a:ext cx="956812" cy="307777"/>
+          </a:xfrm>
+          <a:prstGeom prst="rect">
+            <a:avLst/>
+          </a:prstGeom>
+          <a:noFill/>
+        </p:spPr>
+        <p:txBody>
+          <a:bodyPr wrap="square" rtlCol="0">
+            <a:spAutoFit/>
+          </a:bodyPr>
+          <a:lstStyle/>
+          <a:p>
+            <a:r>
+              <a:rPr lang="en-US" altLang="zh-CN" sz="1400" dirty="0" smtClean="0"/>
+              <a:t>dispatch</a:t>
+            </a:r>
+            <a:endParaRPr lang="zh-CN" altLang="en-US" sz="1400" dirty="0"/>
+          </a:p>
+        </p:txBody>
+      </p:sp>
+      <p:sp>
+        <p:nvSpPr>
+          <p:cNvPr id="44" name="文本框 43"/>
+          <p:cNvSpPr txBox="1"/>
+          <p:nvPr/>
+        </p:nvSpPr>
+        <p:spPr>
+          <a:xfrm>
+            <a:off x="9290975" y="2283915"/>
+            <a:ext cx="942887" cy="307777"/>
+          </a:xfrm>
+          <a:prstGeom prst="rect">
+            <a:avLst/>
+          </a:prstGeom>
+          <a:noFill/>
+        </p:spPr>
+        <p:txBody>
+          <a:bodyPr wrap="none" rtlCol="0">
+            <a:spAutoFit/>
+          </a:bodyPr>
+          <a:lstStyle/>
+          <a:p>
             <a:r>
               <a:rPr lang="en-US" altLang="zh-CN" sz="1400" dirty="0"/>
-              <a:t>://</a:t>
-            </a:r>
-            <a:r>
-              <a:rPr lang="en-US" altLang="zh-CN" sz="1400" dirty="0" smtClean="0"/>
-              <a:t>xiangwenhu.github.io/652c7cfa-616b-4288-aaee-c30c37768237</a:t>
-            </a:r>
-          </a:p>
-          <a:p>
-            <a:r>
-              <a:rPr lang="en-US" altLang="zh-CN" dirty="0" smtClean="0"/>
-              <a:t>remove</a:t>
-            </a:r>
-            <a:r>
-              <a:rPr lang="zh-CN" altLang="en-US" dirty="0" smtClean="0"/>
-              <a:t>：删除目录或者文件</a:t>
-            </a:r>
-            <a:endParaRPr lang="en-US" altLang="zh-CN" dirty="0" smtClean="0"/>
-          </a:p>
-          <a:p>
-            <a:r>
-              <a:rPr lang="en-US" altLang="zh-CN" dirty="0" err="1" smtClean="0"/>
-              <a:t>getParent</a:t>
-            </a:r>
-            <a:r>
-              <a:rPr lang="zh-CN" altLang="en-US" dirty="0" smtClean="0"/>
-              <a:t>：获得父目录</a:t>
-            </a:r>
-            <a:endParaRPr lang="en-US" altLang="zh-CN" dirty="0"/>
-          </a:p>
-          <a:p>
+              <a:t>dispatch</a:t>
+            </a:r>
             <a:endParaRPr lang="zh-CN" altLang="en-US" sz="1400" dirty="0"/>
           </a:p>
         </p:txBody>
       </p:sp>
+      <p:cxnSp>
+        <p:nvCxnSpPr>
+          <p:cNvPr id="46" name="直接箭头连接符 45"/>
+          <p:cNvCxnSpPr>
+            <a:stCxn id="7" idx="1"/>
+          </p:cNvCxnSpPr>
+          <p:nvPr/>
+        </p:nvCxnSpPr>
+        <p:spPr>
+          <a:xfrm flipH="1" flipV="1">
+            <a:off x="7435970" y="2055828"/>
+            <a:ext cx="1017916" cy="943289"/>
+          </a:xfrm>
+          <a:prstGeom prst="straightConnector1">
+            <a:avLst/>
+          </a:prstGeom>
+          <a:ln>
+            <a:tailEnd type="triangle"/>
+          </a:ln>
+        </p:spPr>
+        <p:style>
+          <a:lnRef idx="1">
+            <a:schemeClr val="accent1"/>
+          </a:lnRef>
+          <a:fillRef idx="0">
+            <a:schemeClr val="accent1"/>
+          </a:fillRef>
+          <a:effectRef idx="0">
+            <a:schemeClr val="accent1"/>
+          </a:effectRef>
+          <a:fontRef idx="minor">
+            <a:schemeClr val="tx1"/>
+          </a:fontRef>
+        </p:style>
+      </p:cxnSp>
+      <p:cxnSp>
+        <p:nvCxnSpPr>
+          <p:cNvPr id="48" name="直接箭头连接符 47"/>
+          <p:cNvCxnSpPr>
+            <a:stCxn id="7" idx="3"/>
+          </p:cNvCxnSpPr>
+          <p:nvPr/>
+        </p:nvCxnSpPr>
+        <p:spPr>
+          <a:xfrm flipV="1">
+            <a:off x="9861429" y="2055828"/>
+            <a:ext cx="1258020" cy="943289"/>
+          </a:xfrm>
+          <a:prstGeom prst="straightConnector1">
+            <a:avLst/>
+          </a:prstGeom>
+          <a:ln>
+            <a:tailEnd type="triangle"/>
+          </a:ln>
+        </p:spPr>
+        <p:style>
+          <a:lnRef idx="1">
+            <a:schemeClr val="accent1"/>
+          </a:lnRef>
+          <a:fillRef idx="0">
+            <a:schemeClr val="accent1"/>
+          </a:fillRef>
+          <a:effectRef idx="0">
+            <a:schemeClr val="accent1"/>
+          </a:effectRef>
+          <a:fontRef idx="minor">
+            <a:schemeClr val="tx1"/>
+          </a:fontRef>
+        </p:style>
+      </p:cxnSp>
     </p:spTree>
     <p:extLst>
       <p:ext uri="{BB962C8B-B14F-4D97-AF65-F5344CB8AC3E}">
-        <p14:creationId xmlns:p14="http://schemas.microsoft.com/office/powerpoint/2010/main" val="2573165693"/>
+        <p14:creationId xmlns:p14="http://schemas.microsoft.com/office/powerpoint/2010/main" val="710184817"/>
       </p:ext>
     </p:extLst>
   </p:cSld>
@@ -9026,7 +9945,7 @@
           <a:p>
             <a:r>
               <a:rPr lang="en-US" altLang="zh-CN" dirty="0" err="1" smtClean="0"/>
-              <a:t>FileEntry</a:t>
+              <a:t>Enry</a:t>
             </a:r>
             <a:endParaRPr lang="zh-CN" altLang="en-US" dirty="0"/>
           </a:p>
@@ -9048,177 +9967,158 @@
           <a:lstStyle/>
           <a:p>
             <a:r>
+              <a:rPr lang="en-US" altLang="zh-CN" dirty="0" err="1" smtClean="0"/>
+              <a:t>getMetadata</a:t>
+            </a:r>
+            <a:r>
+              <a:rPr lang="zh-CN" altLang="en-US" dirty="0"/>
+              <a:t>：</a:t>
+            </a:r>
+            <a:r>
+              <a:rPr lang="zh-CN" altLang="en-US" dirty="0" smtClean="0"/>
+              <a:t>获取元数据 </a:t>
+            </a:r>
+            <a:r>
+              <a:rPr lang="en-US" altLang="zh-CN" dirty="0" err="1" smtClean="0"/>
+              <a:t>modificationTime</a:t>
+            </a:r>
+            <a:r>
+              <a:rPr lang="en-US" altLang="zh-CN" dirty="0"/>
+              <a:t>, </a:t>
+            </a:r>
+            <a:r>
               <a:rPr lang="en-US" altLang="zh-CN" dirty="0" smtClean="0"/>
-              <a:t>write</a:t>
+              <a:t>size</a:t>
+            </a:r>
+          </a:p>
+          <a:p>
+            <a:r>
+              <a:rPr lang="en-US" altLang="zh-CN" dirty="0" err="1" smtClean="0"/>
+              <a:t>moveTo</a:t>
+            </a:r>
+            <a:r>
+              <a:rPr lang="zh-CN" altLang="en-US" dirty="0"/>
+              <a:t>：</a:t>
             </a:r>
             <a:r>
               <a:rPr lang="zh-CN" altLang="en-US" dirty="0" smtClean="0"/>
-              <a:t>：写入内容</a:t>
+              <a:t>移动（未实现）</a:t>
             </a:r>
             <a:endParaRPr lang="en-US" altLang="zh-CN" dirty="0" smtClean="0"/>
           </a:p>
           <a:p>
             <a:r>
               <a:rPr lang="en-US" altLang="zh-CN" dirty="0" err="1" smtClean="0"/>
-              <a:t>getBlob</a:t>
+              <a:t>copyTo</a:t>
+            </a:r>
+            <a:r>
+              <a:rPr lang="zh-CN" altLang="en-US" dirty="0"/>
+              <a:t>：</a:t>
             </a:r>
             <a:r>
               <a:rPr lang="zh-CN" altLang="en-US" dirty="0" smtClean="0"/>
-              <a:t>：获得原始的</a:t>
+              <a:t>复制（未实现）</a:t>
+            </a:r>
+            <a:endParaRPr lang="en-US" altLang="zh-CN" dirty="0" smtClean="0"/>
+          </a:p>
+          <a:p>
+            <a:r>
+              <a:rPr lang="en-US" altLang="zh-CN" dirty="0" err="1" smtClean="0"/>
+              <a:t>toURL</a:t>
+            </a:r>
+            <a:r>
+              <a:rPr lang="zh-CN" altLang="en-US" dirty="0" smtClean="0"/>
+              <a:t>：变成格式为 </a:t>
+            </a:r>
+            <a:r>
+              <a:rPr lang="en-US" altLang="zh-CN" dirty="0" err="1"/>
+              <a:t>blob:https</a:t>
             </a:r>
             <a:r>
               <a:rPr lang="en-US" altLang="zh-CN" dirty="0" smtClean="0"/>
-              <a:t>blob</a:t>
-            </a:r>
-            <a:r>
-              <a:rPr lang="zh-CN" altLang="en-US" dirty="0" smtClean="0"/>
-              <a:t>对象</a:t>
-            </a:r>
-            <a:endParaRPr lang="en-US" altLang="zh-CN" dirty="0"/>
-          </a:p>
-          <a:p>
-            <a:r>
-              <a:rPr lang="en-US" altLang="zh-CN" dirty="0" err="1" smtClean="0"/>
-              <a:t>readAsArrayBuffer</a:t>
-            </a:r>
-            <a:r>
-              <a:rPr lang="zh-CN" altLang="en-US" dirty="0" smtClean="0"/>
-              <a:t>：</a:t>
-            </a:r>
-            <a:r>
-              <a:rPr lang="zh-CN" altLang="en-US" dirty="0"/>
-              <a:t>参考</a:t>
+              <a:t>://[</a:t>
+            </a:r>
+            <a:r>
+              <a:rPr lang="en-US" altLang="zh-CN" i="1" dirty="0" err="1" smtClean="0"/>
+              <a:t>domain:port</a:t>
             </a:r>
             <a:r>
               <a:rPr lang="en-US" altLang="zh-CN" dirty="0" smtClean="0"/>
-              <a:t> </a:t>
-            </a:r>
-            <a:r>
-              <a:rPr lang="en-US" altLang="zh-CN" dirty="0" err="1" smtClean="0"/>
-              <a:t>FileReader</a:t>
+              <a:t>]/[</a:t>
+            </a:r>
+            <a:r>
+              <a:rPr lang="en-US" altLang="zh-CN" i="1" dirty="0" err="1" smtClean="0"/>
+              <a:t>uuid</a:t>
             </a:r>
             <a:r>
               <a:rPr lang="en-US" altLang="zh-CN" dirty="0" smtClean="0"/>
-              <a:t>.</a:t>
-            </a:r>
+              <a:t>]</a:t>
+            </a:r>
+          </a:p>
+          <a:p>
+            <a:pPr marL="0" indent="0">
+              <a:buNone/>
+            </a:pPr>
             <a:r>
               <a:rPr lang="en-US" altLang="zh-CN" dirty="0"/>
               <a:t> </a:t>
             </a:r>
             <a:r>
-              <a:rPr lang="en-US" altLang="zh-CN" dirty="0" err="1"/>
-              <a:t>readAsArrayBuffer</a:t>
-            </a:r>
-            <a:endParaRPr lang="en-US" altLang="zh-CN" dirty="0"/>
-          </a:p>
-          <a:p>
-            <a:r>
-              <a:rPr lang="en-US" altLang="zh-CN" dirty="0" err="1" smtClean="0"/>
-              <a:t>readAsBinaryString</a:t>
+              <a:rPr lang="en-US" altLang="zh-CN" dirty="0" smtClean="0"/>
+              <a:t>                  </a:t>
             </a:r>
             <a:r>
               <a:rPr lang="zh-CN" altLang="en-US" dirty="0" smtClean="0"/>
-              <a:t>：</a:t>
-            </a:r>
-            <a:r>
-              <a:rPr lang="zh-CN" altLang="en-US" dirty="0"/>
-              <a:t>参考</a:t>
+              <a:t>例如：</a:t>
             </a:r>
             <a:r>
               <a:rPr lang="en-US" altLang="zh-CN" dirty="0"/>
               <a:t> </a:t>
             </a:r>
             <a:r>
-              <a:rPr lang="en-US" altLang="zh-CN" dirty="0" err="1"/>
-              <a:t>FileReader</a:t>
-            </a:r>
-            <a:r>
-              <a:rPr lang="en-US" altLang="zh-CN" dirty="0"/>
-              <a:t>. </a:t>
-            </a:r>
-            <a:r>
-              <a:rPr lang="en-US" altLang="zh-CN" dirty="0" err="1"/>
-              <a:t>readAsArrayBuffer</a:t>
+              <a:rPr lang="en-US" altLang="zh-CN" sz="1400" dirty="0" err="1"/>
+              <a:t>blob:https</a:t>
+            </a:r>
+            <a:r>
+              <a:rPr lang="en-US" altLang="zh-CN" sz="1400" dirty="0"/>
+              <a:t>://</a:t>
+            </a:r>
+            <a:r>
+              <a:rPr lang="en-US" altLang="zh-CN" sz="1400" dirty="0" smtClean="0"/>
+              <a:t>xiangwenhu.github.io/652c7cfa-616b-4288-aaee-c30c37768237</a:t>
+            </a:r>
+          </a:p>
+          <a:p>
+            <a:r>
+              <a:rPr lang="en-US" altLang="zh-CN" dirty="0" smtClean="0"/>
+              <a:t>remove</a:t>
+            </a:r>
+            <a:r>
+              <a:rPr lang="zh-CN" altLang="en-US" dirty="0" smtClean="0"/>
+              <a:t>：删除目录或者文件</a:t>
+            </a:r>
+            <a:endParaRPr lang="en-US" altLang="zh-CN" dirty="0" smtClean="0"/>
+          </a:p>
+          <a:p>
+            <a:r>
+              <a:rPr lang="en-US" altLang="zh-CN" dirty="0" err="1" smtClean="0"/>
+              <a:t>getParent</a:t>
+            </a:r>
+            <a:r>
+              <a:rPr lang="zh-CN" altLang="en-US" dirty="0" smtClean="0"/>
+              <a:t>：获得父目录</a:t>
             </a:r>
             <a:endParaRPr lang="en-US" altLang="zh-CN" dirty="0"/>
           </a:p>
           <a:p>
-            <a:r>
-              <a:rPr lang="en-US" altLang="zh-CN" dirty="0" err="1" smtClean="0"/>
-              <a:t>readAsDataURL</a:t>
-            </a:r>
-            <a:r>
-              <a:rPr lang="zh-CN" altLang="en-US" dirty="0" smtClean="0"/>
-              <a:t>：</a:t>
-            </a:r>
-            <a:r>
-              <a:rPr lang="zh-CN" altLang="en-US" dirty="0"/>
-              <a:t>参考</a:t>
-            </a:r>
-            <a:r>
-              <a:rPr lang="en-US" altLang="zh-CN" dirty="0"/>
-              <a:t> </a:t>
-            </a:r>
-            <a:r>
-              <a:rPr lang="en-US" altLang="zh-CN" dirty="0" err="1"/>
-              <a:t>FileReader</a:t>
-            </a:r>
-            <a:r>
-              <a:rPr lang="en-US" altLang="zh-CN" dirty="0"/>
-              <a:t>. </a:t>
-            </a:r>
-            <a:r>
-              <a:rPr lang="en-US" altLang="zh-CN" dirty="0" err="1"/>
-              <a:t>readAsDataURL</a:t>
-            </a:r>
-            <a:endParaRPr lang="en-US" altLang="zh-CN" dirty="0"/>
-          </a:p>
-          <a:p>
-            <a:r>
-              <a:rPr lang="en-US" altLang="zh-CN" dirty="0" err="1" smtClean="0"/>
-              <a:t>readAsText</a:t>
-            </a:r>
-            <a:r>
-              <a:rPr lang="zh-CN" altLang="en-US" dirty="0" smtClean="0"/>
-              <a:t>：</a:t>
-            </a:r>
-            <a:r>
-              <a:rPr lang="zh-CN" altLang="en-US" dirty="0"/>
-              <a:t>参考</a:t>
-            </a:r>
-            <a:r>
-              <a:rPr lang="en-US" altLang="zh-CN" dirty="0"/>
-              <a:t> </a:t>
-            </a:r>
-            <a:r>
-              <a:rPr lang="en-US" altLang="zh-CN" dirty="0" err="1"/>
-              <a:t>FileReader</a:t>
-            </a:r>
-            <a:r>
-              <a:rPr lang="en-US" altLang="zh-CN" dirty="0"/>
-              <a:t>. </a:t>
-            </a:r>
-            <a:r>
-              <a:rPr lang="en-US" altLang="zh-CN" dirty="0" err="1"/>
-              <a:t>readAsText</a:t>
-            </a:r>
-            <a:endParaRPr lang="en-US" altLang="zh-CN" dirty="0"/>
-          </a:p>
-          <a:p>
-            <a:endParaRPr lang="en-US" altLang="zh-CN" dirty="0" smtClean="0"/>
-          </a:p>
-          <a:p>
-            <a:endParaRPr lang="en-US" altLang="zh-CN" dirty="0"/>
-          </a:p>
-          <a:p>
-            <a:endParaRPr lang="zh-CN" altLang="en-US" dirty="0"/>
+            <a:endParaRPr lang="zh-CN" altLang="en-US" sz="1400" dirty="0"/>
           </a:p>
         </p:txBody>
       </p:sp>
     </p:spTree>
     <p:extLst>
       <p:ext uri="{BB962C8B-B14F-4D97-AF65-F5344CB8AC3E}">
-        <p14:creationId xmlns:p14="http://schemas.microsoft.com/office/powerpoint/2010/main" val="1538046023"/>
+        <p14:creationId xmlns:p14="http://schemas.microsoft.com/office/powerpoint/2010/main" val="2573165693"/>
       </p:ext>
     </p:extLst>
   </p:cSld>
@@ -9268,8 +10168,8 @@
           <a:lstStyle/>
           <a:p>
             <a:r>
-              <a:rPr lang="en-US" altLang="zh-CN" dirty="0" err="1"/>
-              <a:t>DirectoryEntry</a:t>
+              <a:rPr lang="en-US" altLang="zh-CN" dirty="0" err="1" smtClean="0"/>
+              <a:t>FileEntry</a:t>
             </a:r>
             <a:endParaRPr lang="zh-CN" altLang="en-US" dirty="0"/>
           </a:p>
@@ -9291,50 +10191,166 @@
           <a:lstStyle/>
           <a:p>
             <a:r>
+              <a:rPr lang="en-US" altLang="zh-CN" dirty="0" smtClean="0"/>
+              <a:t>write</a:t>
+            </a:r>
+            <a:r>
+              <a:rPr lang="zh-CN" altLang="en-US" dirty="0" smtClean="0"/>
+              <a:t>：写入内容</a:t>
+            </a:r>
+            <a:endParaRPr lang="en-US" altLang="zh-CN" dirty="0" smtClean="0"/>
+          </a:p>
+          <a:p>
+            <a:r>
               <a:rPr lang="en-US" altLang="zh-CN" dirty="0" err="1" smtClean="0"/>
-              <a:t>getFile</a:t>
+              <a:t>getBlob</a:t>
             </a:r>
             <a:r>
               <a:rPr lang="zh-CN" altLang="en-US" dirty="0" smtClean="0"/>
-              <a:t>：获取文件</a:t>
+              <a:t>：获得原始的</a:t>
+            </a:r>
+            <a:r>
+              <a:rPr lang="en-US" altLang="zh-CN" dirty="0" smtClean="0"/>
+              <a:t>blob</a:t>
+            </a:r>
+            <a:r>
+              <a:rPr lang="zh-CN" altLang="en-US" dirty="0" smtClean="0"/>
+              <a:t>对象</a:t>
             </a:r>
             <a:endParaRPr lang="en-US" altLang="zh-CN" dirty="0"/>
           </a:p>
           <a:p>
             <a:r>
               <a:rPr lang="en-US" altLang="zh-CN" dirty="0" err="1" smtClean="0"/>
-              <a:t>getDirectory</a:t>
+              <a:t>readAsArrayBuffer</a:t>
             </a:r>
             <a:r>
               <a:rPr lang="zh-CN" altLang="en-US" dirty="0" smtClean="0"/>
-              <a:t>：获取目录</a:t>
+              <a:t>：</a:t>
+            </a:r>
+            <a:r>
+              <a:rPr lang="zh-CN" altLang="en-US" dirty="0"/>
+              <a:t>参考</a:t>
+            </a:r>
+            <a:r>
+              <a:rPr lang="en-US" altLang="zh-CN" dirty="0" smtClean="0"/>
+              <a:t> </a:t>
+            </a:r>
+            <a:r>
+              <a:rPr lang="en-US" altLang="zh-CN" dirty="0" err="1" smtClean="0"/>
+              <a:t>FileReader</a:t>
+            </a:r>
+            <a:r>
+              <a:rPr lang="en-US" altLang="zh-CN" dirty="0" smtClean="0"/>
+              <a:t>.</a:t>
+            </a:r>
+            <a:r>
+              <a:rPr lang="en-US" altLang="zh-CN" dirty="0"/>
+              <a:t> </a:t>
+            </a:r>
+            <a:r>
+              <a:rPr lang="en-US" altLang="zh-CN" dirty="0" err="1"/>
+              <a:t>readAsArrayBuffer</a:t>
             </a:r>
             <a:endParaRPr lang="en-US" altLang="zh-CN" dirty="0"/>
           </a:p>
           <a:p>
             <a:r>
+              <a:rPr lang="en-US" altLang="zh-CN" dirty="0" err="1" smtClean="0"/>
+              <a:t>readAsBinaryString</a:t>
+            </a:r>
+            <a:r>
+              <a:rPr lang="zh-CN" altLang="en-US" dirty="0" smtClean="0"/>
+              <a:t>：</a:t>
+            </a:r>
+            <a:r>
+              <a:rPr lang="zh-CN" altLang="en-US" dirty="0"/>
+              <a:t>参考</a:t>
+            </a:r>
+            <a:r>
               <a:rPr lang="en-US" altLang="zh-CN" dirty="0"/>
-              <a:t>r</a:t>
-            </a:r>
-            <a:r>
-              <a:rPr lang="en-US" altLang="zh-CN" dirty="0" smtClean="0"/>
-              <a:t>emove</a:t>
+              <a:t> </a:t>
+            </a:r>
+            <a:r>
+              <a:rPr lang="en-US" altLang="zh-CN" dirty="0" err="1"/>
+              <a:t>FileReader</a:t>
+            </a:r>
+            <a:r>
+              <a:rPr lang="en-US" altLang="zh-CN" dirty="0"/>
+              <a:t>. </a:t>
+            </a:r>
+            <a:r>
+              <a:rPr lang="en-US" altLang="zh-CN" dirty="0" err="1"/>
+              <a:t>readAsArrayBuffer</a:t>
+            </a:r>
+            <a:endParaRPr lang="en-US" altLang="zh-CN" dirty="0"/>
+          </a:p>
+          <a:p>
+            <a:r>
+              <a:rPr lang="en-US" altLang="zh-CN" dirty="0" err="1" smtClean="0"/>
+              <a:t>readAsDataURL</a:t>
             </a:r>
             <a:r>
               <a:rPr lang="zh-CN" altLang="en-US" dirty="0" smtClean="0"/>
-              <a:t>： 递归删除</a:t>
+              <a:t>：</a:t>
+            </a:r>
+            <a:r>
+              <a:rPr lang="zh-CN" altLang="en-US" dirty="0"/>
+              <a:t>参考</a:t>
+            </a:r>
+            <a:r>
+              <a:rPr lang="en-US" altLang="zh-CN" dirty="0"/>
+              <a:t> </a:t>
+            </a:r>
+            <a:r>
+              <a:rPr lang="en-US" altLang="zh-CN" dirty="0" err="1"/>
+              <a:t>FileReader</a:t>
+            </a:r>
+            <a:r>
+              <a:rPr lang="en-US" altLang="zh-CN" dirty="0"/>
+              <a:t>. </a:t>
+            </a:r>
+            <a:r>
+              <a:rPr lang="en-US" altLang="zh-CN" dirty="0" err="1"/>
+              <a:t>readAsDataURL</a:t>
             </a:r>
             <a:endParaRPr lang="en-US" altLang="zh-CN" dirty="0"/>
           </a:p>
           <a:p>
             <a:r>
               <a:rPr lang="en-US" altLang="zh-CN" dirty="0" err="1" smtClean="0"/>
-              <a:t>getEntries</a:t>
+              <a:t>readAsText</a:t>
             </a:r>
             <a:r>
               <a:rPr lang="zh-CN" altLang="en-US" dirty="0" smtClean="0"/>
-              <a:t>：获得目录下的目录和文件</a:t>
-            </a:r>
+              <a:t>：</a:t>
+            </a:r>
+            <a:r>
+              <a:rPr lang="zh-CN" altLang="en-US" dirty="0"/>
+              <a:t>参考</a:t>
+            </a:r>
+            <a:r>
+              <a:rPr lang="en-US" altLang="zh-CN" dirty="0"/>
+              <a:t> </a:t>
+            </a:r>
+            <a:r>
+              <a:rPr lang="en-US" altLang="zh-CN" dirty="0" err="1"/>
+              <a:t>FileReader</a:t>
+            </a:r>
+            <a:r>
+              <a:rPr lang="en-US" altLang="zh-CN" dirty="0"/>
+              <a:t>. </a:t>
+            </a:r>
+            <a:r>
+              <a:rPr lang="en-US" altLang="zh-CN" dirty="0" err="1"/>
+              <a:t>readAsText</a:t>
+            </a:r>
+            <a:endParaRPr lang="en-US" altLang="zh-CN" dirty="0"/>
+          </a:p>
+          <a:p>
+            <a:endParaRPr lang="en-US" altLang="zh-CN" dirty="0" smtClean="0"/>
+          </a:p>
+          <a:p>
             <a:endParaRPr lang="en-US" altLang="zh-CN" dirty="0"/>
           </a:p>
           <a:p>
@@ -9345,7 +10361,7 @@
     </p:spTree>
     <p:extLst>
       <p:ext uri="{BB962C8B-B14F-4D97-AF65-F5344CB8AC3E}">
-        <p14:creationId xmlns:p14="http://schemas.microsoft.com/office/powerpoint/2010/main" val="3217527126"/>
+        <p14:creationId xmlns:p14="http://schemas.microsoft.com/office/powerpoint/2010/main" val="1538046023"/>
       </p:ext>
     </p:extLst>
   </p:cSld>
@@ -9395,8 +10411,8 @@
           <a:lstStyle/>
           <a:p>
             <a:r>
-              <a:rPr lang="zh-CN" altLang="en-US" dirty="0" smtClean="0"/>
-              <a:t>实际应用</a:t>
+              <a:rPr lang="en-US" altLang="zh-CN" dirty="0" err="1"/>
+              <a:t>DirectoryEntry</a:t>
             </a:r>
             <a:endParaRPr lang="zh-CN" altLang="en-US" dirty="0"/>
           </a:p>
@@ -9417,20 +10433,75 @@
           <a:bodyPr/>
           <a:lstStyle/>
           <a:p>
-            <a:endParaRPr lang="zh-CN" altLang="en-US"/>
+            <a:r>
+              <a:rPr lang="en-US" altLang="zh-CN" dirty="0" err="1" smtClean="0"/>
+              <a:t>getFile</a:t>
+            </a:r>
+            <a:r>
+              <a:rPr lang="zh-CN" altLang="en-US" dirty="0" smtClean="0"/>
+              <a:t>：获取文件</a:t>
+            </a:r>
+            <a:endParaRPr lang="en-US" altLang="zh-CN" dirty="0"/>
+          </a:p>
+          <a:p>
+            <a:r>
+              <a:rPr lang="en-US" altLang="zh-CN" dirty="0" err="1" smtClean="0"/>
+              <a:t>getDirectory</a:t>
+            </a:r>
+            <a:r>
+              <a:rPr lang="zh-CN" altLang="en-US" dirty="0" smtClean="0"/>
+              <a:t>：获取目录</a:t>
+            </a:r>
+            <a:endParaRPr lang="en-US" altLang="zh-CN" dirty="0"/>
+          </a:p>
+          <a:p>
+            <a:r>
+              <a:rPr lang="en-US" altLang="zh-CN" dirty="0"/>
+              <a:t>r</a:t>
+            </a:r>
+            <a:r>
+              <a:rPr lang="en-US" altLang="zh-CN" dirty="0" smtClean="0"/>
+              <a:t>emove</a:t>
+            </a:r>
+            <a:r>
+              <a:rPr lang="zh-CN" altLang="en-US" dirty="0" smtClean="0"/>
+              <a:t>： 递归删除</a:t>
+            </a:r>
+            <a:endParaRPr lang="en-US" altLang="zh-CN" dirty="0"/>
+          </a:p>
+          <a:p>
+            <a:r>
+              <a:rPr lang="en-US" altLang="zh-CN" dirty="0" err="1" smtClean="0"/>
+              <a:t>getEntries</a:t>
+            </a:r>
+            <a:r>
+              <a:rPr lang="zh-CN" altLang="en-US" dirty="0" smtClean="0"/>
+              <a:t>：获得目录下的目录和文件</a:t>
+            </a:r>
+            <a:endParaRPr lang="en-US" altLang="zh-CN" dirty="0"/>
+          </a:p>
+          <a:p>
+            <a:endParaRPr lang="zh-CN" altLang="en-US" dirty="0"/>
           </a:p>
         </p:txBody>
       </p:sp>
     </p:spTree>
     <p:extLst>
       <p:ext uri="{BB962C8B-B14F-4D97-AF65-F5344CB8AC3E}">
-        <p14:creationId xmlns:p14="http://schemas.microsoft.com/office/powerpoint/2010/main" val="2099359365"/>
+        <p14:creationId xmlns:p14="http://schemas.microsoft.com/office/powerpoint/2010/main" val="3217527126"/>
       </p:ext>
     </p:extLst>
   </p:cSld>
   <p:clrMapOvr>
     <a:masterClrMapping/>
   </p:clrMapOvr>
+  <p:timing>
+    <p:tnLst>
+      <p:par>
+        <p:cTn id="1" dur="indefinite" restart="never" nodeType="tmRoot"/>
+      </p:par>
+    </p:tnLst>
+  </p:timing>
 </p:sld>
 </file>
 
@@ -9468,7 +10539,7 @@
           <a:p>
             <a:r>
               <a:rPr lang="zh-CN" altLang="en-US" dirty="0" smtClean="0"/>
-              <a:t>问题</a:t>
+              <a:t>实际应用</a:t>
             </a:r>
             <a:endParaRPr lang="zh-CN" altLang="en-US" dirty="0"/>
           </a:p>
@@ -9490,6 +10561,147 @@
           <a:lstStyle/>
           <a:p>
             <a:r>
+              <a:rPr lang="en-US" altLang="zh-CN" dirty="0" smtClean="0"/>
+              <a:t>Pdf</a:t>
+            </a:r>
+            <a:r>
+              <a:rPr lang="zh-CN" altLang="en-US" dirty="0" smtClean="0"/>
+              <a:t>文件缓存：</a:t>
+            </a:r>
+            <a:r>
+              <a:rPr lang="zh-CN" altLang="en-US" dirty="0" smtClean="0"/>
+              <a:t>例子</a:t>
+            </a:r>
+            <a:r>
+              <a:rPr lang="en-US" altLang="zh-CN" dirty="0">
+                <a:hlinkClick r:id="rId2"/>
+              </a:rPr>
+              <a:t>https://babydairy2017.cloudapp.net:8082</a:t>
+            </a:r>
+            <a:r>
+              <a:rPr lang="en-US" altLang="zh-CN" dirty="0" smtClean="0">
+                <a:hlinkClick r:id="rId2"/>
+              </a:rPr>
+              <a:t>/</a:t>
+            </a:r>
+            <a:endParaRPr lang="en-US" altLang="zh-CN" dirty="0" smtClean="0"/>
+          </a:p>
+          <a:p>
+            <a:r>
+              <a:rPr lang="zh-CN" altLang="en-US" dirty="0" smtClean="0"/>
+              <a:t>音乐缓存：</a:t>
+            </a:r>
+            <a:r>
+              <a:rPr lang="en-US" altLang="zh-CN" dirty="0">
+                <a:hlinkClick r:id="rId3"/>
+              </a:rPr>
+              <a:t>https://babydairy2017.cloudapp.net:8084</a:t>
+            </a:r>
+            <a:r>
+              <a:rPr lang="en-US" altLang="zh-CN" dirty="0" smtClean="0">
+                <a:hlinkClick r:id="rId3"/>
+              </a:rPr>
+              <a:t>/</a:t>
+            </a:r>
+            <a:endParaRPr lang="en-US" altLang="zh-CN" dirty="0" smtClean="0"/>
+          </a:p>
+          <a:p>
+            <a:r>
+              <a:rPr lang="zh-CN" altLang="en-US" dirty="0" smtClean="0"/>
+              <a:t>静态资源缓存：</a:t>
+            </a:r>
+            <a:endParaRPr lang="en-US" altLang="zh-CN" dirty="0" smtClean="0"/>
+          </a:p>
+          <a:p>
+            <a:r>
+              <a:rPr lang="zh-CN" altLang="en-US" dirty="0" smtClean="0"/>
+              <a:t>离线记事本</a:t>
+            </a:r>
+            <a:r>
+              <a:rPr lang="en-US" altLang="zh-CN" dirty="0" smtClean="0"/>
+              <a:t>:</a:t>
+            </a:r>
+          </a:p>
+          <a:p>
+            <a:r>
+              <a:rPr lang="en-US" altLang="zh-CN" dirty="0" smtClean="0"/>
+              <a:t>……</a:t>
+            </a:r>
+          </a:p>
+          <a:p>
+            <a:endParaRPr lang="zh-CN" altLang="en-US" dirty="0"/>
+          </a:p>
+        </p:txBody>
+      </p:sp>
+    </p:spTree>
+    <p:extLst>
+      <p:ext uri="{BB962C8B-B14F-4D97-AF65-F5344CB8AC3E}">
+        <p14:creationId xmlns:p14="http://schemas.microsoft.com/office/powerpoint/2010/main" val="2099359365"/>
+      </p:ext>
+    </p:extLst>
+  </p:cSld>
+  <p:clrMapOvr>
+    <a:masterClrMapping/>
+  </p:clrMapOvr>
+</p:sld>
+</file>
+
+<file path=ppt/slides/slide15.xml><?xml version="1.0" encoding="utf-8"?>
+<p:sld xmlns:a="http://schemas.openxmlformats.org/drawingml/2006/main" xmlns:r="http://schemas.openxmlformats.org/officeDocument/2006/relationships" xmlns:p="http://schemas.openxmlformats.org/presentationml/2006/main">
+  <p:cSld>
+    <p:spTree>
+      <p:nvGrpSpPr>
+        <p:cNvPr id="1" name=""/>
+        <p:cNvGrpSpPr/>
+        <p:nvPr/>
+      </p:nvGrpSpPr>
+      <p:grpSpPr>
+        <a:xfrm>
+          <a:off x="0" y="0"/>
+          <a:ext cx="0" cy="0"/>
+          <a:chOff x="0" y="0"/>
+          <a:chExt cx="0" cy="0"/>
+        </a:xfrm>
+      </p:grpSpPr>
+      <p:sp>
+        <p:nvSpPr>
+          <p:cNvPr id="2" name="标题 1"/>
+          <p:cNvSpPr>
+            <a:spLocks noGrp="1"/>
+          </p:cNvSpPr>
+          <p:nvPr>
+            <p:ph type="title"/>
+          </p:nvPr>
+        </p:nvSpPr>
+        <p:spPr/>
+        <p:txBody>
+          <a:bodyPr/>
+          <a:lstStyle/>
+          <a:p>
+            <a:r>
+              <a:rPr lang="zh-CN" altLang="en-US" dirty="0" smtClean="0"/>
+              <a:t>问题</a:t>
+            </a:r>
+            <a:endParaRPr lang="zh-CN" altLang="en-US" dirty="0"/>
+          </a:p>
+        </p:txBody>
+      </p:sp>
+      <p:sp>
+        <p:nvSpPr>
+          <p:cNvPr id="3" name="内容占位符 2"/>
+          <p:cNvSpPr>
+            <a:spLocks noGrp="1"/>
+          </p:cNvSpPr>
+          <p:nvPr>
+            <p:ph idx="1"/>
+          </p:nvPr>
+        </p:nvSpPr>
+        <p:spPr/>
+        <p:txBody>
+          <a:bodyPr/>
+          <a:lstStyle/>
+          <a:p>
+            <a:r>
               <a:rPr lang="zh-CN" altLang="en-US" dirty="0" smtClean="0"/>
               <a:t>单表设计，</a:t>
             </a:r>
@@ -9536,7 +10748,37 @@
             </a:r>
             <a:r>
               <a:rPr lang="zh-CN" altLang="en-US" dirty="0" smtClean="0"/>
-              <a:t>的实现</a:t>
+              <a:t>的</a:t>
+            </a:r>
+            <a:r>
+              <a:rPr lang="zh-CN" altLang="en-US" dirty="0" smtClean="0"/>
+              <a:t>实现</a:t>
+            </a:r>
+            <a:endParaRPr lang="en-US" altLang="zh-CN" dirty="0" smtClean="0"/>
+          </a:p>
+          <a:p>
+            <a:r>
+              <a:rPr lang="en-US" altLang="zh-CN" dirty="0"/>
+              <a:t>a</a:t>
+            </a:r>
+            <a:r>
+              <a:rPr lang="en-US" altLang="zh-CN" dirty="0" smtClean="0"/>
+              <a:t>ppend</a:t>
+            </a:r>
+            <a:r>
+              <a:rPr lang="zh-CN" altLang="en-US" dirty="0" smtClean="0"/>
+              <a:t>模式</a:t>
+            </a:r>
+            <a:endParaRPr lang="en-US" altLang="zh-CN" dirty="0" smtClean="0"/>
+          </a:p>
+          <a:p>
+            <a:r>
+              <a:rPr lang="zh-CN" altLang="en-US" dirty="0"/>
+              <a:t>大</a:t>
+            </a:r>
+            <a:r>
+              <a:rPr lang="zh-CN" altLang="en-US" dirty="0" smtClean="0"/>
+              <a:t>文件分块存储</a:t>
             </a:r>
             <a:endParaRPr lang="en-US" altLang="zh-CN" dirty="0" smtClean="0"/>
           </a:p>
@@ -9565,7 +10807,7 @@
 </p:sld>
 </file>
 
-<file path=ppt/slides/slide15.xml><?xml version="1.0" encoding="utf-8"?>
+<file path=ppt/slides/slide16.xml><?xml version="1.0" encoding="utf-8"?>
 <p:sld xmlns:a="http://schemas.openxmlformats.org/drawingml/2006/main" xmlns:r="http://schemas.openxmlformats.org/officeDocument/2006/relationships" xmlns:p="http://schemas.openxmlformats.org/presentationml/2006/main">
   <p:cSld>
     <p:spTree>
@@ -9974,7 +11216,100 @@
           <a:p>
             <a:r>
               <a:rPr lang="en-US" altLang="zh-CN" dirty="0" smtClean="0"/>
-              <a:t>Service Worker 73%</a:t>
+              <a:t>Service Worker 73</a:t>
+            </a:r>
+            <a:r>
+              <a:rPr lang="en-US" altLang="zh-CN" dirty="0" smtClean="0"/>
+              <a:t>%</a:t>
+            </a:r>
+          </a:p>
+          <a:p>
+            <a:endParaRPr lang="en-US" altLang="zh-CN" b="1" dirty="0">
+              <a:solidFill>
+                <a:srgbClr val="FF0000"/>
+              </a:solidFill>
+            </a:endParaRPr>
+          </a:p>
+          <a:p>
+            <a:r>
+              <a:rPr lang="en-US" altLang="zh-CN" b="1" dirty="0" err="1">
+                <a:solidFill>
+                  <a:srgbClr val="FF0000"/>
+                </a:solidFill>
+              </a:rPr>
+              <a:t>Filesystem</a:t>
+            </a:r>
+            <a:r>
+              <a:rPr lang="en-US" altLang="zh-CN" b="1" dirty="0">
+                <a:solidFill>
+                  <a:srgbClr val="FF0000"/>
+                </a:solidFill>
+              </a:rPr>
+              <a:t> &amp; </a:t>
+            </a:r>
+            <a:r>
+              <a:rPr lang="en-US" altLang="zh-CN" b="1" dirty="0" err="1">
+                <a:solidFill>
+                  <a:srgbClr val="FF0000"/>
+                </a:solidFill>
+              </a:rPr>
+              <a:t>FileWriter</a:t>
+            </a:r>
+            <a:r>
+              <a:rPr lang="en-US" altLang="zh-CN" b="1" dirty="0">
+                <a:solidFill>
+                  <a:srgbClr val="FF0000"/>
+                </a:solidFill>
+              </a:rPr>
+              <a:t> </a:t>
+            </a:r>
+            <a:r>
+              <a:rPr lang="en-US" altLang="zh-CN" b="1" dirty="0" smtClean="0">
+                <a:solidFill>
+                  <a:srgbClr val="FF0000"/>
+                </a:solidFill>
+              </a:rPr>
+              <a:t>API  </a:t>
+            </a:r>
+            <a:r>
+              <a:rPr lang="zh-CN" altLang="en-US" b="1" dirty="0" smtClean="0">
+                <a:solidFill>
+                  <a:srgbClr val="FF0000"/>
+                </a:solidFill>
+              </a:rPr>
+              <a:t>（</a:t>
+            </a:r>
+            <a:r>
+              <a:rPr lang="en-US" altLang="zh-CN" b="1" dirty="0" smtClean="0">
+                <a:solidFill>
+                  <a:srgbClr val="FF0000"/>
+                </a:solidFill>
+              </a:rPr>
+              <a:t>chrome and opera </a:t>
+            </a:r>
+            <a:r>
+              <a:rPr lang="en-US" altLang="zh-CN" b="1" dirty="0" err="1" smtClean="0">
+                <a:solidFill>
+                  <a:srgbClr val="FF0000"/>
+                </a:solidFill>
+              </a:rPr>
+              <a:t>obly</a:t>
+            </a:r>
+            <a:r>
+              <a:rPr lang="zh-CN" altLang="en-US" b="1" dirty="0" smtClean="0">
+                <a:solidFill>
+                  <a:srgbClr val="FF0000"/>
+                </a:solidFill>
+              </a:rPr>
+              <a:t>）</a:t>
+            </a:r>
+            <a:r>
+              <a:rPr lang="en-US" altLang="zh-CN" b="1" dirty="0" smtClean="0">
+                <a:solidFill>
+                  <a:srgbClr val="FF0000"/>
+                </a:solidFill>
+              </a:rPr>
+              <a:t>56%</a:t>
             </a:r>
             <a:endParaRPr lang="en-US" altLang="zh-CN" b="1" dirty="0">
               <a:solidFill>
@@ -11002,7 +12337,7 @@
         </p:blipFill>
         <p:spPr>
           <a:xfrm>
-            <a:off x="4325419" y="89043"/>
+            <a:off x="7280953" y="-25257"/>
             <a:ext cx="4911047" cy="2044557"/>
           </a:xfrm>
           <a:prstGeom prst="rect">
@@ -11068,8 +12403,11 @@
             </a:r>
             <a:r>
               <a:rPr lang="en-US" altLang="zh-CN" dirty="0" smtClean="0"/>
-              <a:t>/</a:t>
-            </a:r>
+              <a:t/>
+            </a:r>
+            <a:br>
+              <a:rPr lang="en-US" altLang="zh-CN" dirty="0" smtClean="0"/>
+            </a:br>
             <a:r>
               <a:rPr lang="en-US" altLang="zh-CN" dirty="0" err="1" smtClean="0"/>
               <a:t>sessionStorage</a:t>
@@ -11166,6 +12504,30 @@
           </a:p>
         </p:txBody>
       </p:sp>
+      <p:pic>
+        <p:nvPicPr>
+          <p:cNvPr id="4" name="图片 3"/>
+          <p:cNvPicPr>
+            <a:picLocks noChangeAspect="1"/>
+          </p:cNvPicPr>
+          <p:nvPr/>
+        </p:nvPicPr>
+        <p:blipFill>
+          <a:blip r:embed="rId3"/>
+          <a:stretch>
+            <a:fillRect/>
+          </a:stretch>
+        </p:blipFill>
+        <p:spPr>
+          <a:xfrm>
+            <a:off x="7204393" y="0"/>
+            <a:ext cx="4987608" cy="3226085"/>
+          </a:xfrm>
+          <a:prstGeom prst="rect">
+            <a:avLst/>
+          </a:prstGeom>
+        </p:spPr>
+      </p:pic>
     </p:spTree>
     <p:extLst>
       <p:ext uri="{BB962C8B-B14F-4D97-AF65-F5344CB8AC3E}">
@@ -12053,23 +13415,27 @@
         </p:nvSpPr>
         <p:spPr>
           <a:xfrm>
-            <a:off x="2592925" y="624110"/>
-            <a:ext cx="8911687" cy="528302"/>
+            <a:off x="1703697" y="624110"/>
+            <a:ext cx="9800916" cy="528302"/>
           </a:xfrm>
         </p:spPr>
         <p:txBody>
           <a:bodyPr>
-            <a:normAutofit fontScale="90000"/>
+            <a:normAutofit/>
           </a:bodyPr>
           <a:lstStyle/>
           <a:p>
             <a:r>
-              <a:rPr lang="en-US" altLang="zh-CN" dirty="0" smtClean="0">
+              <a:rPr lang="en-US" altLang="zh-CN" sz="2800" dirty="0" smtClean="0">
                 <a:hlinkClick r:id="rId3"/>
               </a:rPr>
-              <a:t>demo</a:t>
-            </a:r>
-            <a:endParaRPr lang="zh-CN" altLang="en-US" dirty="0"/>
+              <a:t>Demo</a:t>
+            </a:r>
+            <a:r>
+              <a:rPr lang="en-US" altLang="zh-CN" sz="2800" dirty="0"/>
+              <a:t> https://github.com/xiangwenhu/FileSystem</a:t>
+            </a:r>
+            <a:endParaRPr lang="zh-CN" altLang="en-US" sz="2800" dirty="0"/>
           </a:p>
         </p:txBody>
       </p:sp>
@@ -12245,7 +13611,7 @@
           <p:nvPr/>
         </p:nvPicPr>
         <p:blipFill>
-          <a:blip r:embed="rId2"/>
+          <a:blip r:embed="rId3"/>
           <a:stretch>
             <a:fillRect/>
           </a:stretch>
@@ -12310,7 +13676,7 @@
         <p:spPr>
           <a:xfrm>
             <a:off x="2592925" y="624110"/>
-            <a:ext cx="8911687" cy="799248"/>
+            <a:ext cx="8911687" cy="701256"/>
           </a:xfrm>
         </p:spPr>
         <p:txBody>
@@ -12318,8 +13684,8 @@
           <a:lstStyle/>
           <a:p>
             <a:r>
-              <a:rPr lang="en-US" altLang="zh-CN" dirty="0" smtClean="0"/>
-              <a:t>FileSystem.js</a:t>
+              <a:rPr lang="zh-CN" altLang="en-US" dirty="0" smtClean="0"/>
+              <a:t>怎么查看原始数据</a:t>
             </a:r>
             <a:endParaRPr lang="zh-CN" altLang="en-US" dirty="0"/>
           </a:p>
@@ -12327,7 +13693,7 @@
       </p:sp>
       <p:sp>
         <p:nvSpPr>
-          <p:cNvPr id="3" name="内容占位符 2"/>
+          <p:cNvPr id="5" name="内容占位符 4"/>
           <p:cNvSpPr>
             <a:spLocks noGrp="1"/>
           </p:cNvSpPr>
@@ -12337,807 +13703,169 @@
         </p:nvSpPr>
         <p:spPr>
           <a:xfrm>
-            <a:off x="2295914" y="1564256"/>
-            <a:ext cx="8915400" cy="4487864"/>
+            <a:off x="2589212" y="1428108"/>
+            <a:ext cx="8915400" cy="4828854"/>
           </a:xfrm>
         </p:spPr>
         <p:txBody>
-          <a:bodyPr/>
+          <a:bodyPr>
+            <a:normAutofit/>
+          </a:bodyPr>
           <a:lstStyle/>
           <a:p>
-            <a:pPr marL="0" indent="0">
-              <a:buNone/>
-            </a:pPr>
             <a:r>
               <a:rPr lang="zh-CN" altLang="en-US" dirty="0" smtClean="0"/>
-              <a:t>核心</a:t>
+              <a:t>浏览器</a:t>
+            </a:r>
+            <a:endParaRPr lang="en-US" altLang="zh-CN" dirty="0" smtClean="0"/>
+          </a:p>
+          <a:p>
+            <a:endParaRPr lang="en-US" altLang="zh-CN" dirty="0"/>
+          </a:p>
+          <a:p>
+            <a:endParaRPr lang="en-US" altLang="zh-CN" dirty="0" smtClean="0"/>
+          </a:p>
+          <a:p>
+            <a:endParaRPr lang="en-US" altLang="zh-CN" dirty="0"/>
+          </a:p>
+          <a:p>
+            <a:endParaRPr lang="en-US" altLang="zh-CN" dirty="0" smtClean="0"/>
+          </a:p>
+          <a:p>
+            <a:endParaRPr lang="en-US" altLang="zh-CN" dirty="0"/>
+          </a:p>
+          <a:p>
+            <a:endParaRPr lang="en-US" altLang="zh-CN" dirty="0" smtClean="0"/>
+          </a:p>
+          <a:p>
+            <a:endParaRPr lang="en-US" altLang="zh-CN" dirty="0"/>
+          </a:p>
+          <a:p>
+            <a:r>
+              <a:rPr lang="zh-CN" altLang="en-US" dirty="0" smtClean="0"/>
+              <a:t>磁盘</a:t>
+            </a:r>
+            <a:endParaRPr lang="en-US" altLang="zh-CN" dirty="0" smtClean="0"/>
+          </a:p>
+          <a:p>
+            <a:pPr lvl="1"/>
+            <a:r>
+              <a:rPr lang="en-US" altLang="zh-CN" sz="1400" dirty="0" smtClean="0"/>
+              <a:t>IE</a:t>
             </a:r>
             <a:r>
               <a:rPr lang="en-US" altLang="zh-CN" dirty="0" smtClean="0"/>
-              <a:t>class</a:t>
-            </a:r>
-          </a:p>
-          <a:p>
-            <a:r>
-              <a:rPr lang="en-US" altLang="zh-CN" dirty="0" smtClean="0"/>
-              <a:t>Entry</a:t>
-            </a:r>
-          </a:p>
-          <a:p>
-            <a:r>
-              <a:rPr lang="en-US" altLang="zh-CN" dirty="0" err="1"/>
-              <a:t>FileEntry</a:t>
-            </a:r>
-            <a:endParaRPr lang="en-US" altLang="zh-CN" dirty="0"/>
-          </a:p>
-          <a:p>
-            <a:r>
-              <a:rPr lang="en-US" altLang="zh-CN" dirty="0" err="1"/>
-              <a:t>DirectoryEntry</a:t>
-            </a:r>
-            <a:endParaRPr lang="en-US" altLang="zh-CN" dirty="0"/>
-          </a:p>
-          <a:p>
-            <a:r>
-              <a:rPr lang="en-US" altLang="zh-CN" dirty="0" err="1"/>
-              <a:t>FileSystem</a:t>
-            </a:r>
-            <a:endParaRPr lang="en-US" altLang="zh-CN" dirty="0"/>
-          </a:p>
-          <a:p>
-            <a:r>
-              <a:rPr lang="en-US" altLang="zh-CN" dirty="0" err="1"/>
-              <a:t>ReaderUtil</a:t>
-            </a:r>
-            <a:endParaRPr lang="en-US" altLang="zh-CN" dirty="0"/>
-          </a:p>
-          <a:p>
-            <a:endParaRPr lang="en-US" altLang="zh-CN" dirty="0"/>
-          </a:p>
-          <a:p>
-            <a:pPr marL="0" indent="0">
-              <a:buNone/>
-            </a:pPr>
+              <a:t>:</a:t>
+            </a:r>
+            <a:r>
+              <a:rPr lang="en-US" altLang="zh-CN" dirty="0"/>
+              <a:t> </a:t>
+            </a:r>
+            <a:r>
+              <a:rPr lang="en-US" altLang="zh-CN" sz="1200" dirty="0"/>
+              <a:t>C:\Users\&lt;&lt;USER&gt;&gt;\AppData\Local\Microsoft\Internet Explorer\Indexed DB</a:t>
+            </a:r>
+            <a:r>
+              <a:rPr lang="en-US" altLang="zh-CN" sz="1200" dirty="0" smtClean="0"/>
+              <a:t>\</a:t>
+            </a:r>
+          </a:p>
+          <a:p>
+            <a:pPr lvl="1"/>
+            <a:r>
+              <a:rPr lang="en-US" altLang="zh-CN" sz="1200" dirty="0"/>
+              <a:t>Chrome</a:t>
+            </a:r>
+            <a:r>
+              <a:rPr lang="en-US" altLang="zh-CN" sz="1200" dirty="0" smtClean="0"/>
+              <a:t>: C</a:t>
+            </a:r>
+            <a:r>
+              <a:rPr lang="en-US" altLang="zh-CN" sz="1200" dirty="0"/>
+              <a:t>:\Users</a:t>
+            </a:r>
+            <a:r>
+              <a:rPr lang="en-US" altLang="zh-CN" sz="1200" dirty="0" smtClean="0"/>
+              <a:t>\&lt;USER&gt;\</a:t>
+            </a:r>
+            <a:r>
+              <a:rPr lang="en-US" altLang="zh-CN" sz="1200" dirty="0"/>
+              <a:t>AppData\Local\Google\Chrome\User Data\Default\</a:t>
+            </a:r>
+            <a:r>
+              <a:rPr lang="en-US" altLang="zh-CN" sz="1200" dirty="0" err="1"/>
+              <a:t>IndexedDB</a:t>
+            </a:r>
+            <a:endParaRPr lang="en-US" altLang="zh-CN" sz="1200" dirty="0" smtClean="0"/>
+          </a:p>
+          <a:p>
+            <a:pPr lvl="1"/>
+            <a:r>
+              <a:rPr lang="en-US" altLang="zh-CN" sz="1200" dirty="0" smtClean="0"/>
+              <a:t>Firefox</a:t>
+            </a:r>
+            <a:r>
+              <a:rPr lang="en-US" altLang="zh-CN" sz="1200" dirty="0"/>
+              <a:t>: C:\Users</a:t>
+            </a:r>
+            <a:r>
+              <a:rPr lang="en-US" altLang="zh-CN" sz="1200" dirty="0" smtClean="0"/>
+              <a:t>\&lt;</a:t>
+            </a:r>
+            <a:r>
+              <a:rPr lang="en-US" altLang="zh-CN" sz="1200" dirty="0"/>
+              <a:t>USER&gt;</a:t>
+            </a:r>
+            <a:r>
+              <a:rPr lang="en-US" altLang="zh-CN" sz="1200" dirty="0" smtClean="0"/>
+              <a:t>\</a:t>
+            </a:r>
+            <a:r>
+              <a:rPr lang="en-US" altLang="zh-CN" sz="1200" dirty="0"/>
+              <a:t>AppData\Roaming\Mozilla\Firefox\Profiles\tzrkwhtd.default\storage\default</a:t>
+            </a:r>
+            <a:endParaRPr lang="en-US" altLang="zh-CN" sz="1200" dirty="0" smtClean="0"/>
+          </a:p>
+          <a:p>
+            <a:pPr lvl="1"/>
             <a:endParaRPr lang="zh-CN" altLang="en-US" dirty="0"/>
           </a:p>
         </p:txBody>
       </p:sp>
-      <p:sp>
-        <p:nvSpPr>
-          <p:cNvPr id="4" name="矩形 3"/>
-          <p:cNvSpPr/>
+      <p:pic>
+        <p:nvPicPr>
+          <p:cNvPr id="7" name="内容占位符 3"/>
+          <p:cNvPicPr>
+            <a:picLocks noChangeAspect="1"/>
+          </p:cNvPicPr>
           <p:nvPr/>
-        </p:nvSpPr>
+        </p:nvPicPr>
+        <p:blipFill>
+          <a:blip r:embed="rId3"/>
+          <a:stretch>
+            <a:fillRect/>
+          </a:stretch>
+        </p:blipFill>
         <p:spPr>
           <a:xfrm>
-            <a:off x="8476889" y="769873"/>
-            <a:ext cx="1164567" cy="327804"/>
+            <a:off x="3856786" y="1428107"/>
+            <a:ext cx="6366002" cy="3236359"/>
           </a:xfrm>
           <a:prstGeom prst="rect">
             <a:avLst/>
           </a:prstGeom>
         </p:spPr>
-        <p:style>
-          <a:lnRef idx="2">
-            <a:schemeClr val="accent1">
-              <a:shade val="50000"/>
-            </a:schemeClr>
-          </a:lnRef>
-          <a:fillRef idx="1">
-            <a:schemeClr val="accent1"/>
-          </a:fillRef>
-          <a:effectRef idx="0">
-            <a:schemeClr val="accent1"/>
-          </a:effectRef>
-          <a:fontRef idx="minor">
-            <a:schemeClr val="lt1"/>
-          </a:fontRef>
-        </p:style>
-        <p:txBody>
-          <a:bodyPr rtlCol="0" anchor="ctr"/>
-          <a:lstStyle/>
-          <a:p>
-            <a:pPr algn="ctr"/>
-            <a:r>
-              <a:rPr lang="en-US" altLang="zh-CN" dirty="0" smtClean="0"/>
-              <a:t>Entry</a:t>
-            </a:r>
-            <a:endParaRPr lang="zh-CN" altLang="en-US" dirty="0"/>
-          </a:p>
-        </p:txBody>
-      </p:sp>
-      <p:sp>
-        <p:nvSpPr>
-          <p:cNvPr id="5" name="矩形 4"/>
-          <p:cNvSpPr/>
-          <p:nvPr/>
-        </p:nvSpPr>
-        <p:spPr>
-          <a:xfrm>
-            <a:off x="9279146" y="1728024"/>
-            <a:ext cx="1840303" cy="327804"/>
-          </a:xfrm>
-          <a:prstGeom prst="rect">
-            <a:avLst/>
-          </a:prstGeom>
-        </p:spPr>
-        <p:style>
-          <a:lnRef idx="2">
-            <a:schemeClr val="accent1">
-              <a:shade val="50000"/>
-            </a:schemeClr>
-          </a:lnRef>
-          <a:fillRef idx="1">
-            <a:schemeClr val="accent1"/>
-          </a:fillRef>
-          <a:effectRef idx="0">
-            <a:schemeClr val="accent1"/>
-          </a:effectRef>
-          <a:fontRef idx="minor">
-            <a:schemeClr val="lt1"/>
-          </a:fontRef>
-        </p:style>
-        <p:txBody>
-          <a:bodyPr rtlCol="0" anchor="ctr"/>
-          <a:lstStyle/>
-          <a:p>
-            <a:pPr algn="ctr"/>
-            <a:r>
-              <a:rPr lang="en-US" altLang="zh-CN" dirty="0" err="1" smtClean="0"/>
-              <a:t>DirectoryEnty</a:t>
-            </a:r>
-            <a:endParaRPr lang="zh-CN" altLang="en-US" dirty="0"/>
-          </a:p>
-        </p:txBody>
-      </p:sp>
-      <p:sp>
-        <p:nvSpPr>
-          <p:cNvPr id="6" name="矩形 5"/>
-          <p:cNvSpPr/>
-          <p:nvPr/>
-        </p:nvSpPr>
-        <p:spPr>
-          <a:xfrm>
-            <a:off x="7358333" y="1730900"/>
-            <a:ext cx="1670648" cy="327804"/>
-          </a:xfrm>
-          <a:prstGeom prst="rect">
-            <a:avLst/>
-          </a:prstGeom>
-        </p:spPr>
-        <p:style>
-          <a:lnRef idx="2">
-            <a:schemeClr val="accent1">
-              <a:shade val="50000"/>
-            </a:schemeClr>
-          </a:lnRef>
-          <a:fillRef idx="1">
-            <a:schemeClr val="accent1"/>
-          </a:fillRef>
-          <a:effectRef idx="0">
-            <a:schemeClr val="accent1"/>
-          </a:effectRef>
-          <a:fontRef idx="minor">
-            <a:schemeClr val="lt1"/>
-          </a:fontRef>
-        </p:style>
-        <p:txBody>
-          <a:bodyPr rtlCol="0" anchor="ctr"/>
-          <a:lstStyle/>
-          <a:p>
-            <a:pPr algn="ctr"/>
-            <a:r>
-              <a:rPr lang="en-US" altLang="zh-CN" dirty="0" err="1" smtClean="0"/>
-              <a:t>FileEntry</a:t>
-            </a:r>
-            <a:endParaRPr lang="zh-CN" altLang="en-US" dirty="0"/>
-          </a:p>
-        </p:txBody>
-      </p:sp>
-      <p:sp>
-        <p:nvSpPr>
-          <p:cNvPr id="7" name="矩形 6"/>
-          <p:cNvSpPr/>
-          <p:nvPr/>
-        </p:nvSpPr>
-        <p:spPr>
-          <a:xfrm>
-            <a:off x="8453886" y="2835215"/>
-            <a:ext cx="1407543" cy="327804"/>
-          </a:xfrm>
-          <a:prstGeom prst="rect">
-            <a:avLst/>
-          </a:prstGeom>
-        </p:spPr>
-        <p:style>
-          <a:lnRef idx="2">
-            <a:schemeClr val="accent1">
-              <a:shade val="50000"/>
-            </a:schemeClr>
-          </a:lnRef>
-          <a:fillRef idx="1">
-            <a:schemeClr val="accent1"/>
-          </a:fillRef>
-          <a:effectRef idx="0">
-            <a:schemeClr val="accent1"/>
-          </a:effectRef>
-          <a:fontRef idx="minor">
-            <a:schemeClr val="lt1"/>
-          </a:fontRef>
-        </p:style>
-        <p:txBody>
-          <a:bodyPr rtlCol="0" anchor="ctr"/>
-          <a:lstStyle/>
-          <a:p>
-            <a:pPr algn="ctr"/>
-            <a:r>
-              <a:rPr lang="en-US" altLang="zh-CN" dirty="0" err="1" smtClean="0"/>
-              <a:t>FileSystem</a:t>
-            </a:r>
-            <a:endParaRPr lang="zh-CN" altLang="en-US" dirty="0"/>
-          </a:p>
-        </p:txBody>
-      </p:sp>
-      <p:cxnSp>
-        <p:nvCxnSpPr>
-          <p:cNvPr id="13" name="直接箭头连接符 12"/>
-          <p:cNvCxnSpPr>
-            <a:stCxn id="6" idx="2"/>
-            <a:endCxn id="7" idx="0"/>
-          </p:cNvCxnSpPr>
-          <p:nvPr/>
-        </p:nvCxnSpPr>
-        <p:spPr>
-          <a:xfrm>
-            <a:off x="8193657" y="2058704"/>
-            <a:ext cx="964001" cy="776511"/>
-          </a:xfrm>
-          <a:prstGeom prst="straightConnector1">
-            <a:avLst/>
-          </a:prstGeom>
-          <a:ln>
-            <a:tailEnd type="triangle"/>
-          </a:ln>
-        </p:spPr>
-        <p:style>
-          <a:lnRef idx="1">
-            <a:schemeClr val="accent1"/>
-          </a:lnRef>
-          <a:fillRef idx="0">
-            <a:schemeClr val="accent1"/>
-          </a:fillRef>
-          <a:effectRef idx="0">
-            <a:schemeClr val="accent1"/>
-          </a:effectRef>
-          <a:fontRef idx="minor">
-            <a:schemeClr val="tx1"/>
-          </a:fontRef>
-        </p:style>
-      </p:cxnSp>
-      <p:cxnSp>
-        <p:nvCxnSpPr>
-          <p:cNvPr id="15" name="直接箭头连接符 14"/>
-          <p:cNvCxnSpPr>
-            <a:stCxn id="5" idx="2"/>
-            <a:endCxn id="7" idx="0"/>
-          </p:cNvCxnSpPr>
-          <p:nvPr/>
-        </p:nvCxnSpPr>
-        <p:spPr>
-          <a:xfrm flipH="1">
-            <a:off x="9157658" y="2055828"/>
-            <a:ext cx="1041640" cy="779387"/>
-          </a:xfrm>
-          <a:prstGeom prst="straightConnector1">
-            <a:avLst/>
-          </a:prstGeom>
-          <a:ln>
-            <a:tailEnd type="triangle"/>
-          </a:ln>
-        </p:spPr>
-        <p:style>
-          <a:lnRef idx="1">
-            <a:schemeClr val="accent1"/>
-          </a:lnRef>
-          <a:fillRef idx="0">
-            <a:schemeClr val="accent1"/>
-          </a:fillRef>
-          <a:effectRef idx="0">
-            <a:schemeClr val="accent1"/>
-          </a:effectRef>
-          <a:fontRef idx="minor">
-            <a:schemeClr val="tx1"/>
-          </a:fontRef>
-        </p:style>
-      </p:cxnSp>
-      <p:sp>
-        <p:nvSpPr>
-          <p:cNvPr id="16" name="矩形 15"/>
-          <p:cNvSpPr/>
-          <p:nvPr/>
-        </p:nvSpPr>
-        <p:spPr>
-          <a:xfrm>
-            <a:off x="8491266" y="4285650"/>
-            <a:ext cx="1407543" cy="327804"/>
-          </a:xfrm>
-          <a:prstGeom prst="rect">
-            <a:avLst/>
-          </a:prstGeom>
-        </p:spPr>
-        <p:style>
-          <a:lnRef idx="2">
-            <a:schemeClr val="accent1">
-              <a:shade val="50000"/>
-            </a:schemeClr>
-          </a:lnRef>
-          <a:fillRef idx="1">
-            <a:schemeClr val="accent1"/>
-          </a:fillRef>
-          <a:effectRef idx="0">
-            <a:schemeClr val="accent1"/>
-          </a:effectRef>
-          <a:fontRef idx="minor">
-            <a:schemeClr val="lt1"/>
-          </a:fontRef>
-        </p:style>
-        <p:txBody>
-          <a:bodyPr rot="0" spcFirstLastPara="0" vert="horz" wrap="square" lIns="91440" tIns="45720" rIns="91440" bIns="45720" numCol="1" spcCol="0" rtlCol="0" fromWordArt="0" anchor="ctr" anchorCtr="0" forceAA="0" compatLnSpc="1">
-            <a:prstTxWarp prst="textNoShape">
-              <a:avLst/>
-            </a:prstTxWarp>
-            <a:noAutofit/>
-          </a:bodyPr>
-          <a:lstStyle>
-            <a:defPPr>
-              <a:defRPr lang="zh-CN"/>
-            </a:defPPr>
-            <a:lvl1pPr marL="0" algn="l" defTabSz="914400" rtl="0" eaLnBrk="1" latinLnBrk="0" hangingPunct="1">
-              <a:defRPr sz="1800" kern="1200">
-                <a:solidFill>
-                  <a:schemeClr val="lt1"/>
-                </a:solidFill>
-                <a:latin typeface="+mn-lt"/>
-                <a:ea typeface="+mn-ea"/>
-                <a:cs typeface="+mn-cs"/>
-              </a:defRPr>
-            </a:lvl1pPr>
-            <a:lvl2pPr marL="457200" algn="l" defTabSz="914400" rtl="0" eaLnBrk="1" latinLnBrk="0" hangingPunct="1">
-              <a:defRPr sz="1800" kern="1200">
-                <a:solidFill>
-                  <a:schemeClr val="lt1"/>
-                </a:solidFill>
-                <a:latin typeface="+mn-lt"/>
-                <a:ea typeface="+mn-ea"/>
-                <a:cs typeface="+mn-cs"/>
-              </a:defRPr>
-            </a:lvl2pPr>
-            <a:lvl3pPr marL="914400" algn="l" defTabSz="914400" rtl="0" eaLnBrk="1" latinLnBrk="0" hangingPunct="1">
-              <a:defRPr sz="1800" kern="1200">
-                <a:solidFill>
-                  <a:schemeClr val="lt1"/>
-                </a:solidFill>
-                <a:latin typeface="+mn-lt"/>
-                <a:ea typeface="+mn-ea"/>
-                <a:cs typeface="+mn-cs"/>
-              </a:defRPr>
-            </a:lvl3pPr>
-            <a:lvl4pPr marL="1371600" algn="l" defTabSz="914400" rtl="0" eaLnBrk="1" latinLnBrk="0" hangingPunct="1">
-              <a:defRPr sz="1800" kern="1200">
-                <a:solidFill>
-                  <a:schemeClr val="lt1"/>
-                </a:solidFill>
-                <a:latin typeface="+mn-lt"/>
-                <a:ea typeface="+mn-ea"/>
-                <a:cs typeface="+mn-cs"/>
-              </a:defRPr>
-            </a:lvl4pPr>
-            <a:lvl5pPr marL="1828800" algn="l" defTabSz="914400" rtl="0" eaLnBrk="1" latinLnBrk="0" hangingPunct="1">
-              <a:defRPr sz="1800" kern="1200">
-                <a:solidFill>
-                  <a:schemeClr val="lt1"/>
-                </a:solidFill>
-                <a:latin typeface="+mn-lt"/>
-                <a:ea typeface="+mn-ea"/>
-                <a:cs typeface="+mn-cs"/>
-              </a:defRPr>
-            </a:lvl5pPr>
-            <a:lvl6pPr marL="2286000" algn="l" defTabSz="914400" rtl="0" eaLnBrk="1" latinLnBrk="0" hangingPunct="1">
-              <a:defRPr sz="1800" kern="1200">
-                <a:solidFill>
-                  <a:schemeClr val="lt1"/>
-                </a:solidFill>
-                <a:latin typeface="+mn-lt"/>
-                <a:ea typeface="+mn-ea"/>
-                <a:cs typeface="+mn-cs"/>
-              </a:defRPr>
-            </a:lvl6pPr>
-            <a:lvl7pPr marL="2743200" algn="l" defTabSz="914400" rtl="0" eaLnBrk="1" latinLnBrk="0" hangingPunct="1">
-              <a:defRPr sz="1800" kern="1200">
-                <a:solidFill>
-                  <a:schemeClr val="lt1"/>
-                </a:solidFill>
-                <a:latin typeface="+mn-lt"/>
-                <a:ea typeface="+mn-ea"/>
-                <a:cs typeface="+mn-cs"/>
-              </a:defRPr>
-            </a:lvl7pPr>
-            <a:lvl8pPr marL="3200400" algn="l" defTabSz="914400" rtl="0" eaLnBrk="1" latinLnBrk="0" hangingPunct="1">
-              <a:defRPr sz="1800" kern="1200">
-                <a:solidFill>
-                  <a:schemeClr val="lt1"/>
-                </a:solidFill>
-                <a:latin typeface="+mn-lt"/>
-                <a:ea typeface="+mn-ea"/>
-                <a:cs typeface="+mn-cs"/>
-              </a:defRPr>
-            </a:lvl8pPr>
-            <a:lvl9pPr marL="3657600" algn="l" defTabSz="914400" rtl="0" eaLnBrk="1" latinLnBrk="0" hangingPunct="1">
-              <a:defRPr sz="1800" kern="1200">
-                <a:solidFill>
-                  <a:schemeClr val="lt1"/>
-                </a:solidFill>
-                <a:latin typeface="+mn-lt"/>
-                <a:ea typeface="+mn-ea"/>
-                <a:cs typeface="+mn-cs"/>
-              </a:defRPr>
-            </a:lvl9pPr>
-          </a:lstStyle>
-          <a:p>
-            <a:pPr algn="ctr"/>
-            <a:r>
-              <a:rPr lang="en-US" altLang="zh-CN" dirty="0" err="1" smtClean="0"/>
-              <a:t>indexedDB</a:t>
-            </a:r>
-            <a:endParaRPr lang="zh-CN" altLang="en-US" dirty="0"/>
-          </a:p>
-        </p:txBody>
-      </p:sp>
-      <p:cxnSp>
-        <p:nvCxnSpPr>
-          <p:cNvPr id="18" name="直接箭头连接符 17"/>
-          <p:cNvCxnSpPr/>
-          <p:nvPr/>
-        </p:nvCxnSpPr>
-        <p:spPr>
-          <a:xfrm>
-            <a:off x="8764438" y="3209026"/>
-            <a:ext cx="60385" cy="1076624"/>
-          </a:xfrm>
-          <a:prstGeom prst="straightConnector1">
-            <a:avLst/>
-          </a:prstGeom>
-          <a:ln>
-            <a:tailEnd type="triangle"/>
-          </a:ln>
-        </p:spPr>
-        <p:style>
-          <a:lnRef idx="1">
-            <a:schemeClr val="accent1"/>
-          </a:lnRef>
-          <a:fillRef idx="0">
-            <a:schemeClr val="accent1"/>
-          </a:fillRef>
-          <a:effectRef idx="0">
-            <a:schemeClr val="accent1"/>
-          </a:effectRef>
-          <a:fontRef idx="minor">
-            <a:schemeClr val="tx1"/>
-          </a:fontRef>
-        </p:style>
-      </p:cxnSp>
-      <p:cxnSp>
-        <p:nvCxnSpPr>
-          <p:cNvPr id="20" name="直接箭头连接符 19"/>
-          <p:cNvCxnSpPr/>
-          <p:nvPr/>
-        </p:nvCxnSpPr>
-        <p:spPr>
-          <a:xfrm flipH="1" flipV="1">
-            <a:off x="9489057" y="3163021"/>
-            <a:ext cx="87700" cy="1076622"/>
-          </a:xfrm>
-          <a:prstGeom prst="straightConnector1">
-            <a:avLst/>
-          </a:prstGeom>
-          <a:ln>
-            <a:tailEnd type="triangle"/>
-          </a:ln>
-        </p:spPr>
-        <p:style>
-          <a:lnRef idx="1">
-            <a:schemeClr val="accent1"/>
-          </a:lnRef>
-          <a:fillRef idx="0">
-            <a:schemeClr val="accent1"/>
-          </a:fillRef>
-          <a:effectRef idx="0">
-            <a:schemeClr val="accent1"/>
-          </a:effectRef>
-          <a:fontRef idx="minor">
-            <a:schemeClr val="tx1"/>
-          </a:fontRef>
-        </p:style>
-      </p:cxnSp>
-      <p:sp>
-        <p:nvSpPr>
-          <p:cNvPr id="25" name="文本框 24"/>
-          <p:cNvSpPr txBox="1"/>
-          <p:nvPr/>
-        </p:nvSpPr>
-        <p:spPr>
-          <a:xfrm>
-            <a:off x="8307238" y="1268083"/>
-            <a:ext cx="595222" cy="307777"/>
-          </a:xfrm>
-          <a:prstGeom prst="rect">
-            <a:avLst/>
-          </a:prstGeom>
-          <a:noFill/>
-        </p:spPr>
-        <p:txBody>
-          <a:bodyPr wrap="square" rtlCol="0">
-            <a:spAutoFit/>
-          </a:bodyPr>
-          <a:lstStyle/>
-          <a:p>
-            <a:r>
-              <a:rPr lang="zh-CN" altLang="en-US" sz="1400" dirty="0" smtClean="0"/>
-              <a:t>继承</a:t>
-            </a:r>
-            <a:endParaRPr lang="zh-CN" altLang="en-US" sz="1400" dirty="0"/>
-          </a:p>
-        </p:txBody>
-      </p:sp>
-      <p:sp>
-        <p:nvSpPr>
-          <p:cNvPr id="26" name="文本框 25"/>
-          <p:cNvSpPr txBox="1"/>
-          <p:nvPr/>
-        </p:nvSpPr>
-        <p:spPr>
-          <a:xfrm>
-            <a:off x="9279146" y="1243455"/>
-            <a:ext cx="595222" cy="307777"/>
-          </a:xfrm>
-          <a:prstGeom prst="rect">
-            <a:avLst/>
-          </a:prstGeom>
-          <a:noFill/>
-        </p:spPr>
-        <p:txBody>
-          <a:bodyPr wrap="square" rtlCol="0">
-            <a:spAutoFit/>
-          </a:bodyPr>
-          <a:lstStyle/>
-          <a:p>
-            <a:r>
-              <a:rPr lang="zh-CN" altLang="en-US" sz="1400" dirty="0" smtClean="0"/>
-              <a:t>继承</a:t>
-            </a:r>
-            <a:endParaRPr lang="zh-CN" altLang="en-US" sz="1400" dirty="0"/>
-          </a:p>
-        </p:txBody>
-      </p:sp>
-      <p:cxnSp>
-        <p:nvCxnSpPr>
-          <p:cNvPr id="28" name="直接箭头连接符 27"/>
-          <p:cNvCxnSpPr>
-            <a:stCxn id="6" idx="0"/>
-            <a:endCxn id="4" idx="2"/>
-          </p:cNvCxnSpPr>
-          <p:nvPr/>
-        </p:nvCxnSpPr>
-        <p:spPr>
-          <a:xfrm flipV="1">
-            <a:off x="8193657" y="1097677"/>
-            <a:ext cx="865516" cy="633223"/>
-          </a:xfrm>
-          <a:prstGeom prst="straightConnector1">
-            <a:avLst/>
-          </a:prstGeom>
-          <a:ln>
-            <a:tailEnd type="triangle"/>
-          </a:ln>
-        </p:spPr>
-        <p:style>
-          <a:lnRef idx="1">
-            <a:schemeClr val="accent1"/>
-          </a:lnRef>
-          <a:fillRef idx="0">
-            <a:schemeClr val="accent1"/>
-          </a:fillRef>
-          <a:effectRef idx="0">
-            <a:schemeClr val="accent1"/>
-          </a:effectRef>
-          <a:fontRef idx="minor">
-            <a:schemeClr val="tx1"/>
-          </a:fontRef>
-        </p:style>
-      </p:cxnSp>
-      <p:cxnSp>
-        <p:nvCxnSpPr>
-          <p:cNvPr id="30" name="直接箭头连接符 29"/>
-          <p:cNvCxnSpPr>
-            <a:stCxn id="5" idx="0"/>
-            <a:endCxn id="4" idx="2"/>
-          </p:cNvCxnSpPr>
-          <p:nvPr/>
-        </p:nvCxnSpPr>
-        <p:spPr>
-          <a:xfrm flipH="1" flipV="1">
-            <a:off x="9059173" y="1097677"/>
-            <a:ext cx="1140125" cy="630347"/>
-          </a:xfrm>
-          <a:prstGeom prst="straightConnector1">
-            <a:avLst/>
-          </a:prstGeom>
-          <a:ln>
-            <a:tailEnd type="triangle"/>
-          </a:ln>
-        </p:spPr>
-        <p:style>
-          <a:lnRef idx="1">
-            <a:schemeClr val="accent1"/>
-          </a:lnRef>
-          <a:fillRef idx="0">
-            <a:schemeClr val="accent1"/>
-          </a:fillRef>
-          <a:effectRef idx="0">
-            <a:schemeClr val="accent1"/>
-          </a:effectRef>
-          <a:fontRef idx="minor">
-            <a:schemeClr val="tx1"/>
-          </a:fontRef>
-        </p:style>
-      </p:cxnSp>
-      <p:sp>
-        <p:nvSpPr>
-          <p:cNvPr id="43" name="文本框 42"/>
-          <p:cNvSpPr txBox="1"/>
-          <p:nvPr/>
-        </p:nvSpPr>
-        <p:spPr>
-          <a:xfrm>
-            <a:off x="8072170" y="2291632"/>
-            <a:ext cx="956812" cy="307777"/>
-          </a:xfrm>
-          <a:prstGeom prst="rect">
-            <a:avLst/>
-          </a:prstGeom>
-          <a:noFill/>
-        </p:spPr>
-        <p:txBody>
-          <a:bodyPr wrap="square" rtlCol="0">
-            <a:spAutoFit/>
-          </a:bodyPr>
-          <a:lstStyle/>
-          <a:p>
-            <a:r>
-              <a:rPr lang="en-US" altLang="zh-CN" sz="1400" dirty="0" smtClean="0"/>
-              <a:t>dispatch</a:t>
-            </a:r>
-            <a:endParaRPr lang="zh-CN" altLang="en-US" sz="1400" dirty="0"/>
-          </a:p>
-        </p:txBody>
-      </p:sp>
-      <p:sp>
-        <p:nvSpPr>
-          <p:cNvPr id="44" name="文本框 43"/>
-          <p:cNvSpPr txBox="1"/>
-          <p:nvPr/>
-        </p:nvSpPr>
-        <p:spPr>
-          <a:xfrm>
-            <a:off x="9290975" y="2283915"/>
-            <a:ext cx="942887" cy="307777"/>
-          </a:xfrm>
-          <a:prstGeom prst="rect">
-            <a:avLst/>
-          </a:prstGeom>
-          <a:noFill/>
-        </p:spPr>
-        <p:txBody>
-          <a:bodyPr wrap="none" rtlCol="0">
-            <a:spAutoFit/>
-          </a:bodyPr>
-          <a:lstStyle/>
-          <a:p>
-            <a:r>
-              <a:rPr lang="en-US" altLang="zh-CN" sz="1400" dirty="0"/>
-              <a:t>dispatch</a:t>
-            </a:r>
-            <a:endParaRPr lang="zh-CN" altLang="en-US" sz="1400" dirty="0"/>
-          </a:p>
-        </p:txBody>
-      </p:sp>
-      <p:cxnSp>
-        <p:nvCxnSpPr>
-          <p:cNvPr id="46" name="直接箭头连接符 45"/>
-          <p:cNvCxnSpPr>
-            <a:stCxn id="7" idx="1"/>
-          </p:cNvCxnSpPr>
-          <p:nvPr/>
-        </p:nvCxnSpPr>
-        <p:spPr>
-          <a:xfrm flipH="1" flipV="1">
-            <a:off x="7435970" y="2055828"/>
-            <a:ext cx="1017916" cy="943289"/>
-          </a:xfrm>
-          <a:prstGeom prst="straightConnector1">
-            <a:avLst/>
-          </a:prstGeom>
-          <a:ln>
-            <a:tailEnd type="triangle"/>
-          </a:ln>
-        </p:spPr>
-        <p:style>
-          <a:lnRef idx="1">
-            <a:schemeClr val="accent1"/>
-          </a:lnRef>
-          <a:fillRef idx="0">
-            <a:schemeClr val="accent1"/>
-          </a:fillRef>
-          <a:effectRef idx="0">
-            <a:schemeClr val="accent1"/>
-          </a:effectRef>
-          <a:fontRef idx="minor">
-            <a:schemeClr val="tx1"/>
-          </a:fontRef>
-        </p:style>
-      </p:cxnSp>
-      <p:cxnSp>
-        <p:nvCxnSpPr>
-          <p:cNvPr id="48" name="直接箭头连接符 47"/>
-          <p:cNvCxnSpPr>
-            <a:stCxn id="7" idx="3"/>
-          </p:cNvCxnSpPr>
-          <p:nvPr/>
-        </p:nvCxnSpPr>
-        <p:spPr>
-          <a:xfrm flipV="1">
-            <a:off x="9861429" y="2055828"/>
-            <a:ext cx="1258020" cy="943289"/>
-          </a:xfrm>
-          <a:prstGeom prst="straightConnector1">
-            <a:avLst/>
-          </a:prstGeom>
-          <a:ln>
-            <a:tailEnd type="triangle"/>
-          </a:ln>
-        </p:spPr>
-        <p:style>
-          <a:lnRef idx="1">
-            <a:schemeClr val="accent1"/>
-          </a:lnRef>
-          <a:fillRef idx="0">
-            <a:schemeClr val="accent1"/>
-          </a:fillRef>
-          <a:effectRef idx="0">
-            <a:schemeClr val="accent1"/>
-          </a:effectRef>
-          <a:fontRef idx="minor">
-            <a:schemeClr val="tx1"/>
-          </a:fontRef>
-        </p:style>
-      </p:cxnSp>
+      </p:pic>
     </p:spTree>
     <p:extLst>
       <p:ext uri="{BB962C8B-B14F-4D97-AF65-F5344CB8AC3E}">
-        <p14:creationId xmlns:p14="http://schemas.microsoft.com/office/powerpoint/2010/main" val="710184817"/>
+        <p14:creationId xmlns:p14="http://schemas.microsoft.com/office/powerpoint/2010/main" val="1477178624"/>
       </p:ext>
     </p:extLst>
   </p:cSld>
   <p:clrMapOvr>
     <a:masterClrMapping/>
   </p:clrMapOvr>
-  <p:timing>
-    <p:tnLst>
-      <p:par>
-        <p:cTn id="1" dur="indefinite" restart="never" nodeType="tmRoot"/>
-      </p:par>
-    </p:tnLst>
-  </p:timing>
 </p:sld>
 </file>
 

--- a/docs/浏览器大型文件存储.pptx
+++ b/docs/浏览器大型文件存储.pptx
@@ -5,7 +5,7 @@
     <p:sldMasterId id="2147483728" r:id="rId1"/>
   </p:sldMasterIdLst>
   <p:notesMasterIdLst>
-    <p:notesMasterId r:id="rId18"/>
+    <p:notesMasterId r:id="rId20"/>
   </p:notesMasterIdLst>
   <p:sldIdLst>
     <p:sldId id="256" r:id="rId2"/>
@@ -13,17 +13,19 @@
     <p:sldId id="258" r:id="rId4"/>
     <p:sldId id="259" r:id="rId5"/>
     <p:sldId id="260" r:id="rId6"/>
-    <p:sldId id="261" r:id="rId7"/>
-    <p:sldId id="262" r:id="rId8"/>
-    <p:sldId id="264" r:id="rId9"/>
-    <p:sldId id="271" r:id="rId10"/>
-    <p:sldId id="263" r:id="rId11"/>
-    <p:sldId id="265" r:id="rId12"/>
-    <p:sldId id="266" r:id="rId13"/>
-    <p:sldId id="267" r:id="rId14"/>
-    <p:sldId id="270" r:id="rId15"/>
-    <p:sldId id="268" r:id="rId16"/>
-    <p:sldId id="269" r:id="rId17"/>
+    <p:sldId id="272" r:id="rId7"/>
+    <p:sldId id="261" r:id="rId8"/>
+    <p:sldId id="273" r:id="rId9"/>
+    <p:sldId id="262" r:id="rId10"/>
+    <p:sldId id="264" r:id="rId11"/>
+    <p:sldId id="271" r:id="rId12"/>
+    <p:sldId id="263" r:id="rId13"/>
+    <p:sldId id="265" r:id="rId14"/>
+    <p:sldId id="266" r:id="rId15"/>
+    <p:sldId id="267" r:id="rId16"/>
+    <p:sldId id="270" r:id="rId17"/>
+    <p:sldId id="268" r:id="rId18"/>
+    <p:sldId id="269" r:id="rId19"/>
   </p:sldIdLst>
   <p:sldSz cx="12192000" cy="6858000"/>
   <p:notesSz cx="6858000" cy="9144000"/>
@@ -212,7 +214,7 @@
           <a:p>
             <a:fld id="{DB41534C-AE6B-4D92-9DF3-341BFF28A61C}" type="datetimeFigureOut">
               <a:rPr lang="zh-CN" altLang="en-US" smtClean="0"/>
-              <a:t>2017/8/9</a:t>
+              <a:t>2017/8/10</a:t>
             </a:fld>
             <a:endParaRPr lang="zh-CN" altLang="en-US"/>
           </a:p>
@@ -568,11 +570,7 @@
           <a:p>
             <a:r>
               <a:rPr lang="en-US" altLang="zh-CN" dirty="0" smtClean="0"/>
-              <a:t>https://</a:t>
-            </a:r>
-            <a:r>
-              <a:rPr lang="en-US" altLang="zh-CN" dirty="0" smtClean="0"/>
-              <a:t>docs.google.com/presentation/d/11CJnf77N45qPFAhASwnfRNeEMJfR-E_x05v1Z6Rh5HA/edit#slide=id.p</a:t>
+              <a:t>https://docs.google.com/presentation/d/11CJnf77N45qPFAhASwnfRNeEMJfR-E_x05v1Z6Rh5HA/edit#slide=id.p</a:t>
             </a:r>
           </a:p>
           <a:p>
@@ -611,6 +609,178 @@
     <p:extLst>
       <p:ext uri="{BB962C8B-B14F-4D97-AF65-F5344CB8AC3E}">
         <p14:creationId xmlns:p14="http://schemas.microsoft.com/office/powerpoint/2010/main" val="4183098506"/>
+      </p:ext>
+    </p:extLst>
+  </p:cSld>
+  <p:clrMapOvr>
+    <a:masterClrMapping/>
+  </p:clrMapOvr>
+</p:notes>
+</file>
+
+<file path=ppt/notesSlides/notesSlide10.xml><?xml version="1.0" encoding="utf-8"?>
+<p:notes xmlns:a="http://schemas.openxmlformats.org/drawingml/2006/main" xmlns:r="http://schemas.openxmlformats.org/officeDocument/2006/relationships" xmlns:p="http://schemas.openxmlformats.org/presentationml/2006/main">
+  <p:cSld>
+    <p:spTree>
+      <p:nvGrpSpPr>
+        <p:cNvPr id="1" name=""/>
+        <p:cNvGrpSpPr/>
+        <p:nvPr/>
+      </p:nvGrpSpPr>
+      <p:grpSpPr>
+        <a:xfrm>
+          <a:off x="0" y="0"/>
+          <a:ext cx="0" cy="0"/>
+          <a:chOff x="0" y="0"/>
+          <a:chExt cx="0" cy="0"/>
+        </a:xfrm>
+      </p:grpSpPr>
+      <p:sp>
+        <p:nvSpPr>
+          <p:cNvPr id="2" name="幻灯片图像占位符 1"/>
+          <p:cNvSpPr>
+            <a:spLocks noGrp="1" noRot="1" noChangeAspect="1"/>
+          </p:cNvSpPr>
+          <p:nvPr>
+            <p:ph type="sldImg"/>
+          </p:nvPr>
+        </p:nvSpPr>
+        <p:spPr/>
+      </p:sp>
+      <p:sp>
+        <p:nvSpPr>
+          <p:cNvPr id="3" name="备注占位符 2"/>
+          <p:cNvSpPr>
+            <a:spLocks noGrp="1"/>
+          </p:cNvSpPr>
+          <p:nvPr>
+            <p:ph type="body" idx="1"/>
+          </p:nvPr>
+        </p:nvSpPr>
+        <p:spPr/>
+        <p:txBody>
+          <a:bodyPr/>
+          <a:lstStyle/>
+          <a:p>
+            <a:endParaRPr lang="zh-CN" altLang="en-US" dirty="0"/>
+          </a:p>
+        </p:txBody>
+      </p:sp>
+      <p:sp>
+        <p:nvSpPr>
+          <p:cNvPr id="4" name="灯片编号占位符 3"/>
+          <p:cNvSpPr>
+            <a:spLocks noGrp="1"/>
+          </p:cNvSpPr>
+          <p:nvPr>
+            <p:ph type="sldNum" sz="quarter" idx="10"/>
+          </p:nvPr>
+        </p:nvSpPr>
+        <p:spPr/>
+        <p:txBody>
+          <a:bodyPr/>
+          <a:lstStyle/>
+          <a:p>
+            <a:fld id="{80F750DE-A424-41F9-8DA1-B01F34C639C1}" type="slidenum">
+              <a:rPr lang="zh-CN" altLang="en-US" smtClean="0"/>
+              <a:t>11</a:t>
+            </a:fld>
+            <a:endParaRPr lang="zh-CN" altLang="en-US"/>
+          </a:p>
+        </p:txBody>
+      </p:sp>
+    </p:spTree>
+    <p:extLst>
+      <p:ext uri="{BB962C8B-B14F-4D97-AF65-F5344CB8AC3E}">
+        <p14:creationId xmlns:p14="http://schemas.microsoft.com/office/powerpoint/2010/main" val="2368237245"/>
+      </p:ext>
+    </p:extLst>
+  </p:cSld>
+  <p:clrMapOvr>
+    <a:masterClrMapping/>
+  </p:clrMapOvr>
+</p:notes>
+</file>
+
+<file path=ppt/notesSlides/notesSlide11.xml><?xml version="1.0" encoding="utf-8"?>
+<p:notes xmlns:a="http://schemas.openxmlformats.org/drawingml/2006/main" xmlns:r="http://schemas.openxmlformats.org/officeDocument/2006/relationships" xmlns:p="http://schemas.openxmlformats.org/presentationml/2006/main">
+  <p:cSld>
+    <p:spTree>
+      <p:nvGrpSpPr>
+        <p:cNvPr id="1" name=""/>
+        <p:cNvGrpSpPr/>
+        <p:nvPr/>
+      </p:nvGrpSpPr>
+      <p:grpSpPr>
+        <a:xfrm>
+          <a:off x="0" y="0"/>
+          <a:ext cx="0" cy="0"/>
+          <a:chOff x="0" y="0"/>
+          <a:chExt cx="0" cy="0"/>
+        </a:xfrm>
+      </p:grpSpPr>
+      <p:sp>
+        <p:nvSpPr>
+          <p:cNvPr id="2" name="幻灯片图像占位符 1"/>
+          <p:cNvSpPr>
+            <a:spLocks noGrp="1" noRot="1" noChangeAspect="1"/>
+          </p:cNvSpPr>
+          <p:nvPr>
+            <p:ph type="sldImg"/>
+          </p:nvPr>
+        </p:nvSpPr>
+        <p:spPr/>
+      </p:sp>
+      <p:sp>
+        <p:nvSpPr>
+          <p:cNvPr id="3" name="备注占位符 2"/>
+          <p:cNvSpPr>
+            <a:spLocks noGrp="1"/>
+          </p:cNvSpPr>
+          <p:nvPr>
+            <p:ph type="body" idx="1"/>
+          </p:nvPr>
+        </p:nvSpPr>
+        <p:spPr/>
+        <p:txBody>
+          <a:bodyPr/>
+          <a:lstStyle/>
+          <a:p>
+            <a:r>
+              <a:rPr lang="en-US" altLang="zh-CN" dirty="0" smtClean="0"/>
+              <a:t>https://www.w3.org/TR/2012/WD-file-system-api-20120417/</a:t>
+            </a:r>
+            <a:endParaRPr lang="zh-CN" altLang="en-US" dirty="0"/>
+          </a:p>
+        </p:txBody>
+      </p:sp>
+      <p:sp>
+        <p:nvSpPr>
+          <p:cNvPr id="4" name="灯片编号占位符 3"/>
+          <p:cNvSpPr>
+            <a:spLocks noGrp="1"/>
+          </p:cNvSpPr>
+          <p:nvPr>
+            <p:ph type="sldNum" sz="quarter" idx="10"/>
+          </p:nvPr>
+        </p:nvSpPr>
+        <p:spPr/>
+        <p:txBody>
+          <a:bodyPr/>
+          <a:lstStyle/>
+          <a:p>
+            <a:fld id="{80F750DE-A424-41F9-8DA1-B01F34C639C1}" type="slidenum">
+              <a:rPr lang="zh-CN" altLang="en-US" smtClean="0"/>
+              <a:t>12</a:t>
+            </a:fld>
+            <a:endParaRPr lang="zh-CN" altLang="en-US"/>
+          </a:p>
+        </p:txBody>
+      </p:sp>
+    </p:spTree>
+    <p:extLst>
+      <p:ext uri="{BB962C8B-B14F-4D97-AF65-F5344CB8AC3E}">
+        <p14:creationId xmlns:p14="http://schemas.microsoft.com/office/powerpoint/2010/main" val="1038379318"/>
       </p:ext>
     </p:extLst>
   </p:cSld>
@@ -886,26 +1056,14 @@
           <a:p>
             <a:r>
               <a:rPr lang="zh-CN" altLang="en-US" dirty="0" smtClean="0"/>
-              <a:t>参考</a:t>
-            </a:r>
-            <a:r>
-              <a:rPr lang="zh-CN" altLang="en-US" dirty="0" smtClean="0"/>
-              <a:t>：</a:t>
+              <a:t>参考：</a:t>
             </a:r>
             <a:endParaRPr lang="en-US" altLang="zh-CN" dirty="0" smtClean="0"/>
           </a:p>
           <a:p>
             <a:r>
               <a:rPr lang="en-US" altLang="zh-CN" dirty="0" smtClean="0"/>
-              <a:t>https</a:t>
-            </a:r>
-            <a:r>
-              <a:rPr lang="en-US" altLang="zh-CN" dirty="0" smtClean="0"/>
-              <a:t>://</a:t>
-            </a:r>
-            <a:r>
-              <a:rPr lang="en-US" altLang="zh-CN" dirty="0" smtClean="0"/>
-              <a:t>developers.google.com/web/fundamentals/instant-and-offline/web-storage/offline-for-pwa</a:t>
+              <a:t>https://developers.google.com/web/fundamentals/instant-and-offline/web-storage/offline-for-pwa</a:t>
             </a:r>
           </a:p>
           <a:p>
@@ -997,12 +1155,8 @@
           <a:lstStyle/>
           <a:p>
             <a:r>
-              <a:rPr lang="zh-CN" altLang="en-US" dirty="0" smtClean="0"/>
-              <a:t>参考：</a:t>
-            </a:r>
-            <a:r>
               <a:rPr lang="en-US" altLang="zh-CN" dirty="0" smtClean="0"/>
-              <a:t>https://demo.agektmr.com/storage/</a:t>
+              <a:t>https://www.w3.org/TR/2012/WD-file-system-api-20120417/#using-localfilesystem</a:t>
             </a:r>
             <a:endParaRPr lang="zh-CN" altLang="en-US" dirty="0"/>
           </a:p>
@@ -1034,7 +1188,7 @@
     </p:spTree>
     <p:extLst>
       <p:ext uri="{BB962C8B-B14F-4D97-AF65-F5344CB8AC3E}">
-        <p14:creationId xmlns:p14="http://schemas.microsoft.com/office/powerpoint/2010/main" val="211113663"/>
+        <p14:creationId xmlns:p14="http://schemas.microsoft.com/office/powerpoint/2010/main" val="138833555"/>
       </p:ext>
     </p:extLst>
   </p:cSld>
@@ -1090,11 +1244,11 @@
           <a:p>
             <a:r>
               <a:rPr lang="zh-CN" altLang="en-US" dirty="0" smtClean="0"/>
-              <a:t>演示地址：</a:t>
+              <a:t>参考：</a:t>
             </a:r>
             <a:r>
               <a:rPr lang="en-US" altLang="zh-CN" dirty="0" smtClean="0"/>
-              <a:t>https://xiangwenhu.github.io/FileSystem/demo/</a:t>
+              <a:t>https://demo.agektmr.com/storage/</a:t>
             </a:r>
             <a:endParaRPr lang="zh-CN" altLang="en-US" dirty="0"/>
           </a:p>
@@ -1126,7 +1280,7 @@
     </p:spTree>
     <p:extLst>
       <p:ext uri="{BB962C8B-B14F-4D97-AF65-F5344CB8AC3E}">
-        <p14:creationId xmlns:p14="http://schemas.microsoft.com/office/powerpoint/2010/main" val="3459854334"/>
+        <p14:creationId xmlns:p14="http://schemas.microsoft.com/office/powerpoint/2010/main" val="211113663"/>
       </p:ext>
     </p:extLst>
   </p:cSld>
@@ -1210,7 +1364,7 @@
     </p:spTree>
     <p:extLst>
       <p:ext uri="{BB962C8B-B14F-4D97-AF65-F5344CB8AC3E}">
-        <p14:creationId xmlns:p14="http://schemas.microsoft.com/office/powerpoint/2010/main" val="551201831"/>
+        <p14:creationId xmlns:p14="http://schemas.microsoft.com/office/powerpoint/2010/main" val="2689015543"/>
       </p:ext>
     </p:extLst>
   </p:cSld>
@@ -1264,6 +1418,14 @@
           <a:bodyPr/>
           <a:lstStyle/>
           <a:p>
+            <a:r>
+              <a:rPr lang="zh-CN" altLang="en-US" dirty="0" smtClean="0"/>
+              <a:t>演示地址：</a:t>
+            </a:r>
+            <a:r>
+              <a:rPr lang="en-US" altLang="zh-CN" dirty="0" smtClean="0"/>
+              <a:t>https://xiangwenhu.github.io/FileSystem/demo/</a:t>
+            </a:r>
             <a:endParaRPr lang="zh-CN" altLang="en-US" dirty="0"/>
           </a:p>
         </p:txBody>
@@ -1294,7 +1456,7 @@
     </p:spTree>
     <p:extLst>
       <p:ext uri="{BB962C8B-B14F-4D97-AF65-F5344CB8AC3E}">
-        <p14:creationId xmlns:p14="http://schemas.microsoft.com/office/powerpoint/2010/main" val="2368237245"/>
+        <p14:creationId xmlns:p14="http://schemas.microsoft.com/office/powerpoint/2010/main" val="3459854334"/>
       </p:ext>
     </p:extLst>
   </p:cSld>
@@ -1348,10 +1510,6 @@
           <a:bodyPr/>
           <a:lstStyle/>
           <a:p>
-            <a:r>
-              <a:rPr lang="en-US" altLang="zh-CN" dirty="0" smtClean="0"/>
-              <a:t>https://www.w3.org/TR/2012/WD-file-system-api-20120417/</a:t>
-            </a:r>
             <a:endParaRPr lang="zh-CN" altLang="en-US" dirty="0"/>
           </a:p>
         </p:txBody>
@@ -1382,7 +1540,7 @@
     </p:spTree>
     <p:extLst>
       <p:ext uri="{BB962C8B-B14F-4D97-AF65-F5344CB8AC3E}">
-        <p14:creationId xmlns:p14="http://schemas.microsoft.com/office/powerpoint/2010/main" val="1038379318"/>
+        <p14:creationId xmlns:p14="http://schemas.microsoft.com/office/powerpoint/2010/main" val="551201831"/>
       </p:ext>
     </p:extLst>
   </p:cSld>
@@ -1580,7 +1738,7 @@
           <a:p>
             <a:fld id="{CC7595C5-1733-42E2-873F-A506DDDE3CF3}" type="datetimeFigureOut">
               <a:rPr lang="zh-CN" altLang="en-US" smtClean="0"/>
-              <a:t>2017/8/9</a:t>
+              <a:t>2017/8/10</a:t>
             </a:fld>
             <a:endParaRPr lang="zh-CN" altLang="en-US"/>
           </a:p>
@@ -1918,7 +2076,7 @@
           <a:p>
             <a:fld id="{CC7595C5-1733-42E2-873F-A506DDDE3CF3}" type="datetimeFigureOut">
               <a:rPr lang="zh-CN" altLang="en-US" smtClean="0"/>
-              <a:t>2017/8/9</a:t>
+              <a:t>2017/8/10</a:t>
             </a:fld>
             <a:endParaRPr lang="zh-CN" altLang="en-US"/>
           </a:p>
@@ -2319,7 +2477,7 @@
           <a:p>
             <a:fld id="{CC7595C5-1733-42E2-873F-A506DDDE3CF3}" type="datetimeFigureOut">
               <a:rPr lang="zh-CN" altLang="en-US" smtClean="0"/>
-              <a:t>2017/8/9</a:t>
+              <a:t>2017/8/10</a:t>
             </a:fld>
             <a:endParaRPr lang="zh-CN" altLang="en-US"/>
           </a:p>
@@ -2655,7 +2813,7 @@
           <a:p>
             <a:fld id="{CC7595C5-1733-42E2-873F-A506DDDE3CF3}" type="datetimeFigureOut">
               <a:rPr lang="zh-CN" altLang="en-US" smtClean="0"/>
-              <a:t>2017/8/9</a:t>
+              <a:t>2017/8/10</a:t>
             </a:fld>
             <a:endParaRPr lang="zh-CN" altLang="en-US"/>
           </a:p>
@@ -2975,7 +3133,7 @@
           <a:p>
             <a:fld id="{CC7595C5-1733-42E2-873F-A506DDDE3CF3}" type="datetimeFigureOut">
               <a:rPr lang="zh-CN" altLang="en-US" smtClean="0"/>
-              <a:t>2017/8/9</a:t>
+              <a:t>2017/8/10</a:t>
             </a:fld>
             <a:endParaRPr lang="zh-CN" altLang="en-US"/>
           </a:p>
@@ -3371,7 +3529,7 @@
           <a:p>
             <a:fld id="{CC7595C5-1733-42E2-873F-A506DDDE3CF3}" type="datetimeFigureOut">
               <a:rPr lang="zh-CN" altLang="en-US" smtClean="0"/>
-              <a:t>2017/8/9</a:t>
+              <a:t>2017/8/10</a:t>
             </a:fld>
             <a:endParaRPr lang="zh-CN" altLang="en-US"/>
           </a:p>
@@ -3628,7 +3786,7 @@
           <a:p>
             <a:fld id="{CC7595C5-1733-42E2-873F-A506DDDE3CF3}" type="datetimeFigureOut">
               <a:rPr lang="zh-CN" altLang="en-US" smtClean="0"/>
-              <a:t>2017/8/9</a:t>
+              <a:t>2017/8/10</a:t>
             </a:fld>
             <a:endParaRPr lang="zh-CN" altLang="en-US"/>
           </a:p>
@@ -3890,7 +4048,7 @@
           <a:p>
             <a:fld id="{CC7595C5-1733-42E2-873F-A506DDDE3CF3}" type="datetimeFigureOut">
               <a:rPr lang="zh-CN" altLang="en-US" smtClean="0"/>
-              <a:t>2017/8/9</a:t>
+              <a:t>2017/8/10</a:t>
             </a:fld>
             <a:endParaRPr lang="zh-CN" altLang="en-US"/>
           </a:p>
@@ -4152,7 +4310,7 @@
           <a:p>
             <a:fld id="{CC7595C5-1733-42E2-873F-A506DDDE3CF3}" type="datetimeFigureOut">
               <a:rPr lang="zh-CN" altLang="en-US" smtClean="0"/>
-              <a:t>2017/8/9</a:t>
+              <a:t>2017/8/10</a:t>
             </a:fld>
             <a:endParaRPr lang="zh-CN" altLang="en-US"/>
           </a:p>
@@ -4481,7 +4639,7 @@
           <a:p>
             <a:fld id="{CC7595C5-1733-42E2-873F-A506DDDE3CF3}" type="datetimeFigureOut">
               <a:rPr lang="zh-CN" altLang="en-US" smtClean="0"/>
-              <a:t>2017/8/9</a:t>
+              <a:t>2017/8/10</a:t>
             </a:fld>
             <a:endParaRPr lang="zh-CN" altLang="en-US"/>
           </a:p>
@@ -4804,7 +4962,7 @@
           <a:p>
             <a:fld id="{CC7595C5-1733-42E2-873F-A506DDDE3CF3}" type="datetimeFigureOut">
               <a:rPr lang="zh-CN" altLang="en-US" smtClean="0"/>
-              <a:t>2017/8/9</a:t>
+              <a:t>2017/8/10</a:t>
             </a:fld>
             <a:endParaRPr lang="zh-CN" altLang="en-US"/>
           </a:p>
@@ -5261,7 +5419,7 @@
           <a:p>
             <a:fld id="{CC7595C5-1733-42E2-873F-A506DDDE3CF3}" type="datetimeFigureOut">
               <a:rPr lang="zh-CN" altLang="en-US" smtClean="0"/>
-              <a:t>2017/8/9</a:t>
+              <a:t>2017/8/10</a:t>
             </a:fld>
             <a:endParaRPr lang="zh-CN" altLang="en-US"/>
           </a:p>
@@ -5466,7 +5624,7 @@
           <a:p>
             <a:fld id="{CC7595C5-1733-42E2-873F-A506DDDE3CF3}" type="datetimeFigureOut">
               <a:rPr lang="zh-CN" altLang="en-US" smtClean="0"/>
-              <a:t>2017/8/9</a:t>
+              <a:t>2017/8/10</a:t>
             </a:fld>
             <a:endParaRPr lang="zh-CN" altLang="en-US"/>
           </a:p>
@@ -5643,7 +5801,7 @@
           <a:p>
             <a:fld id="{CC7595C5-1733-42E2-873F-A506DDDE3CF3}" type="datetimeFigureOut">
               <a:rPr lang="zh-CN" altLang="en-US" smtClean="0"/>
-              <a:t>2017/8/9</a:t>
+              <a:t>2017/8/10</a:t>
             </a:fld>
             <a:endParaRPr lang="zh-CN" altLang="en-US"/>
           </a:p>
@@ -5976,7 +6134,7 @@
           <a:p>
             <a:fld id="{CC7595C5-1733-42E2-873F-A506DDDE3CF3}" type="datetimeFigureOut">
               <a:rPr lang="zh-CN" altLang="en-US" smtClean="0"/>
-              <a:t>2017/8/9</a:t>
+              <a:t>2017/8/10</a:t>
             </a:fld>
             <a:endParaRPr lang="zh-CN" altLang="en-US"/>
           </a:p>
@@ -6321,7 +6479,7 @@
           <a:p>
             <a:fld id="{CC7595C5-1733-42E2-873F-A506DDDE3CF3}" type="datetimeFigureOut">
               <a:rPr lang="zh-CN" altLang="en-US" smtClean="0"/>
-              <a:t>2017/8/9</a:t>
+              <a:t>2017/8/10</a:t>
             </a:fld>
             <a:endParaRPr lang="zh-CN" altLang="en-US"/>
           </a:p>
@@ -8438,7 +8596,7 @@
           <a:p>
             <a:fld id="{CC7595C5-1733-42E2-873F-A506DDDE3CF3}" type="datetimeFigureOut">
               <a:rPr lang="zh-CN" altLang="en-US" smtClean="0"/>
-              <a:t>2017/8/9</a:t>
+              <a:t>2017/8/10</a:t>
             </a:fld>
             <a:endParaRPr lang="zh-CN" altLang="en-US"/>
           </a:p>
@@ -9080,6 +9238,318 @@
         <p:spPr>
           <a:xfrm>
             <a:off x="2592925" y="624110"/>
+            <a:ext cx="8911687" cy="790622"/>
+          </a:xfrm>
+        </p:spPr>
+        <p:txBody>
+          <a:bodyPr/>
+          <a:lstStyle/>
+          <a:p>
+            <a:r>
+              <a:rPr lang="zh-CN" altLang="en-US" dirty="0" smtClean="0"/>
+              <a:t>怎么使用</a:t>
+            </a:r>
+            <a:endParaRPr lang="zh-CN" altLang="en-US" dirty="0"/>
+          </a:p>
+        </p:txBody>
+      </p:sp>
+      <p:pic>
+        <p:nvPicPr>
+          <p:cNvPr id="9" name="图片 8"/>
+          <p:cNvPicPr>
+            <a:picLocks noChangeAspect="1"/>
+          </p:cNvPicPr>
+          <p:nvPr/>
+        </p:nvPicPr>
+        <p:blipFill>
+          <a:blip r:embed="rId3"/>
+          <a:stretch>
+            <a:fillRect/>
+          </a:stretch>
+        </p:blipFill>
+        <p:spPr>
+          <a:xfrm>
+            <a:off x="2531403" y="1880379"/>
+            <a:ext cx="4886325" cy="1924050"/>
+          </a:xfrm>
+          <a:prstGeom prst="rect">
+            <a:avLst/>
+          </a:prstGeom>
+        </p:spPr>
+      </p:pic>
+    </p:spTree>
+    <p:extLst>
+      <p:ext uri="{BB962C8B-B14F-4D97-AF65-F5344CB8AC3E}">
+        <p14:creationId xmlns:p14="http://schemas.microsoft.com/office/powerpoint/2010/main" val="1751052455"/>
+      </p:ext>
+    </p:extLst>
+  </p:cSld>
+  <p:clrMapOvr>
+    <a:masterClrMapping/>
+  </p:clrMapOvr>
+  <p:timing>
+    <p:tnLst>
+      <p:par>
+        <p:cTn id="1" dur="indefinite" restart="never" nodeType="tmRoot"/>
+      </p:par>
+    </p:tnLst>
+  </p:timing>
+</p:sld>
+</file>
+
+<file path=ppt/slides/slide11.xml><?xml version="1.0" encoding="utf-8"?>
+<p:sld xmlns:a="http://schemas.openxmlformats.org/drawingml/2006/main" xmlns:r="http://schemas.openxmlformats.org/officeDocument/2006/relationships" xmlns:p="http://schemas.openxmlformats.org/presentationml/2006/main">
+  <p:cSld>
+    <p:spTree>
+      <p:nvGrpSpPr>
+        <p:cNvPr id="1" name=""/>
+        <p:cNvGrpSpPr/>
+        <p:nvPr/>
+      </p:nvGrpSpPr>
+      <p:grpSpPr>
+        <a:xfrm>
+          <a:off x="0" y="0"/>
+          <a:ext cx="0" cy="0"/>
+          <a:chOff x="0" y="0"/>
+          <a:chExt cx="0" cy="0"/>
+        </a:xfrm>
+      </p:grpSpPr>
+      <p:sp>
+        <p:nvSpPr>
+          <p:cNvPr id="2" name="标题 1"/>
+          <p:cNvSpPr>
+            <a:spLocks noGrp="1"/>
+          </p:cNvSpPr>
+          <p:nvPr>
+            <p:ph type="title"/>
+          </p:nvPr>
+        </p:nvSpPr>
+        <p:spPr>
+          <a:xfrm>
+            <a:off x="2592925" y="624110"/>
+            <a:ext cx="8911687" cy="701256"/>
+          </a:xfrm>
+        </p:spPr>
+        <p:txBody>
+          <a:bodyPr/>
+          <a:lstStyle/>
+          <a:p>
+            <a:r>
+              <a:rPr lang="zh-CN" altLang="en-US" dirty="0" smtClean="0"/>
+              <a:t>怎么查看原始数据</a:t>
+            </a:r>
+            <a:endParaRPr lang="zh-CN" altLang="en-US" dirty="0"/>
+          </a:p>
+        </p:txBody>
+      </p:sp>
+      <p:sp>
+        <p:nvSpPr>
+          <p:cNvPr id="5" name="内容占位符 4"/>
+          <p:cNvSpPr>
+            <a:spLocks noGrp="1"/>
+          </p:cNvSpPr>
+          <p:nvPr>
+            <p:ph idx="1"/>
+          </p:nvPr>
+        </p:nvSpPr>
+        <p:spPr>
+          <a:xfrm>
+            <a:off x="2589212" y="1428108"/>
+            <a:ext cx="8915400" cy="4828854"/>
+          </a:xfrm>
+        </p:spPr>
+        <p:txBody>
+          <a:bodyPr>
+            <a:normAutofit/>
+          </a:bodyPr>
+          <a:lstStyle/>
+          <a:p>
+            <a:r>
+              <a:rPr lang="zh-CN" altLang="en-US" dirty="0" smtClean="0"/>
+              <a:t>浏览器</a:t>
+            </a:r>
+            <a:endParaRPr lang="en-US" altLang="zh-CN" dirty="0" smtClean="0"/>
+          </a:p>
+          <a:p>
+            <a:endParaRPr lang="en-US" altLang="zh-CN" dirty="0"/>
+          </a:p>
+          <a:p>
+            <a:endParaRPr lang="en-US" altLang="zh-CN" dirty="0" smtClean="0"/>
+          </a:p>
+          <a:p>
+            <a:endParaRPr lang="en-US" altLang="zh-CN" dirty="0"/>
+          </a:p>
+          <a:p>
+            <a:endParaRPr lang="en-US" altLang="zh-CN" dirty="0" smtClean="0"/>
+          </a:p>
+          <a:p>
+            <a:endParaRPr lang="en-US" altLang="zh-CN" dirty="0"/>
+          </a:p>
+          <a:p>
+            <a:endParaRPr lang="en-US" altLang="zh-CN" dirty="0" smtClean="0"/>
+          </a:p>
+          <a:p>
+            <a:endParaRPr lang="en-US" altLang="zh-CN" dirty="0"/>
+          </a:p>
+          <a:p>
+            <a:r>
+              <a:rPr lang="zh-CN" altLang="en-US" dirty="0" smtClean="0"/>
+              <a:t>磁盘</a:t>
+            </a:r>
+            <a:endParaRPr lang="en-US" altLang="zh-CN" dirty="0" smtClean="0"/>
+          </a:p>
+          <a:p>
+            <a:pPr lvl="1"/>
+            <a:r>
+              <a:rPr lang="en-US" altLang="zh-CN" sz="1400" dirty="0" smtClean="0"/>
+              <a:t>IE</a:t>
+            </a:r>
+            <a:r>
+              <a:rPr lang="en-US" altLang="zh-CN" dirty="0" smtClean="0"/>
+              <a:t>:</a:t>
+            </a:r>
+            <a:r>
+              <a:rPr lang="en-US" altLang="zh-CN" dirty="0"/>
+              <a:t> </a:t>
+            </a:r>
+            <a:r>
+              <a:rPr lang="en-US" altLang="zh-CN" sz="1200" dirty="0"/>
+              <a:t>C:\Users\&lt;&lt;USER&gt;&gt;\AppData\Local\Microsoft\Internet Explorer\Indexed DB</a:t>
+            </a:r>
+            <a:r>
+              <a:rPr lang="en-US" altLang="zh-CN" sz="1200" dirty="0" smtClean="0"/>
+              <a:t>\</a:t>
+            </a:r>
+          </a:p>
+          <a:p>
+            <a:pPr lvl="1"/>
+            <a:r>
+              <a:rPr lang="en-US" altLang="zh-CN" sz="1200" dirty="0"/>
+              <a:t>Chrome</a:t>
+            </a:r>
+            <a:r>
+              <a:rPr lang="en-US" altLang="zh-CN" sz="1200" dirty="0" smtClean="0"/>
+              <a:t>: C</a:t>
+            </a:r>
+            <a:r>
+              <a:rPr lang="en-US" altLang="zh-CN" sz="1200" dirty="0"/>
+              <a:t>:\Users</a:t>
+            </a:r>
+            <a:r>
+              <a:rPr lang="en-US" altLang="zh-CN" sz="1200" dirty="0" smtClean="0"/>
+              <a:t>\&lt;USER&gt;\</a:t>
+            </a:r>
+            <a:r>
+              <a:rPr lang="en-US" altLang="zh-CN" sz="1200" dirty="0"/>
+              <a:t>AppData\Local\Google\Chrome\User Data\Default\</a:t>
+            </a:r>
+            <a:r>
+              <a:rPr lang="en-US" altLang="zh-CN" sz="1200" dirty="0" err="1"/>
+              <a:t>IndexedDB</a:t>
+            </a:r>
+            <a:endParaRPr lang="en-US" altLang="zh-CN" sz="1200" dirty="0" smtClean="0"/>
+          </a:p>
+          <a:p>
+            <a:pPr lvl="1"/>
+            <a:r>
+              <a:rPr lang="en-US" altLang="zh-CN" sz="1200" dirty="0" smtClean="0"/>
+              <a:t>Firefox</a:t>
+            </a:r>
+            <a:r>
+              <a:rPr lang="en-US" altLang="zh-CN" sz="1200" dirty="0"/>
+              <a:t>: C:\Users</a:t>
+            </a:r>
+            <a:r>
+              <a:rPr lang="en-US" altLang="zh-CN" sz="1200" dirty="0" smtClean="0"/>
+              <a:t>\&lt;</a:t>
+            </a:r>
+            <a:r>
+              <a:rPr lang="en-US" altLang="zh-CN" sz="1200" dirty="0"/>
+              <a:t>USER&gt;</a:t>
+            </a:r>
+            <a:r>
+              <a:rPr lang="en-US" altLang="zh-CN" sz="1200" dirty="0" smtClean="0"/>
+              <a:t>\</a:t>
+            </a:r>
+            <a:r>
+              <a:rPr lang="en-US" altLang="zh-CN" sz="1200" dirty="0"/>
+              <a:t>AppData\Roaming\Mozilla\Firefox\Profiles\tzrkwhtd.default\storage\default</a:t>
+            </a:r>
+            <a:endParaRPr lang="en-US" altLang="zh-CN" sz="1200" dirty="0" smtClean="0"/>
+          </a:p>
+          <a:p>
+            <a:pPr lvl="1"/>
+            <a:endParaRPr lang="zh-CN" altLang="en-US" dirty="0"/>
+          </a:p>
+        </p:txBody>
+      </p:sp>
+      <p:pic>
+        <p:nvPicPr>
+          <p:cNvPr id="7" name="内容占位符 3"/>
+          <p:cNvPicPr>
+            <a:picLocks noChangeAspect="1"/>
+          </p:cNvPicPr>
+          <p:nvPr/>
+        </p:nvPicPr>
+        <p:blipFill>
+          <a:blip r:embed="rId3"/>
+          <a:stretch>
+            <a:fillRect/>
+          </a:stretch>
+        </p:blipFill>
+        <p:spPr>
+          <a:xfrm>
+            <a:off x="3856786" y="1428107"/>
+            <a:ext cx="6366002" cy="3236359"/>
+          </a:xfrm>
+          <a:prstGeom prst="rect">
+            <a:avLst/>
+          </a:prstGeom>
+        </p:spPr>
+      </p:pic>
+    </p:spTree>
+    <p:extLst>
+      <p:ext uri="{BB962C8B-B14F-4D97-AF65-F5344CB8AC3E}">
+        <p14:creationId xmlns:p14="http://schemas.microsoft.com/office/powerpoint/2010/main" val="1477178624"/>
+      </p:ext>
+    </p:extLst>
+  </p:cSld>
+  <p:clrMapOvr>
+    <a:masterClrMapping/>
+  </p:clrMapOvr>
+</p:sld>
+</file>
+
+<file path=ppt/slides/slide12.xml><?xml version="1.0" encoding="utf-8"?>
+<p:sld xmlns:a="http://schemas.openxmlformats.org/drawingml/2006/main" xmlns:r="http://schemas.openxmlformats.org/officeDocument/2006/relationships" xmlns:p="http://schemas.openxmlformats.org/presentationml/2006/main">
+  <p:cSld>
+    <p:spTree>
+      <p:nvGrpSpPr>
+        <p:cNvPr id="1" name=""/>
+        <p:cNvGrpSpPr/>
+        <p:nvPr/>
+      </p:nvGrpSpPr>
+      <p:grpSpPr>
+        <a:xfrm>
+          <a:off x="0" y="0"/>
+          <a:ext cx="0" cy="0"/>
+          <a:chOff x="0" y="0"/>
+          <a:chExt cx="0" cy="0"/>
+        </a:xfrm>
+      </p:grpSpPr>
+      <p:sp>
+        <p:nvSpPr>
+          <p:cNvPr id="2" name="标题 1"/>
+          <p:cNvSpPr>
+            <a:spLocks noGrp="1"/>
+          </p:cNvSpPr>
+          <p:nvPr>
+            <p:ph type="title"/>
+          </p:nvPr>
+        </p:nvSpPr>
+        <p:spPr>
+          <a:xfrm>
+            <a:off x="2592925" y="624110"/>
             <a:ext cx="8911687" cy="799248"/>
           </a:xfrm>
         </p:spPr>
@@ -9911,473 +10381,6 @@
 </p:sld>
 </file>
 
-<file path=ppt/slides/slide11.xml><?xml version="1.0" encoding="utf-8"?>
-<p:sld xmlns:a="http://schemas.openxmlformats.org/drawingml/2006/main" xmlns:r="http://schemas.openxmlformats.org/officeDocument/2006/relationships" xmlns:p="http://schemas.openxmlformats.org/presentationml/2006/main">
-  <p:cSld>
-    <p:spTree>
-      <p:nvGrpSpPr>
-        <p:cNvPr id="1" name=""/>
-        <p:cNvGrpSpPr/>
-        <p:nvPr/>
-      </p:nvGrpSpPr>
-      <p:grpSpPr>
-        <a:xfrm>
-          <a:off x="0" y="0"/>
-          <a:ext cx="0" cy="0"/>
-          <a:chOff x="0" y="0"/>
-          <a:chExt cx="0" cy="0"/>
-        </a:xfrm>
-      </p:grpSpPr>
-      <p:sp>
-        <p:nvSpPr>
-          <p:cNvPr id="2" name="标题 1"/>
-          <p:cNvSpPr>
-            <a:spLocks noGrp="1"/>
-          </p:cNvSpPr>
-          <p:nvPr>
-            <p:ph type="title"/>
-          </p:nvPr>
-        </p:nvSpPr>
-        <p:spPr/>
-        <p:txBody>
-          <a:bodyPr/>
-          <a:lstStyle/>
-          <a:p>
-            <a:r>
-              <a:rPr lang="en-US" altLang="zh-CN" dirty="0" err="1" smtClean="0"/>
-              <a:t>Enry</a:t>
-            </a:r>
-            <a:endParaRPr lang="zh-CN" altLang="en-US" dirty="0"/>
-          </a:p>
-        </p:txBody>
-      </p:sp>
-      <p:sp>
-        <p:nvSpPr>
-          <p:cNvPr id="3" name="内容占位符 2"/>
-          <p:cNvSpPr>
-            <a:spLocks noGrp="1"/>
-          </p:cNvSpPr>
-          <p:nvPr>
-            <p:ph idx="1"/>
-          </p:nvPr>
-        </p:nvSpPr>
-        <p:spPr/>
-        <p:txBody>
-          <a:bodyPr/>
-          <a:lstStyle/>
-          <a:p>
-            <a:r>
-              <a:rPr lang="en-US" altLang="zh-CN" dirty="0" err="1" smtClean="0"/>
-              <a:t>getMetadata</a:t>
-            </a:r>
-            <a:r>
-              <a:rPr lang="zh-CN" altLang="en-US" dirty="0"/>
-              <a:t>：</a:t>
-            </a:r>
-            <a:r>
-              <a:rPr lang="zh-CN" altLang="en-US" dirty="0" smtClean="0"/>
-              <a:t>获取元数据 </a:t>
-            </a:r>
-            <a:r>
-              <a:rPr lang="en-US" altLang="zh-CN" dirty="0" err="1" smtClean="0"/>
-              <a:t>modificationTime</a:t>
-            </a:r>
-            <a:r>
-              <a:rPr lang="en-US" altLang="zh-CN" dirty="0"/>
-              <a:t>, </a:t>
-            </a:r>
-            <a:r>
-              <a:rPr lang="en-US" altLang="zh-CN" dirty="0" smtClean="0"/>
-              <a:t>size</a:t>
-            </a:r>
-          </a:p>
-          <a:p>
-            <a:r>
-              <a:rPr lang="en-US" altLang="zh-CN" dirty="0" err="1" smtClean="0"/>
-              <a:t>moveTo</a:t>
-            </a:r>
-            <a:r>
-              <a:rPr lang="zh-CN" altLang="en-US" dirty="0"/>
-              <a:t>：</a:t>
-            </a:r>
-            <a:r>
-              <a:rPr lang="zh-CN" altLang="en-US" dirty="0" smtClean="0"/>
-              <a:t>移动（未实现）</a:t>
-            </a:r>
-            <a:endParaRPr lang="en-US" altLang="zh-CN" dirty="0" smtClean="0"/>
-          </a:p>
-          <a:p>
-            <a:r>
-              <a:rPr lang="en-US" altLang="zh-CN" dirty="0" err="1" smtClean="0"/>
-              <a:t>copyTo</a:t>
-            </a:r>
-            <a:r>
-              <a:rPr lang="zh-CN" altLang="en-US" dirty="0"/>
-              <a:t>：</a:t>
-            </a:r>
-            <a:r>
-              <a:rPr lang="zh-CN" altLang="en-US" dirty="0" smtClean="0"/>
-              <a:t>复制（未实现）</a:t>
-            </a:r>
-            <a:endParaRPr lang="en-US" altLang="zh-CN" dirty="0" smtClean="0"/>
-          </a:p>
-          <a:p>
-            <a:r>
-              <a:rPr lang="en-US" altLang="zh-CN" dirty="0" err="1" smtClean="0"/>
-              <a:t>toURL</a:t>
-            </a:r>
-            <a:r>
-              <a:rPr lang="zh-CN" altLang="en-US" dirty="0" smtClean="0"/>
-              <a:t>：变成格式为 </a:t>
-            </a:r>
-            <a:r>
-              <a:rPr lang="en-US" altLang="zh-CN" dirty="0" err="1"/>
-              <a:t>blob:https</a:t>
-            </a:r>
-            <a:r>
-              <a:rPr lang="en-US" altLang="zh-CN" dirty="0" smtClean="0"/>
-              <a:t>://[</a:t>
-            </a:r>
-            <a:r>
-              <a:rPr lang="en-US" altLang="zh-CN" i="1" dirty="0" err="1" smtClean="0"/>
-              <a:t>domain:port</a:t>
-            </a:r>
-            <a:r>
-              <a:rPr lang="en-US" altLang="zh-CN" dirty="0" smtClean="0"/>
-              <a:t>]/[</a:t>
-            </a:r>
-            <a:r>
-              <a:rPr lang="en-US" altLang="zh-CN" i="1" dirty="0" err="1" smtClean="0"/>
-              <a:t>uuid</a:t>
-            </a:r>
-            <a:r>
-              <a:rPr lang="en-US" altLang="zh-CN" dirty="0" smtClean="0"/>
-              <a:t>]</a:t>
-            </a:r>
-          </a:p>
-          <a:p>
-            <a:pPr marL="0" indent="0">
-              <a:buNone/>
-            </a:pPr>
-            <a:r>
-              <a:rPr lang="en-US" altLang="zh-CN" dirty="0"/>
-              <a:t> </a:t>
-            </a:r>
-            <a:r>
-              <a:rPr lang="en-US" altLang="zh-CN" dirty="0" smtClean="0"/>
-              <a:t>                  </a:t>
-            </a:r>
-            <a:r>
-              <a:rPr lang="zh-CN" altLang="en-US" dirty="0" smtClean="0"/>
-              <a:t>例如：</a:t>
-            </a:r>
-            <a:r>
-              <a:rPr lang="en-US" altLang="zh-CN" dirty="0"/>
-              <a:t> </a:t>
-            </a:r>
-            <a:r>
-              <a:rPr lang="en-US" altLang="zh-CN" sz="1400" dirty="0" err="1"/>
-              <a:t>blob:https</a:t>
-            </a:r>
-            <a:r>
-              <a:rPr lang="en-US" altLang="zh-CN" sz="1400" dirty="0"/>
-              <a:t>://</a:t>
-            </a:r>
-            <a:r>
-              <a:rPr lang="en-US" altLang="zh-CN" sz="1400" dirty="0" smtClean="0"/>
-              <a:t>xiangwenhu.github.io/652c7cfa-616b-4288-aaee-c30c37768237</a:t>
-            </a:r>
-          </a:p>
-          <a:p>
-            <a:r>
-              <a:rPr lang="en-US" altLang="zh-CN" dirty="0" smtClean="0"/>
-              <a:t>remove</a:t>
-            </a:r>
-            <a:r>
-              <a:rPr lang="zh-CN" altLang="en-US" dirty="0" smtClean="0"/>
-              <a:t>：删除目录或者文件</a:t>
-            </a:r>
-            <a:endParaRPr lang="en-US" altLang="zh-CN" dirty="0" smtClean="0"/>
-          </a:p>
-          <a:p>
-            <a:r>
-              <a:rPr lang="en-US" altLang="zh-CN" dirty="0" err="1" smtClean="0"/>
-              <a:t>getParent</a:t>
-            </a:r>
-            <a:r>
-              <a:rPr lang="zh-CN" altLang="en-US" dirty="0" smtClean="0"/>
-              <a:t>：获得父目录</a:t>
-            </a:r>
-            <a:endParaRPr lang="en-US" altLang="zh-CN" dirty="0"/>
-          </a:p>
-          <a:p>
-            <a:endParaRPr lang="zh-CN" altLang="en-US" sz="1400" dirty="0"/>
-          </a:p>
-        </p:txBody>
-      </p:sp>
-    </p:spTree>
-    <p:extLst>
-      <p:ext uri="{BB962C8B-B14F-4D97-AF65-F5344CB8AC3E}">
-        <p14:creationId xmlns:p14="http://schemas.microsoft.com/office/powerpoint/2010/main" val="2573165693"/>
-      </p:ext>
-    </p:extLst>
-  </p:cSld>
-  <p:clrMapOvr>
-    <a:masterClrMapping/>
-  </p:clrMapOvr>
-  <p:timing>
-    <p:tnLst>
-      <p:par>
-        <p:cTn id="1" dur="indefinite" restart="never" nodeType="tmRoot"/>
-      </p:par>
-    </p:tnLst>
-  </p:timing>
-</p:sld>
-</file>
-
-<file path=ppt/slides/slide12.xml><?xml version="1.0" encoding="utf-8"?>
-<p:sld xmlns:a="http://schemas.openxmlformats.org/drawingml/2006/main" xmlns:r="http://schemas.openxmlformats.org/officeDocument/2006/relationships" xmlns:p="http://schemas.openxmlformats.org/presentationml/2006/main">
-  <p:cSld>
-    <p:spTree>
-      <p:nvGrpSpPr>
-        <p:cNvPr id="1" name=""/>
-        <p:cNvGrpSpPr/>
-        <p:nvPr/>
-      </p:nvGrpSpPr>
-      <p:grpSpPr>
-        <a:xfrm>
-          <a:off x="0" y="0"/>
-          <a:ext cx="0" cy="0"/>
-          <a:chOff x="0" y="0"/>
-          <a:chExt cx="0" cy="0"/>
-        </a:xfrm>
-      </p:grpSpPr>
-      <p:sp>
-        <p:nvSpPr>
-          <p:cNvPr id="2" name="标题 1"/>
-          <p:cNvSpPr>
-            <a:spLocks noGrp="1"/>
-          </p:cNvSpPr>
-          <p:nvPr>
-            <p:ph type="title"/>
-          </p:nvPr>
-        </p:nvSpPr>
-        <p:spPr/>
-        <p:txBody>
-          <a:bodyPr/>
-          <a:lstStyle/>
-          <a:p>
-            <a:r>
-              <a:rPr lang="en-US" altLang="zh-CN" dirty="0" err="1" smtClean="0"/>
-              <a:t>FileEntry</a:t>
-            </a:r>
-            <a:endParaRPr lang="zh-CN" altLang="en-US" dirty="0"/>
-          </a:p>
-        </p:txBody>
-      </p:sp>
-      <p:sp>
-        <p:nvSpPr>
-          <p:cNvPr id="3" name="内容占位符 2"/>
-          <p:cNvSpPr>
-            <a:spLocks noGrp="1"/>
-          </p:cNvSpPr>
-          <p:nvPr>
-            <p:ph idx="1"/>
-          </p:nvPr>
-        </p:nvSpPr>
-        <p:spPr/>
-        <p:txBody>
-          <a:bodyPr/>
-          <a:lstStyle/>
-          <a:p>
-            <a:r>
-              <a:rPr lang="en-US" altLang="zh-CN" dirty="0" smtClean="0"/>
-              <a:t>write</a:t>
-            </a:r>
-            <a:r>
-              <a:rPr lang="zh-CN" altLang="en-US" dirty="0" smtClean="0"/>
-              <a:t>：写入内容</a:t>
-            </a:r>
-            <a:endParaRPr lang="en-US" altLang="zh-CN" dirty="0" smtClean="0"/>
-          </a:p>
-          <a:p>
-            <a:r>
-              <a:rPr lang="en-US" altLang="zh-CN" dirty="0" err="1" smtClean="0"/>
-              <a:t>getBlob</a:t>
-            </a:r>
-            <a:r>
-              <a:rPr lang="zh-CN" altLang="en-US" dirty="0" smtClean="0"/>
-              <a:t>：获得原始的</a:t>
-            </a:r>
-            <a:r>
-              <a:rPr lang="en-US" altLang="zh-CN" dirty="0" smtClean="0"/>
-              <a:t>blob</a:t>
-            </a:r>
-            <a:r>
-              <a:rPr lang="zh-CN" altLang="en-US" dirty="0" smtClean="0"/>
-              <a:t>对象</a:t>
-            </a:r>
-            <a:endParaRPr lang="en-US" altLang="zh-CN" dirty="0"/>
-          </a:p>
-          <a:p>
-            <a:r>
-              <a:rPr lang="en-US" altLang="zh-CN" dirty="0" err="1" smtClean="0"/>
-              <a:t>readAsArrayBuffer</a:t>
-            </a:r>
-            <a:r>
-              <a:rPr lang="zh-CN" altLang="en-US" dirty="0" smtClean="0"/>
-              <a:t>：</a:t>
-            </a:r>
-            <a:r>
-              <a:rPr lang="zh-CN" altLang="en-US" dirty="0"/>
-              <a:t>参考</a:t>
-            </a:r>
-            <a:r>
-              <a:rPr lang="en-US" altLang="zh-CN" dirty="0" smtClean="0"/>
-              <a:t> </a:t>
-            </a:r>
-            <a:r>
-              <a:rPr lang="en-US" altLang="zh-CN" dirty="0" err="1" smtClean="0"/>
-              <a:t>FileReader</a:t>
-            </a:r>
-            <a:r>
-              <a:rPr lang="en-US" altLang="zh-CN" dirty="0" smtClean="0"/>
-              <a:t>.</a:t>
-            </a:r>
-            <a:r>
-              <a:rPr lang="en-US" altLang="zh-CN" dirty="0"/>
-              <a:t> </a:t>
-            </a:r>
-            <a:r>
-              <a:rPr lang="en-US" altLang="zh-CN" dirty="0" err="1"/>
-              <a:t>readAsArrayBuffer</a:t>
-            </a:r>
-            <a:endParaRPr lang="en-US" altLang="zh-CN" dirty="0"/>
-          </a:p>
-          <a:p>
-            <a:r>
-              <a:rPr lang="en-US" altLang="zh-CN" dirty="0" err="1" smtClean="0"/>
-              <a:t>readAsBinaryString</a:t>
-            </a:r>
-            <a:r>
-              <a:rPr lang="zh-CN" altLang="en-US" dirty="0" smtClean="0"/>
-              <a:t>：</a:t>
-            </a:r>
-            <a:r>
-              <a:rPr lang="zh-CN" altLang="en-US" dirty="0"/>
-              <a:t>参考</a:t>
-            </a:r>
-            <a:r>
-              <a:rPr lang="en-US" altLang="zh-CN" dirty="0"/>
-              <a:t> </a:t>
-            </a:r>
-            <a:r>
-              <a:rPr lang="en-US" altLang="zh-CN" dirty="0" err="1"/>
-              <a:t>FileReader</a:t>
-            </a:r>
-            <a:r>
-              <a:rPr lang="en-US" altLang="zh-CN" dirty="0"/>
-              <a:t>. </a:t>
-            </a:r>
-            <a:r>
-              <a:rPr lang="en-US" altLang="zh-CN" dirty="0" err="1"/>
-              <a:t>readAsArrayBuffer</a:t>
-            </a:r>
-            <a:endParaRPr lang="en-US" altLang="zh-CN" dirty="0"/>
-          </a:p>
-          <a:p>
-            <a:r>
-              <a:rPr lang="en-US" altLang="zh-CN" dirty="0" err="1" smtClean="0"/>
-              <a:t>readAsDataURL</a:t>
-            </a:r>
-            <a:r>
-              <a:rPr lang="zh-CN" altLang="en-US" dirty="0" smtClean="0"/>
-              <a:t>：</a:t>
-            </a:r>
-            <a:r>
-              <a:rPr lang="zh-CN" altLang="en-US" dirty="0"/>
-              <a:t>参考</a:t>
-            </a:r>
-            <a:r>
-              <a:rPr lang="en-US" altLang="zh-CN" dirty="0"/>
-              <a:t> </a:t>
-            </a:r>
-            <a:r>
-              <a:rPr lang="en-US" altLang="zh-CN" dirty="0" err="1"/>
-              <a:t>FileReader</a:t>
-            </a:r>
-            <a:r>
-              <a:rPr lang="en-US" altLang="zh-CN" dirty="0"/>
-              <a:t>. </a:t>
-            </a:r>
-            <a:r>
-              <a:rPr lang="en-US" altLang="zh-CN" dirty="0" err="1"/>
-              <a:t>readAsDataURL</a:t>
-            </a:r>
-            <a:endParaRPr lang="en-US" altLang="zh-CN" dirty="0"/>
-          </a:p>
-          <a:p>
-            <a:r>
-              <a:rPr lang="en-US" altLang="zh-CN" dirty="0" err="1" smtClean="0"/>
-              <a:t>readAsText</a:t>
-            </a:r>
-            <a:r>
-              <a:rPr lang="zh-CN" altLang="en-US" dirty="0" smtClean="0"/>
-              <a:t>：</a:t>
-            </a:r>
-            <a:r>
-              <a:rPr lang="zh-CN" altLang="en-US" dirty="0"/>
-              <a:t>参考</a:t>
-            </a:r>
-            <a:r>
-              <a:rPr lang="en-US" altLang="zh-CN" dirty="0"/>
-              <a:t> </a:t>
-            </a:r>
-            <a:r>
-              <a:rPr lang="en-US" altLang="zh-CN" dirty="0" err="1"/>
-              <a:t>FileReader</a:t>
-            </a:r>
-            <a:r>
-              <a:rPr lang="en-US" altLang="zh-CN" dirty="0"/>
-              <a:t>. </a:t>
-            </a:r>
-            <a:r>
-              <a:rPr lang="en-US" altLang="zh-CN" dirty="0" err="1"/>
-              <a:t>readAsText</a:t>
-            </a:r>
-            <a:endParaRPr lang="en-US" altLang="zh-CN" dirty="0"/>
-          </a:p>
-          <a:p>
-            <a:endParaRPr lang="en-US" altLang="zh-CN" dirty="0" smtClean="0"/>
-          </a:p>
-          <a:p>
-            <a:endParaRPr lang="en-US" altLang="zh-CN" dirty="0"/>
-          </a:p>
-          <a:p>
-            <a:endParaRPr lang="zh-CN" altLang="en-US" dirty="0"/>
-          </a:p>
-        </p:txBody>
-      </p:sp>
-    </p:spTree>
-    <p:extLst>
-      <p:ext uri="{BB962C8B-B14F-4D97-AF65-F5344CB8AC3E}">
-        <p14:creationId xmlns:p14="http://schemas.microsoft.com/office/powerpoint/2010/main" val="1538046023"/>
-      </p:ext>
-    </p:extLst>
-  </p:cSld>
-  <p:clrMapOvr>
-    <a:masterClrMapping/>
-  </p:clrMapOvr>
-  <p:timing>
-    <p:tnLst>
-      <p:par>
-        <p:cTn id="1" dur="indefinite" restart="never" nodeType="tmRoot"/>
-      </p:par>
-    </p:tnLst>
-  </p:timing>
-</p:sld>
-</file>
-
 <file path=ppt/slides/slide13.xml><?xml version="1.0" encoding="utf-8"?>
 <p:sld xmlns:a="http://schemas.openxmlformats.org/drawingml/2006/main" xmlns:r="http://schemas.openxmlformats.org/officeDocument/2006/relationships" xmlns:p="http://schemas.openxmlformats.org/presentationml/2006/main">
   <p:cSld>
@@ -10411,8 +10414,8 @@
           <a:lstStyle/>
           <a:p>
             <a:r>
-              <a:rPr lang="en-US" altLang="zh-CN" dirty="0" err="1"/>
-              <a:t>DirectoryEntry</a:t>
+              <a:rPr lang="en-US" altLang="zh-CN" dirty="0" err="1" smtClean="0"/>
+              <a:t>Enry</a:t>
             </a:r>
             <a:endParaRPr lang="zh-CN" altLang="en-US" dirty="0"/>
           </a:p>
@@ -10435,60 +10438,157 @@
           <a:p>
             <a:r>
               <a:rPr lang="en-US" altLang="zh-CN" dirty="0" err="1" smtClean="0"/>
-              <a:t>getFile</a:t>
+              <a:t>getMetadata</a:t>
+            </a:r>
+            <a:r>
+              <a:rPr lang="zh-CN" altLang="en-US" dirty="0"/>
+              <a:t>：</a:t>
             </a:r>
             <a:r>
               <a:rPr lang="zh-CN" altLang="en-US" dirty="0" smtClean="0"/>
-              <a:t>：获取文件</a:t>
+              <a:t>获取元数据 </a:t>
+            </a:r>
+            <a:r>
+              <a:rPr lang="en-US" altLang="zh-CN" dirty="0" err="1" smtClean="0"/>
+              <a:t>modificationTime</a:t>
+            </a:r>
+            <a:r>
+              <a:rPr lang="en-US" altLang="zh-CN" dirty="0"/>
+              <a:t>, </a:t>
+            </a:r>
+            <a:r>
+              <a:rPr lang="en-US" altLang="zh-CN" dirty="0" smtClean="0"/>
+              <a:t>size</a:t>
+            </a:r>
+          </a:p>
+          <a:p>
+            <a:r>
+              <a:rPr lang="en-US" altLang="zh-CN" dirty="0" err="1" smtClean="0"/>
+              <a:t>moveTo</a:t>
+            </a:r>
+            <a:r>
+              <a:rPr lang="zh-CN" altLang="en-US" dirty="0"/>
+              <a:t>：</a:t>
+            </a:r>
+            <a:r>
+              <a:rPr lang="zh-CN" altLang="en-US" dirty="0" smtClean="0"/>
+              <a:t>移动（未实现）</a:t>
+            </a:r>
+            <a:endParaRPr lang="en-US" altLang="zh-CN" dirty="0" smtClean="0"/>
+          </a:p>
+          <a:p>
+            <a:r>
+              <a:rPr lang="en-US" altLang="zh-CN" dirty="0" err="1" smtClean="0"/>
+              <a:t>copyTo</a:t>
+            </a:r>
+            <a:r>
+              <a:rPr lang="zh-CN" altLang="en-US" dirty="0"/>
+              <a:t>：</a:t>
+            </a:r>
+            <a:r>
+              <a:rPr lang="zh-CN" altLang="en-US" dirty="0" smtClean="0"/>
+              <a:t>复制（未实现）</a:t>
+            </a:r>
+            <a:endParaRPr lang="en-US" altLang="zh-CN" dirty="0" smtClean="0"/>
+          </a:p>
+          <a:p>
+            <a:r>
+              <a:rPr lang="en-US" altLang="zh-CN" dirty="0" err="1" smtClean="0"/>
+              <a:t>toURL</a:t>
+            </a:r>
+            <a:r>
+              <a:rPr lang="zh-CN" altLang="en-US" dirty="0" smtClean="0"/>
+              <a:t>：变成格式为 </a:t>
+            </a:r>
+            <a:r>
+              <a:rPr lang="en-US" altLang="zh-CN" dirty="0" err="1"/>
+              <a:t>blob:https</a:t>
+            </a:r>
+            <a:r>
+              <a:rPr lang="en-US" altLang="zh-CN" dirty="0" smtClean="0"/>
+              <a:t>://[</a:t>
+            </a:r>
+            <a:r>
+              <a:rPr lang="en-US" altLang="zh-CN" i="1" dirty="0" err="1" smtClean="0"/>
+              <a:t>domain:port</a:t>
+            </a:r>
+            <a:r>
+              <a:rPr lang="en-US" altLang="zh-CN" dirty="0" smtClean="0"/>
+              <a:t>]/[</a:t>
+            </a:r>
+            <a:r>
+              <a:rPr lang="en-US" altLang="zh-CN" i="1" dirty="0" err="1" smtClean="0"/>
+              <a:t>uuid</a:t>
+            </a:r>
+            <a:r>
+              <a:rPr lang="en-US" altLang="zh-CN" dirty="0" smtClean="0"/>
+              <a:t>]</a:t>
+            </a:r>
+          </a:p>
+          <a:p>
+            <a:pPr marL="0" indent="0">
+              <a:buNone/>
+            </a:pPr>
+            <a:r>
+              <a:rPr lang="en-US" altLang="zh-CN" dirty="0"/>
+              <a:t> </a:t>
+            </a:r>
+            <a:r>
+              <a:rPr lang="en-US" altLang="zh-CN" dirty="0" smtClean="0"/>
+              <a:t>                  </a:t>
+            </a:r>
+            <a:r>
+              <a:rPr lang="zh-CN" altLang="en-US" dirty="0" smtClean="0"/>
+              <a:t>例如：</a:t>
+            </a:r>
+            <a:r>
+              <a:rPr lang="en-US" altLang="zh-CN" dirty="0"/>
+              <a:t> </a:t>
+            </a:r>
+            <a:r>
+              <a:rPr lang="en-US" altLang="zh-CN" sz="1400" dirty="0" err="1"/>
+              <a:t>blob:https</a:t>
+            </a:r>
+            <a:r>
+              <a:rPr lang="en-US" altLang="zh-CN" sz="1400" dirty="0"/>
+              <a:t>://</a:t>
+            </a:r>
+            <a:r>
+              <a:rPr lang="en-US" altLang="zh-CN" sz="1400" dirty="0" smtClean="0"/>
+              <a:t>xiangwenhu.github.io/652c7cfa-616b-4288-aaee-c30c37768237</a:t>
+            </a:r>
+          </a:p>
+          <a:p>
+            <a:r>
+              <a:rPr lang="en-US" altLang="zh-CN" dirty="0" smtClean="0"/>
+              <a:t>remove</a:t>
+            </a:r>
+            <a:r>
+              <a:rPr lang="zh-CN" altLang="en-US" dirty="0" smtClean="0"/>
+              <a:t>：删除目录或者文件</a:t>
+            </a:r>
+            <a:endParaRPr lang="en-US" altLang="zh-CN" dirty="0" smtClean="0"/>
+          </a:p>
+          <a:p>
+            <a:r>
+              <a:rPr lang="en-US" altLang="zh-CN" dirty="0" err="1" smtClean="0"/>
+              <a:t>getParent</a:t>
+            </a:r>
+            <a:r>
+              <a:rPr lang="zh-CN" altLang="en-US" dirty="0" smtClean="0"/>
+              <a:t>：获得父目录</a:t>
             </a:r>
             <a:endParaRPr lang="en-US" altLang="zh-CN" dirty="0"/>
           </a:p>
           <a:p>
-            <a:r>
-              <a:rPr lang="en-US" altLang="zh-CN" dirty="0" err="1" smtClean="0"/>
-              <a:t>getDirectory</a:t>
-            </a:r>
-            <a:r>
-              <a:rPr lang="zh-CN" altLang="en-US" dirty="0" smtClean="0"/>
-              <a:t>：获取目录</a:t>
-            </a:r>
-            <a:endParaRPr lang="en-US" altLang="zh-CN" dirty="0"/>
-          </a:p>
-          <a:p>
-            <a:r>
-              <a:rPr lang="en-US" altLang="zh-CN" dirty="0"/>
-              <a:t>r</a:t>
-            </a:r>
-            <a:r>
-              <a:rPr lang="en-US" altLang="zh-CN" dirty="0" smtClean="0"/>
-              <a:t>emove</a:t>
-            </a:r>
-            <a:r>
-              <a:rPr lang="zh-CN" altLang="en-US" dirty="0" smtClean="0"/>
-              <a:t>： 递归删除</a:t>
-            </a:r>
-            <a:endParaRPr lang="en-US" altLang="zh-CN" dirty="0"/>
-          </a:p>
-          <a:p>
-            <a:r>
-              <a:rPr lang="en-US" altLang="zh-CN" dirty="0" err="1" smtClean="0"/>
-              <a:t>getEntries</a:t>
-            </a:r>
-            <a:r>
-              <a:rPr lang="zh-CN" altLang="en-US" dirty="0" smtClean="0"/>
-              <a:t>：获得目录下的目录和文件</a:t>
-            </a:r>
-            <a:endParaRPr lang="en-US" altLang="zh-CN" dirty="0"/>
-          </a:p>
-          <a:p>
-            <a:endParaRPr lang="zh-CN" altLang="en-US" dirty="0"/>
+            <a:endParaRPr lang="zh-CN" altLang="en-US" sz="1400" dirty="0"/>
           </a:p>
         </p:txBody>
       </p:sp>
     </p:spTree>
     <p:extLst>
       <p:ext uri="{BB962C8B-B14F-4D97-AF65-F5344CB8AC3E}">
-        <p14:creationId xmlns:p14="http://schemas.microsoft.com/office/powerpoint/2010/main" val="3217527126"/>
+        <p14:creationId xmlns:p14="http://schemas.microsoft.com/office/powerpoint/2010/main" val="2573165693"/>
       </p:ext>
     </p:extLst>
   </p:cSld>
@@ -10538,8 +10638,8 @@
           <a:lstStyle/>
           <a:p>
             <a:r>
-              <a:rPr lang="zh-CN" altLang="en-US" dirty="0" smtClean="0"/>
-              <a:t>实际应用</a:t>
+              <a:rPr lang="en-US" altLang="zh-CN" dirty="0" err="1" smtClean="0"/>
+              <a:t>FileEntry</a:t>
             </a:r>
             <a:endParaRPr lang="zh-CN" altLang="en-US" dirty="0"/>
           </a:p>
@@ -10562,71 +10662,166 @@
           <a:p>
             <a:r>
               <a:rPr lang="en-US" altLang="zh-CN" dirty="0" smtClean="0"/>
-              <a:t>Pdf</a:t>
+              <a:t>write</a:t>
             </a:r>
             <a:r>
               <a:rPr lang="zh-CN" altLang="en-US" dirty="0" smtClean="0"/>
-              <a:t>文件缓存：</a:t>
+              <a:t>：写入内容</a:t>
+            </a:r>
+            <a:endParaRPr lang="en-US" altLang="zh-CN" dirty="0" smtClean="0"/>
+          </a:p>
+          <a:p>
+            <a:r>
+              <a:rPr lang="en-US" altLang="zh-CN" dirty="0" err="1" smtClean="0"/>
+              <a:t>getBlob</a:t>
             </a:r>
             <a:r>
               <a:rPr lang="zh-CN" altLang="en-US" dirty="0" smtClean="0"/>
-              <a:t>例子</a:t>
-            </a:r>
-            <a:r>
-              <a:rPr lang="en-US" altLang="zh-CN" dirty="0">
-                <a:hlinkClick r:id="rId2"/>
-              </a:rPr>
-              <a:t>https://babydairy2017.cloudapp.net:8082</a:t>
-            </a:r>
-            <a:r>
-              <a:rPr lang="en-US" altLang="zh-CN" dirty="0" smtClean="0">
-                <a:hlinkClick r:id="rId2"/>
-              </a:rPr>
-              <a:t>/</a:t>
-            </a:r>
+              <a:t>：获得原始的</a:t>
+            </a:r>
+            <a:r>
+              <a:rPr lang="en-US" altLang="zh-CN" dirty="0" smtClean="0"/>
+              <a:t>blob</a:t>
+            </a:r>
+            <a:r>
+              <a:rPr lang="zh-CN" altLang="en-US" dirty="0" smtClean="0"/>
+              <a:t>对象</a:t>
+            </a:r>
+            <a:endParaRPr lang="en-US" altLang="zh-CN" dirty="0"/>
+          </a:p>
+          <a:p>
+            <a:r>
+              <a:rPr lang="en-US" altLang="zh-CN" dirty="0" err="1" smtClean="0"/>
+              <a:t>readAsArrayBuffer</a:t>
+            </a:r>
+            <a:r>
+              <a:rPr lang="zh-CN" altLang="en-US" dirty="0" smtClean="0"/>
+              <a:t>：</a:t>
+            </a:r>
+            <a:r>
+              <a:rPr lang="zh-CN" altLang="en-US" dirty="0"/>
+              <a:t>参考</a:t>
+            </a:r>
+            <a:r>
+              <a:rPr lang="en-US" altLang="zh-CN" dirty="0" smtClean="0"/>
+              <a:t> </a:t>
+            </a:r>
+            <a:r>
+              <a:rPr lang="en-US" altLang="zh-CN" dirty="0" err="1" smtClean="0"/>
+              <a:t>FileReader</a:t>
+            </a:r>
+            <a:r>
+              <a:rPr lang="en-US" altLang="zh-CN" dirty="0" smtClean="0"/>
+              <a:t>.</a:t>
+            </a:r>
+            <a:r>
+              <a:rPr lang="en-US" altLang="zh-CN" dirty="0"/>
+              <a:t> </a:t>
+            </a:r>
+            <a:r>
+              <a:rPr lang="en-US" altLang="zh-CN" dirty="0" err="1"/>
+              <a:t>readAsArrayBuffer</a:t>
+            </a:r>
+            <a:endParaRPr lang="en-US" altLang="zh-CN" dirty="0"/>
+          </a:p>
+          <a:p>
+            <a:r>
+              <a:rPr lang="en-US" altLang="zh-CN" dirty="0" err="1" smtClean="0"/>
+              <a:t>readAsBinaryString</a:t>
+            </a:r>
+            <a:r>
+              <a:rPr lang="zh-CN" altLang="en-US" dirty="0" smtClean="0"/>
+              <a:t>：</a:t>
+            </a:r>
+            <a:r>
+              <a:rPr lang="zh-CN" altLang="en-US" dirty="0"/>
+              <a:t>参考</a:t>
+            </a:r>
+            <a:r>
+              <a:rPr lang="en-US" altLang="zh-CN" dirty="0"/>
+              <a:t> </a:t>
+            </a:r>
+            <a:r>
+              <a:rPr lang="en-US" altLang="zh-CN" dirty="0" err="1"/>
+              <a:t>FileReader</a:t>
+            </a:r>
+            <a:r>
+              <a:rPr lang="en-US" altLang="zh-CN" dirty="0"/>
+              <a:t>. </a:t>
+            </a:r>
+            <a:r>
+              <a:rPr lang="en-US" altLang="zh-CN" dirty="0" err="1"/>
+              <a:t>readAsArrayBuffer</a:t>
+            </a:r>
+            <a:endParaRPr lang="en-US" altLang="zh-CN" dirty="0"/>
+          </a:p>
+          <a:p>
+            <a:r>
+              <a:rPr lang="en-US" altLang="zh-CN" dirty="0" err="1" smtClean="0"/>
+              <a:t>readAsDataURL</a:t>
+            </a:r>
+            <a:r>
+              <a:rPr lang="zh-CN" altLang="en-US" dirty="0" smtClean="0"/>
+              <a:t>：</a:t>
+            </a:r>
+            <a:r>
+              <a:rPr lang="zh-CN" altLang="en-US" dirty="0"/>
+              <a:t>参考</a:t>
+            </a:r>
+            <a:r>
+              <a:rPr lang="en-US" altLang="zh-CN" dirty="0"/>
+              <a:t> </a:t>
+            </a:r>
+            <a:r>
+              <a:rPr lang="en-US" altLang="zh-CN" dirty="0" err="1"/>
+              <a:t>FileReader</a:t>
+            </a:r>
+            <a:r>
+              <a:rPr lang="en-US" altLang="zh-CN" dirty="0"/>
+              <a:t>. </a:t>
+            </a:r>
+            <a:r>
+              <a:rPr lang="en-US" altLang="zh-CN" dirty="0" err="1"/>
+              <a:t>readAsDataURL</a:t>
+            </a:r>
+            <a:endParaRPr lang="en-US" altLang="zh-CN" dirty="0"/>
+          </a:p>
+          <a:p>
+            <a:r>
+              <a:rPr lang="en-US" altLang="zh-CN" dirty="0" err="1" smtClean="0"/>
+              <a:t>readAsText</a:t>
+            </a:r>
+            <a:r>
+              <a:rPr lang="zh-CN" altLang="en-US" dirty="0" smtClean="0"/>
+              <a:t>：</a:t>
+            </a:r>
+            <a:r>
+              <a:rPr lang="zh-CN" altLang="en-US" dirty="0"/>
+              <a:t>参考</a:t>
+            </a:r>
+            <a:r>
+              <a:rPr lang="en-US" altLang="zh-CN" dirty="0"/>
+              <a:t> </a:t>
+            </a:r>
+            <a:r>
+              <a:rPr lang="en-US" altLang="zh-CN" dirty="0" err="1"/>
+              <a:t>FileReader</a:t>
+            </a:r>
+            <a:r>
+              <a:rPr lang="en-US" altLang="zh-CN" dirty="0"/>
+              <a:t>. </a:t>
+            </a:r>
+            <a:r>
+              <a:rPr lang="en-US" altLang="zh-CN" dirty="0" err="1"/>
+              <a:t>readAsText</a:t>
+            </a:r>
+            <a:endParaRPr lang="en-US" altLang="zh-CN" dirty="0"/>
+          </a:p>
+          <a:p>
             <a:endParaRPr lang="en-US" altLang="zh-CN" dirty="0" smtClean="0"/>
           </a:p>
           <a:p>
-            <a:r>
-              <a:rPr lang="zh-CN" altLang="en-US" dirty="0" smtClean="0"/>
-              <a:t>音乐缓存：</a:t>
-            </a:r>
-            <a:r>
-              <a:rPr lang="en-US" altLang="zh-CN" dirty="0">
-                <a:hlinkClick r:id="rId3"/>
-              </a:rPr>
-              <a:t>https://babydairy2017.cloudapp.net:8084</a:t>
-            </a:r>
-            <a:r>
-              <a:rPr lang="en-US" altLang="zh-CN" dirty="0" smtClean="0">
-                <a:hlinkClick r:id="rId3"/>
-              </a:rPr>
-              <a:t>/</a:t>
-            </a:r>
-            <a:endParaRPr lang="en-US" altLang="zh-CN" dirty="0" smtClean="0"/>
-          </a:p>
-          <a:p>
-            <a:r>
-              <a:rPr lang="zh-CN" altLang="en-US" dirty="0" smtClean="0"/>
-              <a:t>静态资源缓存：</a:t>
-            </a:r>
-            <a:endParaRPr lang="en-US" altLang="zh-CN" dirty="0" smtClean="0"/>
-          </a:p>
-          <a:p>
-            <a:r>
-              <a:rPr lang="zh-CN" altLang="en-US" dirty="0" smtClean="0"/>
-              <a:t>离线记事本</a:t>
-            </a:r>
-            <a:r>
-              <a:rPr lang="en-US" altLang="zh-CN" dirty="0" smtClean="0"/>
-              <a:t>:</a:t>
-            </a:r>
-          </a:p>
-          <a:p>
-            <a:r>
-              <a:rPr lang="en-US" altLang="zh-CN" dirty="0" smtClean="0"/>
-              <a:t>……</a:t>
-            </a:r>
+            <a:endParaRPr lang="en-US" altLang="zh-CN" dirty="0"/>
           </a:p>
           <a:p>
             <a:endParaRPr lang="zh-CN" altLang="en-US" dirty="0"/>
@@ -10636,13 +10831,20 @@
     </p:spTree>
     <p:extLst>
       <p:ext uri="{BB962C8B-B14F-4D97-AF65-F5344CB8AC3E}">
-        <p14:creationId xmlns:p14="http://schemas.microsoft.com/office/powerpoint/2010/main" val="2099359365"/>
+        <p14:creationId xmlns:p14="http://schemas.microsoft.com/office/powerpoint/2010/main" val="1538046023"/>
       </p:ext>
     </p:extLst>
   </p:cSld>
   <p:clrMapOvr>
     <a:masterClrMapping/>
   </p:clrMapOvr>
+  <p:timing>
+    <p:tnLst>
+      <p:par>
+        <p:cTn id="1" dur="indefinite" restart="never" nodeType="tmRoot"/>
+      </p:par>
+    </p:tnLst>
+  </p:timing>
 </p:sld>
 </file>
 
@@ -10679,6 +10881,270 @@
           <a:lstStyle/>
           <a:p>
             <a:r>
+              <a:rPr lang="en-US" altLang="zh-CN" dirty="0" err="1"/>
+              <a:t>DirectoryEntry</a:t>
+            </a:r>
+            <a:endParaRPr lang="zh-CN" altLang="en-US" dirty="0"/>
+          </a:p>
+        </p:txBody>
+      </p:sp>
+      <p:sp>
+        <p:nvSpPr>
+          <p:cNvPr id="3" name="内容占位符 2"/>
+          <p:cNvSpPr>
+            <a:spLocks noGrp="1"/>
+          </p:cNvSpPr>
+          <p:nvPr>
+            <p:ph idx="1"/>
+          </p:nvPr>
+        </p:nvSpPr>
+        <p:spPr/>
+        <p:txBody>
+          <a:bodyPr/>
+          <a:lstStyle/>
+          <a:p>
+            <a:r>
+              <a:rPr lang="en-US" altLang="zh-CN" dirty="0" err="1" smtClean="0"/>
+              <a:t>getFile</a:t>
+            </a:r>
+            <a:r>
+              <a:rPr lang="zh-CN" altLang="en-US" dirty="0" smtClean="0"/>
+              <a:t>：获取文件</a:t>
+            </a:r>
+            <a:endParaRPr lang="en-US" altLang="zh-CN" dirty="0"/>
+          </a:p>
+          <a:p>
+            <a:r>
+              <a:rPr lang="en-US" altLang="zh-CN" dirty="0" err="1" smtClean="0"/>
+              <a:t>getDirectory</a:t>
+            </a:r>
+            <a:r>
+              <a:rPr lang="zh-CN" altLang="en-US" dirty="0" smtClean="0"/>
+              <a:t>：获取目录</a:t>
+            </a:r>
+            <a:endParaRPr lang="en-US" altLang="zh-CN" dirty="0"/>
+          </a:p>
+          <a:p>
+            <a:r>
+              <a:rPr lang="en-US" altLang="zh-CN" dirty="0"/>
+              <a:t>r</a:t>
+            </a:r>
+            <a:r>
+              <a:rPr lang="en-US" altLang="zh-CN" dirty="0" smtClean="0"/>
+              <a:t>emove</a:t>
+            </a:r>
+            <a:r>
+              <a:rPr lang="zh-CN" altLang="en-US" dirty="0" smtClean="0"/>
+              <a:t>： 递归删除</a:t>
+            </a:r>
+            <a:endParaRPr lang="en-US" altLang="zh-CN" dirty="0"/>
+          </a:p>
+          <a:p>
+            <a:r>
+              <a:rPr lang="en-US" altLang="zh-CN" dirty="0" err="1" smtClean="0"/>
+              <a:t>getEntries</a:t>
+            </a:r>
+            <a:r>
+              <a:rPr lang="zh-CN" altLang="en-US" dirty="0" smtClean="0"/>
+              <a:t>：获得目录下的目录和文件</a:t>
+            </a:r>
+            <a:endParaRPr lang="en-US" altLang="zh-CN" dirty="0"/>
+          </a:p>
+          <a:p>
+            <a:endParaRPr lang="zh-CN" altLang="en-US" dirty="0"/>
+          </a:p>
+        </p:txBody>
+      </p:sp>
+    </p:spTree>
+    <p:extLst>
+      <p:ext uri="{BB962C8B-B14F-4D97-AF65-F5344CB8AC3E}">
+        <p14:creationId xmlns:p14="http://schemas.microsoft.com/office/powerpoint/2010/main" val="3217527126"/>
+      </p:ext>
+    </p:extLst>
+  </p:cSld>
+  <p:clrMapOvr>
+    <a:masterClrMapping/>
+  </p:clrMapOvr>
+  <p:timing>
+    <p:tnLst>
+      <p:par>
+        <p:cTn id="1" dur="indefinite" restart="never" nodeType="tmRoot"/>
+      </p:par>
+    </p:tnLst>
+  </p:timing>
+</p:sld>
+</file>
+
+<file path=ppt/slides/slide16.xml><?xml version="1.0" encoding="utf-8"?>
+<p:sld xmlns:a="http://schemas.openxmlformats.org/drawingml/2006/main" xmlns:r="http://schemas.openxmlformats.org/officeDocument/2006/relationships" xmlns:p="http://schemas.openxmlformats.org/presentationml/2006/main">
+  <p:cSld>
+    <p:spTree>
+      <p:nvGrpSpPr>
+        <p:cNvPr id="1" name=""/>
+        <p:cNvGrpSpPr/>
+        <p:nvPr/>
+      </p:nvGrpSpPr>
+      <p:grpSpPr>
+        <a:xfrm>
+          <a:off x="0" y="0"/>
+          <a:ext cx="0" cy="0"/>
+          <a:chOff x="0" y="0"/>
+          <a:chExt cx="0" cy="0"/>
+        </a:xfrm>
+      </p:grpSpPr>
+      <p:sp>
+        <p:nvSpPr>
+          <p:cNvPr id="2" name="标题 1"/>
+          <p:cNvSpPr>
+            <a:spLocks noGrp="1"/>
+          </p:cNvSpPr>
+          <p:nvPr>
+            <p:ph type="title"/>
+          </p:nvPr>
+        </p:nvSpPr>
+        <p:spPr/>
+        <p:txBody>
+          <a:bodyPr/>
+          <a:lstStyle/>
+          <a:p>
+            <a:r>
+              <a:rPr lang="zh-CN" altLang="en-US" dirty="0" smtClean="0"/>
+              <a:t>实际应用</a:t>
+            </a:r>
+            <a:endParaRPr lang="zh-CN" altLang="en-US" dirty="0"/>
+          </a:p>
+        </p:txBody>
+      </p:sp>
+      <p:sp>
+        <p:nvSpPr>
+          <p:cNvPr id="3" name="内容占位符 2"/>
+          <p:cNvSpPr>
+            <a:spLocks noGrp="1"/>
+          </p:cNvSpPr>
+          <p:nvPr>
+            <p:ph idx="1"/>
+          </p:nvPr>
+        </p:nvSpPr>
+        <p:spPr/>
+        <p:txBody>
+          <a:bodyPr/>
+          <a:lstStyle/>
+          <a:p>
+            <a:r>
+              <a:rPr lang="en-US" altLang="zh-CN" dirty="0" smtClean="0"/>
+              <a:t>Pdf</a:t>
+            </a:r>
+            <a:r>
+              <a:rPr lang="zh-CN" altLang="en-US" dirty="0" smtClean="0"/>
+              <a:t>文件缓存：例子</a:t>
+            </a:r>
+            <a:r>
+              <a:rPr lang="en-US" altLang="zh-CN" dirty="0">
+                <a:hlinkClick r:id="rId2"/>
+              </a:rPr>
+              <a:t>https://babydairy2017.cloudapp.net:8082</a:t>
+            </a:r>
+            <a:r>
+              <a:rPr lang="en-US" altLang="zh-CN" dirty="0" smtClean="0">
+                <a:hlinkClick r:id="rId2"/>
+              </a:rPr>
+              <a:t>/</a:t>
+            </a:r>
+            <a:endParaRPr lang="en-US" altLang="zh-CN" dirty="0" smtClean="0"/>
+          </a:p>
+          <a:p>
+            <a:r>
+              <a:rPr lang="zh-CN" altLang="en-US" dirty="0" smtClean="0"/>
+              <a:t>音乐缓存：</a:t>
+            </a:r>
+            <a:r>
+              <a:rPr lang="en-US" altLang="zh-CN" dirty="0">
+                <a:hlinkClick r:id="rId3"/>
+              </a:rPr>
+              <a:t>https://babydairy2017.cloudapp.net:8084</a:t>
+            </a:r>
+            <a:r>
+              <a:rPr lang="en-US" altLang="zh-CN" dirty="0" smtClean="0">
+                <a:hlinkClick r:id="rId3"/>
+              </a:rPr>
+              <a:t>/</a:t>
+            </a:r>
+            <a:endParaRPr lang="en-US" altLang="zh-CN" dirty="0" smtClean="0"/>
+          </a:p>
+          <a:p>
+            <a:r>
+              <a:rPr lang="zh-CN" altLang="en-US" dirty="0" smtClean="0"/>
+              <a:t>静态资源缓存：</a:t>
+            </a:r>
+            <a:endParaRPr lang="en-US" altLang="zh-CN" dirty="0" smtClean="0"/>
+          </a:p>
+          <a:p>
+            <a:r>
+              <a:rPr lang="zh-CN" altLang="en-US" dirty="0" smtClean="0"/>
+              <a:t>离线记事本</a:t>
+            </a:r>
+            <a:r>
+              <a:rPr lang="en-US" altLang="zh-CN" dirty="0" smtClean="0"/>
+              <a:t>:</a:t>
+            </a:r>
+          </a:p>
+          <a:p>
+            <a:r>
+              <a:rPr lang="en-US" altLang="zh-CN" dirty="0" smtClean="0"/>
+              <a:t>……</a:t>
+            </a:r>
+          </a:p>
+          <a:p>
+            <a:endParaRPr lang="zh-CN" altLang="en-US" dirty="0"/>
+          </a:p>
+        </p:txBody>
+      </p:sp>
+    </p:spTree>
+    <p:extLst>
+      <p:ext uri="{BB962C8B-B14F-4D97-AF65-F5344CB8AC3E}">
+        <p14:creationId xmlns:p14="http://schemas.microsoft.com/office/powerpoint/2010/main" val="2099359365"/>
+      </p:ext>
+    </p:extLst>
+  </p:cSld>
+  <p:clrMapOvr>
+    <a:masterClrMapping/>
+  </p:clrMapOvr>
+</p:sld>
+</file>
+
+<file path=ppt/slides/slide17.xml><?xml version="1.0" encoding="utf-8"?>
+<p:sld xmlns:a="http://schemas.openxmlformats.org/drawingml/2006/main" xmlns:r="http://schemas.openxmlformats.org/officeDocument/2006/relationships" xmlns:p="http://schemas.openxmlformats.org/presentationml/2006/main">
+  <p:cSld>
+    <p:spTree>
+      <p:nvGrpSpPr>
+        <p:cNvPr id="1" name=""/>
+        <p:cNvGrpSpPr/>
+        <p:nvPr/>
+      </p:nvGrpSpPr>
+      <p:grpSpPr>
+        <a:xfrm>
+          <a:off x="0" y="0"/>
+          <a:ext cx="0" cy="0"/>
+          <a:chOff x="0" y="0"/>
+          <a:chExt cx="0" cy="0"/>
+        </a:xfrm>
+      </p:grpSpPr>
+      <p:sp>
+        <p:nvSpPr>
+          <p:cNvPr id="2" name="标题 1"/>
+          <p:cNvSpPr>
+            <a:spLocks noGrp="1"/>
+          </p:cNvSpPr>
+          <p:nvPr>
+            <p:ph type="title"/>
+          </p:nvPr>
+        </p:nvSpPr>
+        <p:spPr/>
+        <p:txBody>
+          <a:bodyPr/>
+          <a:lstStyle/>
+          <a:p>
+            <a:r>
               <a:rPr lang="zh-CN" altLang="en-US" dirty="0" smtClean="0"/>
               <a:t>问题</a:t>
             </a:r>
@@ -10748,11 +11214,7 @@
             </a:r>
             <a:r>
               <a:rPr lang="zh-CN" altLang="en-US" dirty="0" smtClean="0"/>
-              <a:t>的</a:t>
-            </a:r>
-            <a:r>
-              <a:rPr lang="zh-CN" altLang="en-US" dirty="0" smtClean="0"/>
-              <a:t>实现</a:t>
+              <a:t>的实现</a:t>
             </a:r>
             <a:endParaRPr lang="en-US" altLang="zh-CN" dirty="0" smtClean="0"/>
           </a:p>
@@ -10807,7 +11269,7 @@
 </p:sld>
 </file>
 
-<file path=ppt/slides/slide16.xml><?xml version="1.0" encoding="utf-8"?>
+<file path=ppt/slides/slide18.xml><?xml version="1.0" encoding="utf-8"?>
 <p:sld xmlns:a="http://schemas.openxmlformats.org/drawingml/2006/main" xmlns:r="http://schemas.openxmlformats.org/officeDocument/2006/relationships" xmlns:p="http://schemas.openxmlformats.org/presentationml/2006/main">
   <p:cSld>
     <p:spTree>
@@ -11216,11 +11678,7 @@
           <a:p>
             <a:r>
               <a:rPr lang="en-US" altLang="zh-CN" dirty="0" smtClean="0"/>
-              <a:t>Service Worker 73</a:t>
-            </a:r>
-            <a:r>
-              <a:rPr lang="en-US" altLang="zh-CN" dirty="0" smtClean="0"/>
-              <a:t>%</a:t>
+              <a:t>Service Worker 73%</a:t>
             </a:r>
           </a:p>
           <a:p>
@@ -13244,6 +13702,199 @@
           <a:lstStyle/>
           <a:p>
             <a:r>
+              <a:rPr lang="en-US" altLang="zh-CN" dirty="0" err="1">
+                <a:solidFill>
+                  <a:schemeClr val="tx1"/>
+                </a:solidFill>
+              </a:rPr>
+              <a:t>Filesystem</a:t>
+            </a:r>
+            <a:r>
+              <a:rPr lang="en-US" altLang="zh-CN" dirty="0">
+                <a:solidFill>
+                  <a:schemeClr val="tx1"/>
+                </a:solidFill>
+              </a:rPr>
+              <a:t> &amp; </a:t>
+            </a:r>
+            <a:r>
+              <a:rPr lang="en-US" altLang="zh-CN" dirty="0" err="1">
+                <a:solidFill>
+                  <a:schemeClr val="tx1"/>
+                </a:solidFill>
+              </a:rPr>
+              <a:t>FileWriter</a:t>
+            </a:r>
+            <a:r>
+              <a:rPr lang="en-US" altLang="zh-CN" dirty="0">
+                <a:solidFill>
+                  <a:schemeClr val="tx1"/>
+                </a:solidFill>
+              </a:rPr>
+              <a:t> API</a:t>
+            </a:r>
+            <a:endParaRPr lang="zh-CN" altLang="en-US" dirty="0">
+              <a:solidFill>
+                <a:schemeClr val="tx1"/>
+              </a:solidFill>
+            </a:endParaRPr>
+          </a:p>
+        </p:txBody>
+      </p:sp>
+      <p:sp>
+        <p:nvSpPr>
+          <p:cNvPr id="3" name="内容占位符 2"/>
+          <p:cNvSpPr>
+            <a:spLocks noGrp="1"/>
+          </p:cNvSpPr>
+          <p:nvPr>
+            <p:ph idx="1"/>
+          </p:nvPr>
+        </p:nvSpPr>
+        <p:spPr>
+          <a:xfrm>
+            <a:off x="2589212" y="1458929"/>
+            <a:ext cx="8915400" cy="5024063"/>
+          </a:xfrm>
+        </p:spPr>
+        <p:txBody>
+          <a:bodyPr/>
+          <a:lstStyle/>
+          <a:p>
+            <a:endParaRPr lang="en-US" altLang="zh-CN" dirty="0" smtClean="0"/>
+          </a:p>
+          <a:p>
+            <a:endParaRPr lang="en-US" altLang="zh-CN" dirty="0"/>
+          </a:p>
+          <a:p>
+            <a:endParaRPr lang="en-US" altLang="zh-CN" dirty="0" smtClean="0"/>
+          </a:p>
+          <a:p>
+            <a:endParaRPr lang="en-US" altLang="zh-CN" dirty="0"/>
+          </a:p>
+          <a:p>
+            <a:endParaRPr lang="en-US" altLang="zh-CN" dirty="0" smtClean="0"/>
+          </a:p>
+          <a:p>
+            <a:endParaRPr lang="en-US" altLang="zh-CN" dirty="0"/>
+          </a:p>
+          <a:p>
+            <a:endParaRPr lang="en-US" altLang="zh-CN" dirty="0" smtClean="0"/>
+          </a:p>
+          <a:p>
+            <a:endParaRPr lang="en-US" altLang="zh-CN" dirty="0"/>
+          </a:p>
+          <a:p>
+            <a:endParaRPr lang="en-US" altLang="zh-CN" dirty="0" smtClean="0"/>
+          </a:p>
+          <a:p>
+            <a:endParaRPr lang="en-US" altLang="zh-CN" dirty="0"/>
+          </a:p>
+          <a:p>
+            <a:r>
+              <a:rPr lang="zh-CN" altLang="en-US" dirty="0" smtClean="0"/>
+              <a:t>仅仅有</a:t>
+            </a:r>
+            <a:r>
+              <a:rPr lang="en-US" altLang="zh-CN" dirty="0" smtClean="0"/>
+              <a:t>chrome</a:t>
+            </a:r>
+            <a:r>
+              <a:rPr lang="zh-CN" altLang="en-US" dirty="0" smtClean="0"/>
+              <a:t>和</a:t>
+            </a:r>
+            <a:r>
+              <a:rPr lang="en-US" altLang="zh-CN" dirty="0" smtClean="0"/>
+              <a:t>opera</a:t>
+            </a:r>
+            <a:r>
+              <a:rPr lang="zh-CN" altLang="en-US" dirty="0" smtClean="0"/>
+              <a:t>支持</a:t>
+            </a:r>
+            <a:endParaRPr lang="en-US" altLang="zh-CN" dirty="0" smtClean="0"/>
+          </a:p>
+          <a:p>
+            <a:r>
+              <a:rPr lang="zh-CN" altLang="en-US" dirty="0" smtClean="0"/>
+              <a:t>异步回调陷阱</a:t>
+            </a:r>
+            <a:endParaRPr lang="en-US" altLang="zh-CN" dirty="0" smtClean="0"/>
+          </a:p>
+          <a:p>
+            <a:endParaRPr lang="zh-CN" altLang="en-US" dirty="0"/>
+          </a:p>
+        </p:txBody>
+      </p:sp>
+      <p:pic>
+        <p:nvPicPr>
+          <p:cNvPr id="4" name="图片 3"/>
+          <p:cNvPicPr>
+            <a:picLocks noChangeAspect="1"/>
+          </p:cNvPicPr>
+          <p:nvPr/>
+        </p:nvPicPr>
+        <p:blipFill>
+          <a:blip r:embed="rId3"/>
+          <a:stretch>
+            <a:fillRect/>
+          </a:stretch>
+        </p:blipFill>
+        <p:spPr>
+          <a:xfrm>
+            <a:off x="2712378" y="1458930"/>
+            <a:ext cx="7023189" cy="3990975"/>
+          </a:xfrm>
+          <a:prstGeom prst="rect">
+            <a:avLst/>
+          </a:prstGeom>
+        </p:spPr>
+      </p:pic>
+    </p:spTree>
+    <p:extLst>
+      <p:ext uri="{BB962C8B-B14F-4D97-AF65-F5344CB8AC3E}">
+        <p14:creationId xmlns:p14="http://schemas.microsoft.com/office/powerpoint/2010/main" val="4138635956"/>
+      </p:ext>
+    </p:extLst>
+  </p:cSld>
+  <p:clrMapOvr>
+    <a:masterClrMapping/>
+  </p:clrMapOvr>
+</p:sld>
+</file>
+
+<file path=ppt/slides/slide7.xml><?xml version="1.0" encoding="utf-8"?>
+<p:sld xmlns:a="http://schemas.openxmlformats.org/drawingml/2006/main" xmlns:r="http://schemas.openxmlformats.org/officeDocument/2006/relationships" xmlns:p="http://schemas.openxmlformats.org/presentationml/2006/main">
+  <p:cSld>
+    <p:spTree>
+      <p:nvGrpSpPr>
+        <p:cNvPr id="1" name=""/>
+        <p:cNvGrpSpPr/>
+        <p:nvPr/>
+      </p:nvGrpSpPr>
+      <p:grpSpPr>
+        <a:xfrm>
+          <a:off x="0" y="0"/>
+          <a:ext cx="0" cy="0"/>
+          <a:chOff x="0" y="0"/>
+          <a:chExt cx="0" cy="0"/>
+        </a:xfrm>
+      </p:grpSpPr>
+      <p:sp>
+        <p:nvSpPr>
+          <p:cNvPr id="2" name="标题 1"/>
+          <p:cNvSpPr>
+            <a:spLocks noGrp="1"/>
+          </p:cNvSpPr>
+          <p:nvPr>
+            <p:ph type="title"/>
+          </p:nvPr>
+        </p:nvSpPr>
+        <p:spPr/>
+        <p:txBody>
+          <a:bodyPr/>
+          <a:lstStyle/>
+          <a:p>
+            <a:r>
               <a:rPr lang="en-US" altLang="zh-CN" dirty="0" err="1" smtClean="0"/>
               <a:t>indexedDB</a:t>
             </a:r>
@@ -13331,6 +13982,46 @@
             <a:r>
               <a:rPr lang="zh-CN" altLang="en-US" dirty="0" smtClean="0"/>
               <a:t>游标</a:t>
+            </a:r>
+            <a:endParaRPr lang="en-US" altLang="zh-CN" dirty="0" smtClean="0"/>
+          </a:p>
+          <a:p>
+            <a:pPr lvl="1"/>
+            <a:r>
+              <a:rPr lang="zh-CN" altLang="en-US" dirty="0" smtClean="0"/>
+              <a:t>高性能  （最新</a:t>
+            </a:r>
+            <a:r>
+              <a:rPr lang="en-US" altLang="zh-CN" dirty="0" err="1" smtClean="0"/>
+              <a:t>firefox</a:t>
+            </a:r>
+            <a:r>
+              <a:rPr lang="zh-CN" altLang="en-US" dirty="0" smtClean="0"/>
+              <a:t>和</a:t>
+            </a:r>
+            <a:r>
+              <a:rPr lang="en-US" altLang="zh-CN" dirty="0" smtClean="0"/>
+              <a:t>chrome</a:t>
+            </a:r>
+            <a:r>
+              <a:rPr lang="zh-CN" altLang="en-US" dirty="0" smtClean="0"/>
+              <a:t>测试</a:t>
+            </a:r>
+            <a:r>
+              <a:rPr lang="en-US" altLang="zh-CN" dirty="0" smtClean="0"/>
+              <a:t>20</a:t>
+            </a:r>
+            <a:r>
+              <a:rPr lang="zh-CN" altLang="en-US" dirty="0" smtClean="0"/>
+              <a:t>多</a:t>
+            </a:r>
+            <a:r>
+              <a:rPr lang="en-US" altLang="zh-CN" dirty="0" smtClean="0"/>
+              <a:t>M/S</a:t>
+            </a:r>
+            <a:r>
+              <a:rPr lang="zh-CN" altLang="en-US" dirty="0" smtClean="0"/>
+              <a:t>）</a:t>
             </a:r>
             <a:endParaRPr lang="en-US" altLang="zh-CN" dirty="0" smtClean="0"/>
           </a:p>
@@ -13386,7 +14077,318 @@
 </p:sld>
 </file>
 
-<file path=ppt/slides/slide7.xml><?xml version="1.0" encoding="utf-8"?>
+<file path=ppt/slides/slide8.xml><?xml version="1.0" encoding="utf-8"?>
+<p:sld xmlns:a="http://schemas.openxmlformats.org/drawingml/2006/main" xmlns:r="http://schemas.openxmlformats.org/officeDocument/2006/relationships" xmlns:p="http://schemas.openxmlformats.org/presentationml/2006/main">
+  <p:cSld>
+    <p:spTree>
+      <p:nvGrpSpPr>
+        <p:cNvPr id="1" name=""/>
+        <p:cNvGrpSpPr/>
+        <p:nvPr/>
+      </p:nvGrpSpPr>
+      <p:grpSpPr>
+        <a:xfrm>
+          <a:off x="0" y="0"/>
+          <a:ext cx="0" cy="0"/>
+          <a:chOff x="0" y="0"/>
+          <a:chExt cx="0" cy="0"/>
+        </a:xfrm>
+      </p:grpSpPr>
+      <p:sp>
+        <p:nvSpPr>
+          <p:cNvPr id="2" name="标题 1"/>
+          <p:cNvSpPr>
+            <a:spLocks noGrp="1"/>
+          </p:cNvSpPr>
+          <p:nvPr>
+            <p:ph type="title"/>
+          </p:nvPr>
+        </p:nvSpPr>
+        <p:spPr>
+          <a:xfrm>
+            <a:off x="2592925" y="624110"/>
+            <a:ext cx="8911687" cy="660160"/>
+          </a:xfrm>
+        </p:spPr>
+        <p:txBody>
+          <a:bodyPr/>
+          <a:lstStyle/>
+          <a:p>
+            <a:r>
+              <a:rPr lang="en-US" altLang="zh-CN" dirty="0" err="1" smtClean="0"/>
+              <a:t>FileSystem</a:t>
+            </a:r>
+            <a:endParaRPr lang="zh-CN" altLang="en-US" dirty="0"/>
+          </a:p>
+        </p:txBody>
+      </p:sp>
+      <p:sp>
+        <p:nvSpPr>
+          <p:cNvPr id="3" name="内容占位符 2"/>
+          <p:cNvSpPr>
+            <a:spLocks noGrp="1"/>
+          </p:cNvSpPr>
+          <p:nvPr>
+            <p:ph idx="1"/>
+          </p:nvPr>
+        </p:nvSpPr>
+        <p:spPr>
+          <a:xfrm>
+            <a:off x="2589211" y="1428108"/>
+            <a:ext cx="9133601" cy="4483114"/>
+          </a:xfrm>
+        </p:spPr>
+        <p:txBody>
+          <a:bodyPr/>
+          <a:lstStyle/>
+          <a:p>
+            <a:r>
+              <a:rPr lang="zh-CN" altLang="en-US" dirty="0" smtClean="0"/>
+              <a:t>基于</a:t>
+            </a:r>
+            <a:r>
+              <a:rPr lang="en-US" altLang="zh-CN" dirty="0" smtClean="0"/>
+              <a:t>promise </a:t>
+            </a:r>
+            <a:r>
+              <a:rPr lang="zh-CN" altLang="en-US" dirty="0" smtClean="0"/>
+              <a:t>，遍历深层次的回调，兼容性</a:t>
+            </a:r>
+            <a:r>
+              <a:rPr lang="en-US" altLang="zh-CN" dirty="0" smtClean="0"/>
+              <a:t>88%</a:t>
+            </a:r>
+            <a:r>
+              <a:rPr lang="zh-CN" altLang="en-US" dirty="0" smtClean="0"/>
+              <a:t>，其余可以引入</a:t>
+            </a:r>
+            <a:r>
+              <a:rPr lang="en-US" altLang="zh-CN" dirty="0" smtClean="0"/>
+              <a:t>es6-promise</a:t>
+            </a:r>
+            <a:r>
+              <a:rPr lang="zh-CN" altLang="en-US" dirty="0" smtClean="0"/>
+              <a:t>或者</a:t>
+            </a:r>
+            <a:r>
+              <a:rPr lang="en-US" altLang="zh-CN" dirty="0" smtClean="0"/>
+              <a:t>promise</a:t>
+            </a:r>
+          </a:p>
+          <a:p>
+            <a:r>
+              <a:rPr lang="zh-CN" altLang="en-US" dirty="0" smtClean="0"/>
+              <a:t>基于</a:t>
+            </a:r>
+            <a:r>
+              <a:rPr lang="en-US" altLang="zh-CN" dirty="0" err="1" smtClean="0"/>
+              <a:t>indexedDB</a:t>
+            </a:r>
+            <a:r>
+              <a:rPr lang="en-US" altLang="zh-CN" dirty="0" smtClean="0"/>
+              <a:t>, </a:t>
+            </a:r>
+            <a:r>
+              <a:rPr lang="zh-CN" altLang="en-US" dirty="0" smtClean="0"/>
+              <a:t>支持度高</a:t>
+            </a:r>
+            <a:r>
+              <a:rPr lang="en-US" altLang="zh-CN" dirty="0" smtClean="0"/>
+              <a:t>93%</a:t>
+            </a:r>
+            <a:r>
+              <a:rPr lang="zh-CN" altLang="en-US" dirty="0" smtClean="0"/>
+              <a:t>，除了</a:t>
+            </a:r>
+            <a:r>
+              <a:rPr lang="en-US" altLang="zh-CN" dirty="0" smtClean="0"/>
+              <a:t>opera mini</a:t>
+            </a:r>
+            <a:r>
+              <a:rPr lang="zh-CN" altLang="en-US" dirty="0" smtClean="0"/>
+              <a:t>，主流均已经很好的支持</a:t>
+            </a:r>
+            <a:endParaRPr lang="en-US" altLang="zh-CN" dirty="0" smtClean="0"/>
+          </a:p>
+          <a:p>
+            <a:r>
+              <a:rPr lang="zh-CN" altLang="en-US" dirty="0"/>
+              <a:t>大</a:t>
+            </a:r>
+            <a:r>
+              <a:rPr lang="zh-CN" altLang="en-US" dirty="0" smtClean="0"/>
+              <a:t>容量</a:t>
+            </a:r>
+            <a:endParaRPr lang="en-US" altLang="zh-CN" dirty="0" smtClean="0"/>
+          </a:p>
+          <a:p>
+            <a:r>
+              <a:rPr lang="zh-CN" altLang="en-US" dirty="0" smtClean="0"/>
+              <a:t>高效，</a:t>
+            </a:r>
+            <a:r>
+              <a:rPr lang="en-US" altLang="zh-CN" dirty="0" smtClean="0"/>
+              <a:t>20</a:t>
+            </a:r>
+            <a:r>
+              <a:rPr lang="zh-CN" altLang="en-US" dirty="0" smtClean="0"/>
+              <a:t>多</a:t>
+            </a:r>
+            <a:r>
+              <a:rPr lang="en-US" altLang="zh-CN" dirty="0" smtClean="0"/>
+              <a:t>M/S</a:t>
+            </a:r>
+            <a:r>
+              <a:rPr lang="zh-CN" altLang="en-US" dirty="0" smtClean="0"/>
+              <a:t>的写入速度（最新</a:t>
+            </a:r>
+            <a:r>
+              <a:rPr lang="en-US" altLang="zh-CN" dirty="0" err="1" smtClean="0"/>
+              <a:t>firefox</a:t>
+            </a:r>
+            <a:r>
+              <a:rPr lang="zh-CN" altLang="en-US" dirty="0" smtClean="0"/>
+              <a:t>，</a:t>
+            </a:r>
+            <a:r>
+              <a:rPr lang="en-US" altLang="zh-CN" dirty="0" smtClean="0"/>
+              <a:t>chrome</a:t>
+            </a:r>
+            <a:r>
+              <a:rPr lang="zh-CN" altLang="en-US" dirty="0" smtClean="0"/>
+              <a:t>测试）</a:t>
+            </a:r>
+            <a:endParaRPr lang="en-US" altLang="zh-CN" dirty="0" smtClean="0"/>
+          </a:p>
+          <a:p>
+            <a:r>
+              <a:rPr lang="zh-CN" altLang="en-US" dirty="0" smtClean="0"/>
+              <a:t>小巧，（注释</a:t>
+            </a:r>
+            <a:r>
+              <a:rPr lang="en-US" altLang="zh-CN" dirty="0" smtClean="0"/>
+              <a:t>+</a:t>
+            </a:r>
+            <a:r>
+              <a:rPr lang="zh-CN" altLang="en-US" dirty="0"/>
+              <a:t>代码</a:t>
+            </a:r>
+            <a:r>
+              <a:rPr lang="zh-CN" altLang="en-US" dirty="0" smtClean="0"/>
+              <a:t>）不到</a:t>
+            </a:r>
+            <a:r>
+              <a:rPr lang="en-US" altLang="zh-CN" dirty="0" smtClean="0"/>
+              <a:t>600</a:t>
+            </a:r>
+            <a:r>
+              <a:rPr lang="zh-CN" altLang="en-US" dirty="0" smtClean="0"/>
+              <a:t>行代码，不压缩</a:t>
+            </a:r>
+            <a:r>
+              <a:rPr lang="en-US" altLang="zh-CN" dirty="0" smtClean="0"/>
+              <a:t>21KB,</a:t>
+            </a:r>
+            <a:r>
+              <a:rPr lang="zh-CN" altLang="en-US" dirty="0" smtClean="0"/>
+              <a:t>压缩</a:t>
+            </a:r>
+            <a:r>
+              <a:rPr lang="en-US" altLang="zh-CN" dirty="0" smtClean="0"/>
+              <a:t>+</a:t>
+            </a:r>
+            <a:r>
+              <a:rPr lang="en-US" altLang="zh-CN" dirty="0" err="1" smtClean="0"/>
+              <a:t>gzip</a:t>
+            </a:r>
+            <a:r>
+              <a:rPr lang="zh-CN" altLang="en-US" dirty="0" smtClean="0"/>
+              <a:t>，美美哒</a:t>
+            </a:r>
+            <a:endParaRPr lang="en-US" altLang="zh-CN" dirty="0" smtClean="0"/>
+          </a:p>
+          <a:p>
+            <a:r>
+              <a:rPr lang="zh-CN" altLang="en-US" dirty="0" smtClean="0"/>
+              <a:t>内置便捷的文件读取，</a:t>
+            </a:r>
+            <a:r>
+              <a:rPr lang="en-US" altLang="zh-CN" dirty="0"/>
+              <a:t> </a:t>
+            </a:r>
+            <a:r>
+              <a:rPr lang="en-US" altLang="zh-CN" dirty="0" err="1" smtClean="0"/>
+              <a:t>readAsArrayBuffer</a:t>
+            </a:r>
+            <a:r>
+              <a:rPr lang="zh-CN" altLang="en-US" dirty="0" smtClean="0"/>
+              <a:t>，</a:t>
+            </a:r>
+            <a:r>
+              <a:rPr lang="en-US" altLang="zh-CN" dirty="0"/>
+              <a:t> </a:t>
+            </a:r>
+            <a:r>
+              <a:rPr lang="en-US" altLang="zh-CN" dirty="0" err="1" smtClean="0"/>
+              <a:t>readAsBinaryString</a:t>
+            </a:r>
+            <a:r>
+              <a:rPr lang="zh-CN" altLang="en-US" dirty="0" smtClean="0"/>
+              <a:t>，</a:t>
+            </a:r>
+            <a:r>
+              <a:rPr lang="en-US" altLang="zh-CN" dirty="0"/>
+              <a:t> </a:t>
+            </a:r>
+            <a:r>
+              <a:rPr lang="en-US" altLang="zh-CN" dirty="0" err="1" smtClean="0"/>
+              <a:t>readAsDataURL</a:t>
+            </a:r>
+            <a:r>
+              <a:rPr lang="zh-CN" altLang="en-US" dirty="0" smtClean="0"/>
+              <a:t>，</a:t>
+            </a:r>
+            <a:r>
+              <a:rPr lang="en-US" altLang="zh-CN" dirty="0"/>
+              <a:t> </a:t>
+            </a:r>
+            <a:r>
+              <a:rPr lang="en-US" altLang="zh-CN" dirty="0" err="1"/>
+              <a:t>readAsText</a:t>
+            </a:r>
+            <a:endParaRPr lang="en-US" altLang="zh-CN" dirty="0"/>
+          </a:p>
+          <a:p>
+            <a:endParaRPr lang="en-US" altLang="zh-CN" dirty="0"/>
+          </a:p>
+          <a:p>
+            <a:endParaRPr lang="en-US" altLang="zh-CN" dirty="0"/>
+          </a:p>
+          <a:p>
+            <a:endParaRPr lang="en-US" altLang="zh-CN" dirty="0"/>
+          </a:p>
+          <a:p>
+            <a:endParaRPr lang="en-US" altLang="zh-CN" dirty="0" smtClean="0"/>
+          </a:p>
+          <a:p>
+            <a:endParaRPr lang="zh-CN" altLang="en-US" dirty="0"/>
+          </a:p>
+        </p:txBody>
+      </p:sp>
+    </p:spTree>
+    <p:extLst>
+      <p:ext uri="{BB962C8B-B14F-4D97-AF65-F5344CB8AC3E}">
+        <p14:creationId xmlns:p14="http://schemas.microsoft.com/office/powerpoint/2010/main" val="1154008255"/>
+      </p:ext>
+    </p:extLst>
+  </p:cSld>
+  <p:clrMapOvr>
+    <a:masterClrMapping/>
+  </p:clrMapOvr>
+</p:sld>
+</file>
+
+<file path=ppt/slides/slide9.xml><?xml version="1.0" encoding="utf-8"?>
 <p:sld xmlns:a="http://schemas.openxmlformats.org/drawingml/2006/main" xmlns:r="http://schemas.openxmlformats.org/officeDocument/2006/relationships" xmlns:p="http://schemas.openxmlformats.org/presentationml/2006/main">
   <p:cSld>
     <p:spTree>
@@ -13554,318 +14556,6 @@
       </p:par>
     </p:tnLst>
   </p:timing>
-</p:sld>
-</file>
-
-<file path=ppt/slides/slide8.xml><?xml version="1.0" encoding="utf-8"?>
-<p:sld xmlns:a="http://schemas.openxmlformats.org/drawingml/2006/main" xmlns:r="http://schemas.openxmlformats.org/officeDocument/2006/relationships" xmlns:p="http://schemas.openxmlformats.org/presentationml/2006/main">
-  <p:cSld>
-    <p:spTree>
-      <p:nvGrpSpPr>
-        <p:cNvPr id="1" name=""/>
-        <p:cNvGrpSpPr/>
-        <p:nvPr/>
-      </p:nvGrpSpPr>
-      <p:grpSpPr>
-        <a:xfrm>
-          <a:off x="0" y="0"/>
-          <a:ext cx="0" cy="0"/>
-          <a:chOff x="0" y="0"/>
-          <a:chExt cx="0" cy="0"/>
-        </a:xfrm>
-      </p:grpSpPr>
-      <p:sp>
-        <p:nvSpPr>
-          <p:cNvPr id="2" name="标题 1"/>
-          <p:cNvSpPr>
-            <a:spLocks noGrp="1"/>
-          </p:cNvSpPr>
-          <p:nvPr>
-            <p:ph type="title"/>
-          </p:nvPr>
-        </p:nvSpPr>
-        <p:spPr>
-          <a:xfrm>
-            <a:off x="2592925" y="624110"/>
-            <a:ext cx="8911687" cy="790622"/>
-          </a:xfrm>
-        </p:spPr>
-        <p:txBody>
-          <a:bodyPr/>
-          <a:lstStyle/>
-          <a:p>
-            <a:r>
-              <a:rPr lang="zh-CN" altLang="en-US" dirty="0" smtClean="0"/>
-              <a:t>怎么使用</a:t>
-            </a:r>
-            <a:endParaRPr lang="zh-CN" altLang="en-US" dirty="0"/>
-          </a:p>
-        </p:txBody>
-      </p:sp>
-      <p:pic>
-        <p:nvPicPr>
-          <p:cNvPr id="9" name="图片 8"/>
-          <p:cNvPicPr>
-            <a:picLocks noChangeAspect="1"/>
-          </p:cNvPicPr>
-          <p:nvPr/>
-        </p:nvPicPr>
-        <p:blipFill>
-          <a:blip r:embed="rId3"/>
-          <a:stretch>
-            <a:fillRect/>
-          </a:stretch>
-        </p:blipFill>
-        <p:spPr>
-          <a:xfrm>
-            <a:off x="2531403" y="1880379"/>
-            <a:ext cx="4886325" cy="1924050"/>
-          </a:xfrm>
-          <a:prstGeom prst="rect">
-            <a:avLst/>
-          </a:prstGeom>
-        </p:spPr>
-      </p:pic>
-    </p:spTree>
-    <p:extLst>
-      <p:ext uri="{BB962C8B-B14F-4D97-AF65-F5344CB8AC3E}">
-        <p14:creationId xmlns:p14="http://schemas.microsoft.com/office/powerpoint/2010/main" val="1751052455"/>
-      </p:ext>
-    </p:extLst>
-  </p:cSld>
-  <p:clrMapOvr>
-    <a:masterClrMapping/>
-  </p:clrMapOvr>
-  <p:timing>
-    <p:tnLst>
-      <p:par>
-        <p:cTn id="1" dur="indefinite" restart="never" nodeType="tmRoot"/>
-      </p:par>
-    </p:tnLst>
-  </p:timing>
-</p:sld>
-</file>
-
-<file path=ppt/slides/slide9.xml><?xml version="1.0" encoding="utf-8"?>
-<p:sld xmlns:a="http://schemas.openxmlformats.org/drawingml/2006/main" xmlns:r="http://schemas.openxmlformats.org/officeDocument/2006/relationships" xmlns:p="http://schemas.openxmlformats.org/presentationml/2006/main">
-  <p:cSld>
-    <p:spTree>
-      <p:nvGrpSpPr>
-        <p:cNvPr id="1" name=""/>
-        <p:cNvGrpSpPr/>
-        <p:nvPr/>
-      </p:nvGrpSpPr>
-      <p:grpSpPr>
-        <a:xfrm>
-          <a:off x="0" y="0"/>
-          <a:ext cx="0" cy="0"/>
-          <a:chOff x="0" y="0"/>
-          <a:chExt cx="0" cy="0"/>
-        </a:xfrm>
-      </p:grpSpPr>
-      <p:sp>
-        <p:nvSpPr>
-          <p:cNvPr id="2" name="标题 1"/>
-          <p:cNvSpPr>
-            <a:spLocks noGrp="1"/>
-          </p:cNvSpPr>
-          <p:nvPr>
-            <p:ph type="title"/>
-          </p:nvPr>
-        </p:nvSpPr>
-        <p:spPr>
-          <a:xfrm>
-            <a:off x="2592925" y="624110"/>
-            <a:ext cx="8911687" cy="701256"/>
-          </a:xfrm>
-        </p:spPr>
-        <p:txBody>
-          <a:bodyPr/>
-          <a:lstStyle/>
-          <a:p>
-            <a:r>
-              <a:rPr lang="zh-CN" altLang="en-US" dirty="0" smtClean="0"/>
-              <a:t>怎么查看原始数据</a:t>
-            </a:r>
-            <a:endParaRPr lang="zh-CN" altLang="en-US" dirty="0"/>
-          </a:p>
-        </p:txBody>
-      </p:sp>
-      <p:sp>
-        <p:nvSpPr>
-          <p:cNvPr id="5" name="内容占位符 4"/>
-          <p:cNvSpPr>
-            <a:spLocks noGrp="1"/>
-          </p:cNvSpPr>
-          <p:nvPr>
-            <p:ph idx="1"/>
-          </p:nvPr>
-        </p:nvSpPr>
-        <p:spPr>
-          <a:xfrm>
-            <a:off x="2589212" y="1428108"/>
-            <a:ext cx="8915400" cy="4828854"/>
-          </a:xfrm>
-        </p:spPr>
-        <p:txBody>
-          <a:bodyPr>
-            <a:normAutofit/>
-          </a:bodyPr>
-          <a:lstStyle/>
-          <a:p>
-            <a:r>
-              <a:rPr lang="zh-CN" altLang="en-US" dirty="0" smtClean="0"/>
-              <a:t>浏览器</a:t>
-            </a:r>
-            <a:endParaRPr lang="en-US" altLang="zh-CN" dirty="0" smtClean="0"/>
-          </a:p>
-          <a:p>
-            <a:endParaRPr lang="en-US" altLang="zh-CN" dirty="0"/>
-          </a:p>
-          <a:p>
-            <a:endParaRPr lang="en-US" altLang="zh-CN" dirty="0" smtClean="0"/>
-          </a:p>
-          <a:p>
-            <a:endParaRPr lang="en-US" altLang="zh-CN" dirty="0"/>
-          </a:p>
-          <a:p>
-            <a:endParaRPr lang="en-US" altLang="zh-CN" dirty="0" smtClean="0"/>
-          </a:p>
-          <a:p>
-            <a:endParaRPr lang="en-US" altLang="zh-CN" dirty="0"/>
-          </a:p>
-          <a:p>
-            <a:endParaRPr lang="en-US" altLang="zh-CN" dirty="0" smtClean="0"/>
-          </a:p>
-          <a:p>
-            <a:endParaRPr lang="en-US" altLang="zh-CN" dirty="0"/>
-          </a:p>
-          <a:p>
-            <a:r>
-              <a:rPr lang="zh-CN" altLang="en-US" dirty="0" smtClean="0"/>
-              <a:t>磁盘</a:t>
-            </a:r>
-            <a:endParaRPr lang="en-US" altLang="zh-CN" dirty="0" smtClean="0"/>
-          </a:p>
-          <a:p>
-            <a:pPr lvl="1"/>
-            <a:r>
-              <a:rPr lang="en-US" altLang="zh-CN" sz="1400" dirty="0" smtClean="0"/>
-              <a:t>IE</a:t>
-            </a:r>
-            <a:r>
-              <a:rPr lang="en-US" altLang="zh-CN" dirty="0" smtClean="0"/>
-              <a:t>:</a:t>
-            </a:r>
-            <a:r>
-              <a:rPr lang="en-US" altLang="zh-CN" dirty="0"/>
-              <a:t> </a:t>
-            </a:r>
-            <a:r>
-              <a:rPr lang="en-US" altLang="zh-CN" sz="1200" dirty="0"/>
-              <a:t>C:\Users\&lt;&lt;USER&gt;&gt;\AppData\Local\Microsoft\Internet Explorer\Indexed DB</a:t>
-            </a:r>
-            <a:r>
-              <a:rPr lang="en-US" altLang="zh-CN" sz="1200" dirty="0" smtClean="0"/>
-              <a:t>\</a:t>
-            </a:r>
-          </a:p>
-          <a:p>
-            <a:pPr lvl="1"/>
-            <a:r>
-              <a:rPr lang="en-US" altLang="zh-CN" sz="1200" dirty="0"/>
-              <a:t>Chrome</a:t>
-            </a:r>
-            <a:r>
-              <a:rPr lang="en-US" altLang="zh-CN" sz="1200" dirty="0" smtClean="0"/>
-              <a:t>: C</a:t>
-            </a:r>
-            <a:r>
-              <a:rPr lang="en-US" altLang="zh-CN" sz="1200" dirty="0"/>
-              <a:t>:\Users</a:t>
-            </a:r>
-            <a:r>
-              <a:rPr lang="en-US" altLang="zh-CN" sz="1200" dirty="0" smtClean="0"/>
-              <a:t>\&lt;USER&gt;\</a:t>
-            </a:r>
-            <a:r>
-              <a:rPr lang="en-US" altLang="zh-CN" sz="1200" dirty="0"/>
-              <a:t>AppData\Local\Google\Chrome\User Data\Default\</a:t>
-            </a:r>
-            <a:r>
-              <a:rPr lang="en-US" altLang="zh-CN" sz="1200" dirty="0" err="1"/>
-              <a:t>IndexedDB</a:t>
-            </a:r>
-            <a:endParaRPr lang="en-US" altLang="zh-CN" sz="1200" dirty="0" smtClean="0"/>
-          </a:p>
-          <a:p>
-            <a:pPr lvl="1"/>
-            <a:r>
-              <a:rPr lang="en-US" altLang="zh-CN" sz="1200" dirty="0" smtClean="0"/>
-              <a:t>Firefox</a:t>
-            </a:r>
-            <a:r>
-              <a:rPr lang="en-US" altLang="zh-CN" sz="1200" dirty="0"/>
-              <a:t>: C:\Users</a:t>
-            </a:r>
-            <a:r>
-              <a:rPr lang="en-US" altLang="zh-CN" sz="1200" dirty="0" smtClean="0"/>
-              <a:t>\&lt;</a:t>
-            </a:r>
-            <a:r>
-              <a:rPr lang="en-US" altLang="zh-CN" sz="1200" dirty="0"/>
-              <a:t>USER&gt;</a:t>
-            </a:r>
-            <a:r>
-              <a:rPr lang="en-US" altLang="zh-CN" sz="1200" dirty="0" smtClean="0"/>
-              <a:t>\</a:t>
-            </a:r>
-            <a:r>
-              <a:rPr lang="en-US" altLang="zh-CN" sz="1200" dirty="0"/>
-              <a:t>AppData\Roaming\Mozilla\Firefox\Profiles\tzrkwhtd.default\storage\default</a:t>
-            </a:r>
-            <a:endParaRPr lang="en-US" altLang="zh-CN" sz="1200" dirty="0" smtClean="0"/>
-          </a:p>
-          <a:p>
-            <a:pPr lvl="1"/>
-            <a:endParaRPr lang="zh-CN" altLang="en-US" dirty="0"/>
-          </a:p>
-        </p:txBody>
-      </p:sp>
-      <p:pic>
-        <p:nvPicPr>
-          <p:cNvPr id="7" name="内容占位符 3"/>
-          <p:cNvPicPr>
-            <a:picLocks noChangeAspect="1"/>
-          </p:cNvPicPr>
-          <p:nvPr/>
-        </p:nvPicPr>
-        <p:blipFill>
-          <a:blip r:embed="rId3"/>
-          <a:stretch>
-            <a:fillRect/>
-          </a:stretch>
-        </p:blipFill>
-        <p:spPr>
-          <a:xfrm>
-            <a:off x="3856786" y="1428107"/>
-            <a:ext cx="6366002" cy="3236359"/>
-          </a:xfrm>
-          <a:prstGeom prst="rect">
-            <a:avLst/>
-          </a:prstGeom>
-        </p:spPr>
-      </p:pic>
-    </p:spTree>
-    <p:extLst>
-      <p:ext uri="{BB962C8B-B14F-4D97-AF65-F5344CB8AC3E}">
-        <p14:creationId xmlns:p14="http://schemas.microsoft.com/office/powerpoint/2010/main" val="1477178624"/>
-      </p:ext>
-    </p:extLst>
-  </p:cSld>
-  <p:clrMapOvr>
-    <a:masterClrMapping/>
-  </p:clrMapOvr>
 </p:sld>
 </file>
 

--- a/docs/浏览器大型文件存储.pptx
+++ b/docs/浏览器大型文件存储.pptx
@@ -2,30 +2,30 @@
 <file path=ppt/presentation.xml><?xml version="1.0" encoding="utf-8"?>
 <p:presentation xmlns:a="http://schemas.openxmlformats.org/drawingml/2006/main" xmlns:r="http://schemas.openxmlformats.org/officeDocument/2006/relationships" xmlns:p="http://schemas.openxmlformats.org/presentationml/2006/main" saveSubsetFonts="1">
   <p:sldMasterIdLst>
-    <p:sldMasterId id="2147483728" r:id="rId1"/>
+    <p:sldMasterId id="2147483648" r:id="rId1"/>
   </p:sldMasterIdLst>
   <p:notesMasterIdLst>
-    <p:notesMasterId r:id="rId20"/>
+    <p:notesMasterId r:id="rId5"/>
   </p:notesMasterIdLst>
   <p:sldIdLst>
-    <p:sldId id="256" r:id="rId2"/>
-    <p:sldId id="257" r:id="rId3"/>
-    <p:sldId id="258" r:id="rId4"/>
-    <p:sldId id="259" r:id="rId5"/>
-    <p:sldId id="260" r:id="rId6"/>
-    <p:sldId id="272" r:id="rId7"/>
-    <p:sldId id="261" r:id="rId8"/>
-    <p:sldId id="273" r:id="rId9"/>
-    <p:sldId id="262" r:id="rId10"/>
-    <p:sldId id="264" r:id="rId11"/>
-    <p:sldId id="271" r:id="rId12"/>
-    <p:sldId id="263" r:id="rId13"/>
-    <p:sldId id="265" r:id="rId14"/>
-    <p:sldId id="266" r:id="rId15"/>
-    <p:sldId id="267" r:id="rId16"/>
-    <p:sldId id="270" r:id="rId17"/>
-    <p:sldId id="268" r:id="rId18"/>
-    <p:sldId id="269" r:id="rId19"/>
+    <p:sldId id="256" r:id="rId3"/>
+    <p:sldId id="257" r:id="rId4"/>
+    <p:sldId id="258" r:id="rId6"/>
+    <p:sldId id="259" r:id="rId7"/>
+    <p:sldId id="260" r:id="rId8"/>
+    <p:sldId id="272" r:id="rId9"/>
+    <p:sldId id="261" r:id="rId10"/>
+    <p:sldId id="273" r:id="rId11"/>
+    <p:sldId id="262" r:id="rId12"/>
+    <p:sldId id="264" r:id="rId13"/>
+    <p:sldId id="271" r:id="rId14"/>
+    <p:sldId id="263" r:id="rId15"/>
+    <p:sldId id="265" r:id="rId16"/>
+    <p:sldId id="266" r:id="rId17"/>
+    <p:sldId id="267" r:id="rId18"/>
+    <p:sldId id="270" r:id="rId19"/>
+    <p:sldId id="268" r:id="rId20"/>
+    <p:sldId id="269" r:id="rId21"/>
   </p:sldIdLst>
   <p:sldSz cx="12192000" cy="6858000"/>
   <p:notesSz cx="6858000" cy="9144000"/>
@@ -124,11 +124,6 @@
       </a:defRPr>
     </a:lvl9pPr>
   </p:defaultTextStyle>
-  <p:extLst>
-    <p:ext uri="{EFAFB233-063F-42B5-8137-9DF3F51BA10A}">
-      <p15:sldGuideLst xmlns:p15="http://schemas.microsoft.com/office/powerpoint/2012/main"/>
-    </p:ext>
-  </p:extLst>
 </p:presentation>
 </file>
 
@@ -214,7 +209,6 @@
           <a:p>
             <a:fld id="{DB41534C-AE6B-4D92-9DF3-341BFF28A61C}" type="datetimeFigureOut">
               <a:rPr lang="zh-CN" altLang="en-US" smtClean="0"/>
-              <a:t>2017/8/10</a:t>
             </a:fld>
             <a:endParaRPr lang="zh-CN" altLang="en-US"/>
           </a:p>
@@ -281,6 +275,7 @@
               <a:rPr lang="zh-CN" altLang="en-US" smtClean="0"/>
               <a:t>单击此处编辑母版文本样式</a:t>
             </a:r>
+            <a:endParaRPr lang="zh-CN" altLang="en-US" smtClean="0"/>
           </a:p>
           <a:p>
             <a:pPr lvl="1"/>
@@ -288,6 +283,7 @@
               <a:rPr lang="zh-CN" altLang="en-US" smtClean="0"/>
               <a:t>第二级</a:t>
             </a:r>
+            <a:endParaRPr lang="zh-CN" altLang="en-US" smtClean="0"/>
           </a:p>
           <a:p>
             <a:pPr lvl="2"/>
@@ -295,6 +291,7 @@
               <a:rPr lang="zh-CN" altLang="en-US" smtClean="0"/>
               <a:t>第三级</a:t>
             </a:r>
+            <a:endParaRPr lang="zh-CN" altLang="en-US" smtClean="0"/>
           </a:p>
           <a:p>
             <a:pPr lvl="3"/>
@@ -302,6 +299,7 @@
               <a:rPr lang="zh-CN" altLang="en-US" smtClean="0"/>
               <a:t>第四级</a:t>
             </a:r>
+            <a:endParaRPr lang="zh-CN" altLang="en-US" smtClean="0"/>
           </a:p>
           <a:p>
             <a:pPr lvl="4"/>
@@ -373,18 +371,12 @@
           <a:p>
             <a:fld id="{80F750DE-A424-41F9-8DA1-B01F34C639C1}" type="slidenum">
               <a:rPr lang="zh-CN" altLang="en-US" smtClean="0"/>
-              <a:t>‹#›</a:t>
             </a:fld>
             <a:endParaRPr lang="zh-CN" altLang="en-US"/>
           </a:p>
         </p:txBody>
       </p:sp>
     </p:spTree>
-    <p:extLst>
-      <p:ext uri="{BB962C8B-B14F-4D97-AF65-F5344CB8AC3E}">
-        <p14:creationId xmlns:p14="http://schemas.microsoft.com/office/powerpoint/2010/main" val="1452527066"/>
-      </p:ext>
-    </p:extLst>
   </p:cSld>
   <p:clrMap bg1="lt1" tx1="dk1" bg2="lt2" tx2="dk2" accent1="accent1" accent2="accent2" accent3="accent3" accent4="accent4" accent5="accent5" accent6="accent6" hlink="hlink" folHlink="folHlink"/>
   <p:notesStyle>
@@ -548,30 +540,35 @@
               <a:rPr lang="en-US" altLang="zh-CN" dirty="0" smtClean="0"/>
               <a:t>https://my.oschina.net/zhangstephen/blog/591575</a:t>
             </a:r>
+            <a:endParaRPr lang="en-US" altLang="zh-CN" dirty="0" smtClean="0"/>
           </a:p>
           <a:p>
             <a:r>
               <a:rPr lang="en-US" altLang="zh-CN" dirty="0" smtClean="0"/>
               <a:t>https://www.html5rocks.com/en/tutorials/offline/quota-research/</a:t>
             </a:r>
+            <a:endParaRPr lang="en-US" altLang="zh-CN" dirty="0" smtClean="0"/>
           </a:p>
           <a:p>
             <a:r>
               <a:rPr lang="en-US" altLang="zh-CN" dirty="0" smtClean="0"/>
               <a:t>https://developers.google.com/web/updates/2011/11/Quota-Management-API-Fast-Facts?hl=en</a:t>
             </a:r>
+            <a:endParaRPr lang="en-US" altLang="zh-CN" dirty="0" smtClean="0"/>
           </a:p>
           <a:p>
             <a:r>
               <a:rPr lang="en-US" altLang="zh-CN" dirty="0" smtClean="0"/>
               <a:t>https://medium.com/dev-channel/offline-storage-for-progressive-web-apps-70d52695513c</a:t>
             </a:r>
+            <a:endParaRPr lang="en-US" altLang="zh-CN" dirty="0" smtClean="0"/>
           </a:p>
           <a:p>
             <a:r>
               <a:rPr lang="en-US" altLang="zh-CN" dirty="0" smtClean="0"/>
               <a:t>https://docs.google.com/presentation/d/11CJnf77N45qPFAhASwnfRNeEMJfR-E_x05v1Z6Rh5HA/edit#slide=id.p</a:t>
             </a:r>
+            <a:endParaRPr lang="en-US" altLang="zh-CN" dirty="0" smtClean="0"/>
           </a:p>
           <a:p>
             <a:r>
@@ -599,18 +596,12 @@
           <a:p>
             <a:fld id="{80F750DE-A424-41F9-8DA1-B01F34C639C1}" type="slidenum">
               <a:rPr lang="zh-CN" altLang="en-US" smtClean="0"/>
-              <a:t>2</a:t>
             </a:fld>
             <a:endParaRPr lang="zh-CN" altLang="en-US"/>
           </a:p>
         </p:txBody>
       </p:sp>
     </p:spTree>
-    <p:extLst>
-      <p:ext uri="{BB962C8B-B14F-4D97-AF65-F5344CB8AC3E}">
-        <p14:creationId xmlns:p14="http://schemas.microsoft.com/office/powerpoint/2010/main" val="4183098506"/>
-      </p:ext>
-    </p:extLst>
   </p:cSld>
   <p:clrMapOvr>
     <a:masterClrMapping/>
@@ -683,18 +674,12 @@
           <a:p>
             <a:fld id="{80F750DE-A424-41F9-8DA1-B01F34C639C1}" type="slidenum">
               <a:rPr lang="zh-CN" altLang="en-US" smtClean="0"/>
-              <a:t>11</a:t>
             </a:fld>
             <a:endParaRPr lang="zh-CN" altLang="en-US"/>
           </a:p>
         </p:txBody>
       </p:sp>
     </p:spTree>
-    <p:extLst>
-      <p:ext uri="{BB962C8B-B14F-4D97-AF65-F5344CB8AC3E}">
-        <p14:creationId xmlns:p14="http://schemas.microsoft.com/office/powerpoint/2010/main" val="2368237245"/>
-      </p:ext>
-    </p:extLst>
   </p:cSld>
   <p:clrMapOvr>
     <a:masterClrMapping/>
@@ -771,18 +756,12 @@
           <a:p>
             <a:fld id="{80F750DE-A424-41F9-8DA1-B01F34C639C1}" type="slidenum">
               <a:rPr lang="zh-CN" altLang="en-US" smtClean="0"/>
-              <a:t>12</a:t>
             </a:fld>
             <a:endParaRPr lang="zh-CN" altLang="en-US"/>
           </a:p>
         </p:txBody>
       </p:sp>
     </p:spTree>
-    <p:extLst>
-      <p:ext uri="{BB962C8B-B14F-4D97-AF65-F5344CB8AC3E}">
-        <p14:creationId xmlns:p14="http://schemas.microsoft.com/office/powerpoint/2010/main" val="1038379318"/>
-      </p:ext>
-    </p:extLst>
   </p:cSld>
   <p:clrMapOvr>
     <a:masterClrMapping/>
@@ -891,18 +870,12 @@
           <a:p>
             <a:fld id="{80F750DE-A424-41F9-8DA1-B01F34C639C1}" type="slidenum">
               <a:rPr lang="zh-CN" altLang="en-US" smtClean="0"/>
-              <a:t>3</a:t>
             </a:fld>
             <a:endParaRPr lang="zh-CN" altLang="en-US"/>
           </a:p>
         </p:txBody>
       </p:sp>
     </p:spTree>
-    <p:extLst>
-      <p:ext uri="{BB962C8B-B14F-4D97-AF65-F5344CB8AC3E}">
-        <p14:creationId xmlns:p14="http://schemas.microsoft.com/office/powerpoint/2010/main" val="3184486029"/>
-      </p:ext>
-    </p:extLst>
   </p:cSld>
   <p:clrMapOvr>
     <a:masterClrMapping/>
@@ -991,18 +964,12 @@
           <a:p>
             <a:fld id="{80F750DE-A424-41F9-8DA1-B01F34C639C1}" type="slidenum">
               <a:rPr lang="zh-CN" altLang="en-US" smtClean="0"/>
-              <a:t>4</a:t>
             </a:fld>
             <a:endParaRPr lang="zh-CN" altLang="en-US"/>
           </a:p>
         </p:txBody>
       </p:sp>
     </p:spTree>
-    <p:extLst>
-      <p:ext uri="{BB962C8B-B14F-4D97-AF65-F5344CB8AC3E}">
-        <p14:creationId xmlns:p14="http://schemas.microsoft.com/office/powerpoint/2010/main" val="3318854195"/>
-      </p:ext>
-    </p:extLst>
   </p:cSld>
   <p:clrMapOvr>
     <a:masterClrMapping/>
@@ -1065,6 +1032,7 @@
               <a:rPr lang="en-US" altLang="zh-CN" dirty="0" smtClean="0"/>
               <a:t>https://developers.google.com/web/fundamentals/instant-and-offline/web-storage/offline-for-pwa</a:t>
             </a:r>
+            <a:endParaRPr lang="en-US" altLang="zh-CN" dirty="0" smtClean="0"/>
           </a:p>
           <a:p>
             <a:r>
@@ -1091,18 +1059,12 @@
           <a:p>
             <a:fld id="{80F750DE-A424-41F9-8DA1-B01F34C639C1}" type="slidenum">
               <a:rPr lang="zh-CN" altLang="en-US" smtClean="0"/>
-              <a:t>5</a:t>
             </a:fld>
             <a:endParaRPr lang="zh-CN" altLang="en-US"/>
           </a:p>
         </p:txBody>
       </p:sp>
     </p:spTree>
-    <p:extLst>
-      <p:ext uri="{BB962C8B-B14F-4D97-AF65-F5344CB8AC3E}">
-        <p14:creationId xmlns:p14="http://schemas.microsoft.com/office/powerpoint/2010/main" val="3499080945"/>
-      </p:ext>
-    </p:extLst>
   </p:cSld>
   <p:clrMapOvr>
     <a:masterClrMapping/>
@@ -1179,18 +1141,12 @@
           <a:p>
             <a:fld id="{80F750DE-A424-41F9-8DA1-B01F34C639C1}" type="slidenum">
               <a:rPr lang="zh-CN" altLang="en-US" smtClean="0"/>
-              <a:t>6</a:t>
             </a:fld>
             <a:endParaRPr lang="zh-CN" altLang="en-US"/>
           </a:p>
         </p:txBody>
       </p:sp>
     </p:spTree>
-    <p:extLst>
-      <p:ext uri="{BB962C8B-B14F-4D97-AF65-F5344CB8AC3E}">
-        <p14:creationId xmlns:p14="http://schemas.microsoft.com/office/powerpoint/2010/main" val="138833555"/>
-      </p:ext>
-    </p:extLst>
   </p:cSld>
   <p:clrMapOvr>
     <a:masterClrMapping/>
@@ -1271,18 +1227,12 @@
           <a:p>
             <a:fld id="{80F750DE-A424-41F9-8DA1-B01F34C639C1}" type="slidenum">
               <a:rPr lang="zh-CN" altLang="en-US" smtClean="0"/>
-              <a:t>7</a:t>
             </a:fld>
             <a:endParaRPr lang="zh-CN" altLang="en-US"/>
           </a:p>
         </p:txBody>
       </p:sp>
     </p:spTree>
-    <p:extLst>
-      <p:ext uri="{BB962C8B-B14F-4D97-AF65-F5344CB8AC3E}">
-        <p14:creationId xmlns:p14="http://schemas.microsoft.com/office/powerpoint/2010/main" val="211113663"/>
-      </p:ext>
-    </p:extLst>
   </p:cSld>
   <p:clrMapOvr>
     <a:masterClrMapping/>
@@ -1355,18 +1305,12 @@
           <a:p>
             <a:fld id="{80F750DE-A424-41F9-8DA1-B01F34C639C1}" type="slidenum">
               <a:rPr lang="zh-CN" altLang="en-US" smtClean="0"/>
-              <a:t>8</a:t>
             </a:fld>
             <a:endParaRPr lang="zh-CN" altLang="en-US"/>
           </a:p>
         </p:txBody>
       </p:sp>
     </p:spTree>
-    <p:extLst>
-      <p:ext uri="{BB962C8B-B14F-4D97-AF65-F5344CB8AC3E}">
-        <p14:creationId xmlns:p14="http://schemas.microsoft.com/office/powerpoint/2010/main" val="2689015543"/>
-      </p:ext>
-    </p:extLst>
   </p:cSld>
   <p:clrMapOvr>
     <a:masterClrMapping/>
@@ -1447,18 +1391,12 @@
           <a:p>
             <a:fld id="{80F750DE-A424-41F9-8DA1-B01F34C639C1}" type="slidenum">
               <a:rPr lang="zh-CN" altLang="en-US" smtClean="0"/>
-              <a:t>9</a:t>
             </a:fld>
             <a:endParaRPr lang="zh-CN" altLang="en-US"/>
           </a:p>
         </p:txBody>
       </p:sp>
     </p:spTree>
-    <p:extLst>
-      <p:ext uri="{BB962C8B-B14F-4D97-AF65-F5344CB8AC3E}">
-        <p14:creationId xmlns:p14="http://schemas.microsoft.com/office/powerpoint/2010/main" val="3459854334"/>
-      </p:ext>
-    </p:extLst>
   </p:cSld>
   <p:clrMapOvr>
     <a:masterClrMapping/>
@@ -1531,18 +1469,12 @@
           <a:p>
             <a:fld id="{80F750DE-A424-41F9-8DA1-B01F34C639C1}" type="slidenum">
               <a:rPr lang="zh-CN" altLang="en-US" smtClean="0"/>
-              <a:t>10</a:t>
             </a:fld>
             <a:endParaRPr lang="zh-CN" altLang="en-US"/>
           </a:p>
         </p:txBody>
       </p:sp>
     </p:spTree>
-    <p:extLst>
-      <p:ext uri="{BB962C8B-B14F-4D97-AF65-F5344CB8AC3E}">
-        <p14:creationId xmlns:p14="http://schemas.microsoft.com/office/powerpoint/2010/main" val="551201831"/>
-      </p:ext>
-    </p:extLst>
   </p:cSld>
   <p:clrMapOvr>
     <a:masterClrMapping/>
@@ -1738,7 +1670,6 @@
           <a:p>
             <a:fld id="{CC7595C5-1733-42E2-873F-A506DDDE3CF3}" type="datetimeFigureOut">
               <a:rPr lang="zh-CN" altLang="en-US" smtClean="0"/>
-              <a:t>2017/8/10</a:t>
             </a:fld>
             <a:endParaRPr lang="zh-CN" altLang="en-US"/>
           </a:p>
@@ -1867,18 +1798,12 @@
           <a:p>
             <a:fld id="{D4C11F7C-FCE3-4A16-9A67-0524B3D2A93B}" type="slidenum">
               <a:rPr lang="zh-CN" altLang="en-US" smtClean="0"/>
-              <a:t>‹#›</a:t>
             </a:fld>
             <a:endParaRPr lang="zh-CN" altLang="en-US"/>
           </a:p>
         </p:txBody>
       </p:sp>
     </p:spTree>
-    <p:extLst>
-      <p:ext uri="{BB962C8B-B14F-4D97-AF65-F5344CB8AC3E}">
-        <p14:creationId xmlns:p14="http://schemas.microsoft.com/office/powerpoint/2010/main" val="2645296408"/>
-      </p:ext>
-    </p:extLst>
   </p:cSld>
   <p:clrMapOvr>
     <a:masterClrMapping/>
@@ -2076,7 +2001,6 @@
           <a:p>
             <a:fld id="{CC7595C5-1733-42E2-873F-A506DDDE3CF3}" type="datetimeFigureOut">
               <a:rPr lang="zh-CN" altLang="en-US" smtClean="0"/>
-              <a:t>2017/8/10</a:t>
             </a:fld>
             <a:endParaRPr lang="zh-CN" altLang="en-US"/>
           </a:p>
@@ -2205,18 +2129,12 @@
           <a:p>
             <a:fld id="{D4C11F7C-FCE3-4A16-9A67-0524B3D2A93B}" type="slidenum">
               <a:rPr lang="zh-CN" altLang="en-US" smtClean="0"/>
-              <a:t>‹#›</a:t>
             </a:fld>
             <a:endParaRPr lang="zh-CN" altLang="en-US"/>
           </a:p>
         </p:txBody>
       </p:sp>
     </p:spTree>
-    <p:extLst>
-      <p:ext uri="{BB962C8B-B14F-4D97-AF65-F5344CB8AC3E}">
-        <p14:creationId xmlns:p14="http://schemas.microsoft.com/office/powerpoint/2010/main" val="2081534751"/>
-      </p:ext>
-    </p:extLst>
   </p:cSld>
   <p:clrMapOvr>
     <a:masterClrMapping/>
@@ -2477,7 +2395,6 @@
           <a:p>
             <a:fld id="{CC7595C5-1733-42E2-873F-A506DDDE3CF3}" type="datetimeFigureOut">
               <a:rPr lang="zh-CN" altLang="en-US" smtClean="0"/>
-              <a:t>2017/8/10</a:t>
             </a:fld>
             <a:endParaRPr lang="zh-CN" altLang="en-US"/>
           </a:p>
@@ -2606,7 +2523,6 @@
           <a:p>
             <a:fld id="{D4C11F7C-FCE3-4A16-9A67-0524B3D2A93B}" type="slidenum">
               <a:rPr lang="zh-CN" altLang="en-US" smtClean="0"/>
-              <a:t>‹#›</a:t>
             </a:fld>
             <a:endParaRPr lang="zh-CN" altLang="en-US"/>
           </a:p>
@@ -2689,11 +2605,6 @@
         </p:txBody>
       </p:sp>
     </p:spTree>
-    <p:extLst>
-      <p:ext uri="{BB962C8B-B14F-4D97-AF65-F5344CB8AC3E}">
-        <p14:creationId xmlns:p14="http://schemas.microsoft.com/office/powerpoint/2010/main" val="3901522760"/>
-      </p:ext>
-    </p:extLst>
   </p:cSld>
   <p:clrMapOvr>
     <a:masterClrMapping/>
@@ -2813,7 +2724,6 @@
           <a:p>
             <a:fld id="{CC7595C5-1733-42E2-873F-A506DDDE3CF3}" type="datetimeFigureOut">
               <a:rPr lang="zh-CN" altLang="en-US" smtClean="0"/>
-              <a:t>2017/8/10</a:t>
             </a:fld>
             <a:endParaRPr lang="zh-CN" altLang="en-US"/>
           </a:p>
@@ -2942,18 +2852,12 @@
           <a:p>
             <a:fld id="{D4C11F7C-FCE3-4A16-9A67-0524B3D2A93B}" type="slidenum">
               <a:rPr lang="zh-CN" altLang="en-US" smtClean="0"/>
-              <a:t>‹#›</a:t>
             </a:fld>
             <a:endParaRPr lang="zh-CN" altLang="en-US"/>
           </a:p>
         </p:txBody>
       </p:sp>
     </p:spTree>
-    <p:extLst>
-      <p:ext uri="{BB962C8B-B14F-4D97-AF65-F5344CB8AC3E}">
-        <p14:creationId xmlns:p14="http://schemas.microsoft.com/office/powerpoint/2010/main" val="1019402121"/>
-      </p:ext>
-    </p:extLst>
   </p:cSld>
   <p:clrMapOvr>
     <a:masterClrMapping/>
@@ -3133,7 +3037,6 @@
           <a:p>
             <a:fld id="{CC7595C5-1733-42E2-873F-A506DDDE3CF3}" type="datetimeFigureOut">
               <a:rPr lang="zh-CN" altLang="en-US" smtClean="0"/>
-              <a:t>2017/8/10</a:t>
             </a:fld>
             <a:endParaRPr lang="zh-CN" altLang="en-US"/>
           </a:p>
@@ -3262,7 +3165,6 @@
           <a:p>
             <a:fld id="{D4C11F7C-FCE3-4A16-9A67-0524B3D2A93B}" type="slidenum">
               <a:rPr lang="zh-CN" altLang="en-US" smtClean="0"/>
-              <a:t>‹#›</a:t>
             </a:fld>
             <a:endParaRPr lang="zh-CN" altLang="en-US"/>
           </a:p>
@@ -3345,11 +3247,6 @@
         </p:txBody>
       </p:sp>
     </p:spTree>
-    <p:extLst>
-      <p:ext uri="{BB962C8B-B14F-4D97-AF65-F5344CB8AC3E}">
-        <p14:creationId xmlns:p14="http://schemas.microsoft.com/office/powerpoint/2010/main" val="1750156706"/>
-      </p:ext>
-    </p:extLst>
   </p:cSld>
   <p:clrMapOvr>
     <a:masterClrMapping/>
@@ -3529,7 +3426,6 @@
           <a:p>
             <a:fld id="{CC7595C5-1733-42E2-873F-A506DDDE3CF3}" type="datetimeFigureOut">
               <a:rPr lang="zh-CN" altLang="en-US" smtClean="0"/>
-              <a:t>2017/8/10</a:t>
             </a:fld>
             <a:endParaRPr lang="zh-CN" altLang="en-US"/>
           </a:p>
@@ -3658,18 +3554,12 @@
           <a:p>
             <a:fld id="{D4C11F7C-FCE3-4A16-9A67-0524B3D2A93B}" type="slidenum">
               <a:rPr lang="zh-CN" altLang="en-US" smtClean="0"/>
-              <a:t>‹#›</a:t>
             </a:fld>
             <a:endParaRPr lang="zh-CN" altLang="en-US"/>
           </a:p>
         </p:txBody>
       </p:sp>
     </p:spTree>
-    <p:extLst>
-      <p:ext uri="{BB962C8B-B14F-4D97-AF65-F5344CB8AC3E}">
-        <p14:creationId xmlns:p14="http://schemas.microsoft.com/office/powerpoint/2010/main" val="2143093405"/>
-      </p:ext>
-    </p:extLst>
   </p:cSld>
   <p:clrMapOvr>
     <a:masterClrMapping/>
@@ -3737,6 +3627,7 @@
               <a:rPr lang="zh-CN" altLang="en-US" smtClean="0"/>
               <a:t>单击此处编辑母版文本样式</a:t>
             </a:r>
+            <a:endParaRPr lang="zh-CN" altLang="en-US" smtClean="0"/>
           </a:p>
           <a:p>
             <a:pPr lvl="1"/>
@@ -3744,6 +3635,7 @@
               <a:rPr lang="zh-CN" altLang="en-US" smtClean="0"/>
               <a:t>第二级</a:t>
             </a:r>
+            <a:endParaRPr lang="zh-CN" altLang="en-US" smtClean="0"/>
           </a:p>
           <a:p>
             <a:pPr lvl="2"/>
@@ -3751,6 +3643,7 @@
               <a:rPr lang="zh-CN" altLang="en-US" smtClean="0"/>
               <a:t>第三级</a:t>
             </a:r>
+            <a:endParaRPr lang="zh-CN" altLang="en-US" smtClean="0"/>
           </a:p>
           <a:p>
             <a:pPr lvl="3"/>
@@ -3758,6 +3651,7 @@
               <a:rPr lang="zh-CN" altLang="en-US" smtClean="0"/>
               <a:t>第四级</a:t>
             </a:r>
+            <a:endParaRPr lang="zh-CN" altLang="en-US" smtClean="0"/>
           </a:p>
           <a:p>
             <a:pPr lvl="4"/>
@@ -3786,7 +3680,6 @@
           <a:p>
             <a:fld id="{CC7595C5-1733-42E2-873F-A506DDDE3CF3}" type="datetimeFigureOut">
               <a:rPr lang="zh-CN" altLang="en-US" smtClean="0"/>
-              <a:t>2017/8/10</a:t>
             </a:fld>
             <a:endParaRPr lang="zh-CN" altLang="en-US"/>
           </a:p>
@@ -3910,18 +3803,12 @@
           <a:p>
             <a:fld id="{D4C11F7C-FCE3-4A16-9A67-0524B3D2A93B}" type="slidenum">
               <a:rPr lang="zh-CN" altLang="en-US" smtClean="0"/>
-              <a:t>‹#›</a:t>
             </a:fld>
             <a:endParaRPr lang="zh-CN" altLang="en-US"/>
           </a:p>
         </p:txBody>
       </p:sp>
     </p:spTree>
-    <p:extLst>
-      <p:ext uri="{BB962C8B-B14F-4D97-AF65-F5344CB8AC3E}">
-        <p14:creationId xmlns:p14="http://schemas.microsoft.com/office/powerpoint/2010/main" val="1719557079"/>
-      </p:ext>
-    </p:extLst>
   </p:cSld>
   <p:clrMapOvr>
     <a:masterClrMapping/>
@@ -3999,6 +3886,7 @@
               <a:rPr lang="zh-CN" altLang="en-US" smtClean="0"/>
               <a:t>单击此处编辑母版文本样式</a:t>
             </a:r>
+            <a:endParaRPr lang="zh-CN" altLang="en-US" smtClean="0"/>
           </a:p>
           <a:p>
             <a:pPr lvl="1"/>
@@ -4006,6 +3894,7 @@
               <a:rPr lang="zh-CN" altLang="en-US" smtClean="0"/>
               <a:t>第二级</a:t>
             </a:r>
+            <a:endParaRPr lang="zh-CN" altLang="en-US" smtClean="0"/>
           </a:p>
           <a:p>
             <a:pPr lvl="2"/>
@@ -4013,6 +3902,7 @@
               <a:rPr lang="zh-CN" altLang="en-US" smtClean="0"/>
               <a:t>第三级</a:t>
             </a:r>
+            <a:endParaRPr lang="zh-CN" altLang="en-US" smtClean="0"/>
           </a:p>
           <a:p>
             <a:pPr lvl="3"/>
@@ -4020,6 +3910,7 @@
               <a:rPr lang="zh-CN" altLang="en-US" smtClean="0"/>
               <a:t>第四级</a:t>
             </a:r>
+            <a:endParaRPr lang="zh-CN" altLang="en-US" smtClean="0"/>
           </a:p>
           <a:p>
             <a:pPr lvl="4"/>
@@ -4048,7 +3939,6 @@
           <a:p>
             <a:fld id="{CC7595C5-1733-42E2-873F-A506DDDE3CF3}" type="datetimeFigureOut">
               <a:rPr lang="zh-CN" altLang="en-US" smtClean="0"/>
-              <a:t>2017/8/10</a:t>
             </a:fld>
             <a:endParaRPr lang="zh-CN" altLang="en-US"/>
           </a:p>
@@ -4172,18 +4062,12 @@
           <a:p>
             <a:fld id="{D4C11F7C-FCE3-4A16-9A67-0524B3D2A93B}" type="slidenum">
               <a:rPr lang="zh-CN" altLang="en-US" smtClean="0"/>
-              <a:t>‹#›</a:t>
             </a:fld>
             <a:endParaRPr lang="zh-CN" altLang="en-US"/>
           </a:p>
         </p:txBody>
       </p:sp>
     </p:spTree>
-    <p:extLst>
-      <p:ext uri="{BB962C8B-B14F-4D97-AF65-F5344CB8AC3E}">
-        <p14:creationId xmlns:p14="http://schemas.microsoft.com/office/powerpoint/2010/main" val="2051639873"/>
-      </p:ext>
-    </p:extLst>
   </p:cSld>
   <p:clrMapOvr>
     <a:masterClrMapping/>
@@ -4261,6 +4145,7 @@
               <a:rPr lang="zh-CN" altLang="en-US" smtClean="0"/>
               <a:t>单击此处编辑母版文本样式</a:t>
             </a:r>
+            <a:endParaRPr lang="zh-CN" altLang="en-US" smtClean="0"/>
           </a:p>
           <a:p>
             <a:pPr lvl="1"/>
@@ -4268,6 +4153,7 @@
               <a:rPr lang="zh-CN" altLang="en-US" smtClean="0"/>
               <a:t>第二级</a:t>
             </a:r>
+            <a:endParaRPr lang="zh-CN" altLang="en-US" smtClean="0"/>
           </a:p>
           <a:p>
             <a:pPr lvl="2"/>
@@ -4275,6 +4161,7 @@
               <a:rPr lang="zh-CN" altLang="en-US" smtClean="0"/>
               <a:t>第三级</a:t>
             </a:r>
+            <a:endParaRPr lang="zh-CN" altLang="en-US" smtClean="0"/>
           </a:p>
           <a:p>
             <a:pPr lvl="3"/>
@@ -4282,6 +4169,7 @@
               <a:rPr lang="zh-CN" altLang="en-US" smtClean="0"/>
               <a:t>第四级</a:t>
             </a:r>
+            <a:endParaRPr lang="zh-CN" altLang="en-US" smtClean="0"/>
           </a:p>
           <a:p>
             <a:pPr lvl="4"/>
@@ -4310,7 +4198,6 @@
           <a:p>
             <a:fld id="{CC7595C5-1733-42E2-873F-A506DDDE3CF3}" type="datetimeFigureOut">
               <a:rPr lang="zh-CN" altLang="en-US" smtClean="0"/>
-              <a:t>2017/8/10</a:t>
             </a:fld>
             <a:endParaRPr lang="zh-CN" altLang="en-US"/>
           </a:p>
@@ -4434,18 +4321,12 @@
           <a:p>
             <a:fld id="{D4C11F7C-FCE3-4A16-9A67-0524B3D2A93B}" type="slidenum">
               <a:rPr lang="zh-CN" altLang="en-US" smtClean="0"/>
-              <a:t>‹#›</a:t>
             </a:fld>
             <a:endParaRPr lang="zh-CN" altLang="en-US"/>
           </a:p>
         </p:txBody>
       </p:sp>
     </p:spTree>
-    <p:extLst>
-      <p:ext uri="{BB962C8B-B14F-4D97-AF65-F5344CB8AC3E}">
-        <p14:creationId xmlns:p14="http://schemas.microsoft.com/office/powerpoint/2010/main" val="1232933006"/>
-      </p:ext>
-    </p:extLst>
   </p:cSld>
   <p:clrMapOvr>
     <a:masterClrMapping/>
@@ -4639,7 +4520,6 @@
           <a:p>
             <a:fld id="{CC7595C5-1733-42E2-873F-A506DDDE3CF3}" type="datetimeFigureOut">
               <a:rPr lang="zh-CN" altLang="en-US" smtClean="0"/>
-              <a:t>2017/8/10</a:t>
             </a:fld>
             <a:endParaRPr lang="zh-CN" altLang="en-US"/>
           </a:p>
@@ -4768,18 +4648,12 @@
           <a:p>
             <a:fld id="{D4C11F7C-FCE3-4A16-9A67-0524B3D2A93B}" type="slidenum">
               <a:rPr lang="zh-CN" altLang="en-US" smtClean="0"/>
-              <a:t>‹#›</a:t>
             </a:fld>
             <a:endParaRPr lang="zh-CN" altLang="en-US"/>
           </a:p>
         </p:txBody>
       </p:sp>
     </p:spTree>
-    <p:extLst>
-      <p:ext uri="{BB962C8B-B14F-4D97-AF65-F5344CB8AC3E}">
-        <p14:creationId xmlns:p14="http://schemas.microsoft.com/office/powerpoint/2010/main" val="966545173"/>
-      </p:ext>
-    </p:extLst>
   </p:cSld>
   <p:clrMapOvr>
     <a:masterClrMapping/>
@@ -4854,6 +4728,7 @@
               <a:rPr lang="zh-CN" altLang="en-US" smtClean="0"/>
               <a:t>单击此处编辑母版文本样式</a:t>
             </a:r>
+            <a:endParaRPr lang="zh-CN" altLang="en-US" smtClean="0"/>
           </a:p>
           <a:p>
             <a:pPr lvl="1"/>
@@ -4861,6 +4736,7 @@
               <a:rPr lang="zh-CN" altLang="en-US" smtClean="0"/>
               <a:t>第二级</a:t>
             </a:r>
+            <a:endParaRPr lang="zh-CN" altLang="en-US" smtClean="0"/>
           </a:p>
           <a:p>
             <a:pPr lvl="2"/>
@@ -4868,6 +4744,7 @@
               <a:rPr lang="zh-CN" altLang="en-US" smtClean="0"/>
               <a:t>第三级</a:t>
             </a:r>
+            <a:endParaRPr lang="zh-CN" altLang="en-US" smtClean="0"/>
           </a:p>
           <a:p>
             <a:pPr lvl="3"/>
@@ -4875,6 +4752,7 @@
               <a:rPr lang="zh-CN" altLang="en-US" smtClean="0"/>
               <a:t>第四级</a:t>
             </a:r>
+            <a:endParaRPr lang="zh-CN" altLang="en-US" smtClean="0"/>
           </a:p>
           <a:p>
             <a:pPr lvl="4"/>
@@ -4913,6 +4791,7 @@
               <a:rPr lang="zh-CN" altLang="en-US" smtClean="0"/>
               <a:t>单击此处编辑母版文本样式</a:t>
             </a:r>
+            <a:endParaRPr lang="zh-CN" altLang="en-US" smtClean="0"/>
           </a:p>
           <a:p>
             <a:pPr lvl="1"/>
@@ -4920,6 +4799,7 @@
               <a:rPr lang="zh-CN" altLang="en-US" smtClean="0"/>
               <a:t>第二级</a:t>
             </a:r>
+            <a:endParaRPr lang="zh-CN" altLang="en-US" smtClean="0"/>
           </a:p>
           <a:p>
             <a:pPr lvl="2"/>
@@ -4927,6 +4807,7 @@
               <a:rPr lang="zh-CN" altLang="en-US" smtClean="0"/>
               <a:t>第三级</a:t>
             </a:r>
+            <a:endParaRPr lang="zh-CN" altLang="en-US" smtClean="0"/>
           </a:p>
           <a:p>
             <a:pPr lvl="3"/>
@@ -4934,6 +4815,7 @@
               <a:rPr lang="zh-CN" altLang="en-US" smtClean="0"/>
               <a:t>第四级</a:t>
             </a:r>
+            <a:endParaRPr lang="zh-CN" altLang="en-US" smtClean="0"/>
           </a:p>
           <a:p>
             <a:pPr lvl="4"/>
@@ -4962,7 +4844,6 @@
           <a:p>
             <a:fld id="{CC7595C5-1733-42E2-873F-A506DDDE3CF3}" type="datetimeFigureOut">
               <a:rPr lang="zh-CN" altLang="en-US" smtClean="0"/>
-              <a:t>2017/8/10</a:t>
             </a:fld>
             <a:endParaRPr lang="zh-CN" altLang="en-US"/>
           </a:p>
@@ -5091,18 +4972,12 @@
           <a:p>
             <a:fld id="{D4C11F7C-FCE3-4A16-9A67-0524B3D2A93B}" type="slidenum">
               <a:rPr lang="zh-CN" altLang="en-US" smtClean="0"/>
-              <a:t>‹#›</a:t>
             </a:fld>
             <a:endParaRPr lang="zh-CN" altLang="en-US"/>
           </a:p>
         </p:txBody>
       </p:sp>
     </p:spTree>
-    <p:extLst>
-      <p:ext uri="{BB962C8B-B14F-4D97-AF65-F5344CB8AC3E}">
-        <p14:creationId xmlns:p14="http://schemas.microsoft.com/office/powerpoint/2010/main" val="496216571"/>
-      </p:ext>
-    </p:extLst>
   </p:cSld>
   <p:clrMapOvr>
     <a:masterClrMapping/>
@@ -5244,6 +5119,7 @@
               <a:rPr lang="zh-CN" altLang="en-US" smtClean="0"/>
               <a:t>单击此处编辑母版文本样式</a:t>
             </a:r>
+            <a:endParaRPr lang="zh-CN" altLang="en-US" smtClean="0"/>
           </a:p>
           <a:p>
             <a:pPr lvl="1"/>
@@ -5251,6 +5127,7 @@
               <a:rPr lang="zh-CN" altLang="en-US" smtClean="0"/>
               <a:t>第二级</a:t>
             </a:r>
+            <a:endParaRPr lang="zh-CN" altLang="en-US" smtClean="0"/>
           </a:p>
           <a:p>
             <a:pPr lvl="2"/>
@@ -5258,6 +5135,7 @@
               <a:rPr lang="zh-CN" altLang="en-US" smtClean="0"/>
               <a:t>第三级</a:t>
             </a:r>
+            <a:endParaRPr lang="zh-CN" altLang="en-US" smtClean="0"/>
           </a:p>
           <a:p>
             <a:pPr lvl="3"/>
@@ -5265,6 +5143,7 @@
               <a:rPr lang="zh-CN" altLang="en-US" smtClean="0"/>
               <a:t>第四级</a:t>
             </a:r>
+            <a:endParaRPr lang="zh-CN" altLang="en-US" smtClean="0"/>
           </a:p>
           <a:p>
             <a:pPr lvl="4"/>
@@ -5370,6 +5249,7 @@
               <a:rPr lang="zh-CN" altLang="en-US" smtClean="0"/>
               <a:t>单击此处编辑母版文本样式</a:t>
             </a:r>
+            <a:endParaRPr lang="zh-CN" altLang="en-US" smtClean="0"/>
           </a:p>
           <a:p>
             <a:pPr lvl="1"/>
@@ -5377,6 +5257,7 @@
               <a:rPr lang="zh-CN" altLang="en-US" smtClean="0"/>
               <a:t>第二级</a:t>
             </a:r>
+            <a:endParaRPr lang="zh-CN" altLang="en-US" smtClean="0"/>
           </a:p>
           <a:p>
             <a:pPr lvl="2"/>
@@ -5384,6 +5265,7 @@
               <a:rPr lang="zh-CN" altLang="en-US" smtClean="0"/>
               <a:t>第三级</a:t>
             </a:r>
+            <a:endParaRPr lang="zh-CN" altLang="en-US" smtClean="0"/>
           </a:p>
           <a:p>
             <a:pPr lvl="3"/>
@@ -5391,6 +5273,7 @@
               <a:rPr lang="zh-CN" altLang="en-US" smtClean="0"/>
               <a:t>第四级</a:t>
             </a:r>
+            <a:endParaRPr lang="zh-CN" altLang="en-US" smtClean="0"/>
           </a:p>
           <a:p>
             <a:pPr lvl="4"/>
@@ -5419,7 +5302,6 @@
           <a:p>
             <a:fld id="{CC7595C5-1733-42E2-873F-A506DDDE3CF3}" type="datetimeFigureOut">
               <a:rPr lang="zh-CN" altLang="en-US" smtClean="0"/>
-              <a:t>2017/8/10</a:t>
             </a:fld>
             <a:endParaRPr lang="zh-CN" altLang="en-US"/>
           </a:p>
@@ -5548,18 +5430,12 @@
           <a:p>
             <a:fld id="{D4C11F7C-FCE3-4A16-9A67-0524B3D2A93B}" type="slidenum">
               <a:rPr lang="zh-CN" altLang="en-US" smtClean="0"/>
-              <a:t>‹#›</a:t>
             </a:fld>
             <a:endParaRPr lang="zh-CN" altLang="en-US"/>
           </a:p>
         </p:txBody>
       </p:sp>
     </p:spTree>
-    <p:extLst>
-      <p:ext uri="{BB962C8B-B14F-4D97-AF65-F5344CB8AC3E}">
-        <p14:creationId xmlns:p14="http://schemas.microsoft.com/office/powerpoint/2010/main" val="4042862444"/>
-      </p:ext>
-    </p:extLst>
   </p:cSld>
   <p:clrMapOvr>
     <a:masterClrMapping/>
@@ -5624,7 +5500,6 @@
           <a:p>
             <a:fld id="{CC7595C5-1733-42E2-873F-A506DDDE3CF3}" type="datetimeFigureOut">
               <a:rPr lang="zh-CN" altLang="en-US" smtClean="0"/>
-              <a:t>2017/8/10</a:t>
             </a:fld>
             <a:endParaRPr lang="zh-CN" altLang="en-US"/>
           </a:p>
@@ -5748,18 +5623,12 @@
           <a:p>
             <a:fld id="{D4C11F7C-FCE3-4A16-9A67-0524B3D2A93B}" type="slidenum">
               <a:rPr lang="zh-CN" altLang="en-US" smtClean="0"/>
-              <a:t>‹#›</a:t>
             </a:fld>
             <a:endParaRPr lang="zh-CN" altLang="en-US"/>
           </a:p>
         </p:txBody>
       </p:sp>
     </p:spTree>
-    <p:extLst>
-      <p:ext uri="{BB962C8B-B14F-4D97-AF65-F5344CB8AC3E}">
-        <p14:creationId xmlns:p14="http://schemas.microsoft.com/office/powerpoint/2010/main" val="1966358549"/>
-      </p:ext>
-    </p:extLst>
   </p:cSld>
   <p:clrMapOvr>
     <a:masterClrMapping/>
@@ -5801,7 +5670,6 @@
           <a:p>
             <a:fld id="{CC7595C5-1733-42E2-873F-A506DDDE3CF3}" type="datetimeFigureOut">
               <a:rPr lang="zh-CN" altLang="en-US" smtClean="0"/>
-              <a:t>2017/8/10</a:t>
             </a:fld>
             <a:endParaRPr lang="zh-CN" altLang="en-US"/>
           </a:p>
@@ -5925,18 +5793,12 @@
           <a:p>
             <a:fld id="{D4C11F7C-FCE3-4A16-9A67-0524B3D2A93B}" type="slidenum">
               <a:rPr lang="zh-CN" altLang="en-US" smtClean="0"/>
-              <a:t>‹#›</a:t>
             </a:fld>
             <a:endParaRPr lang="zh-CN" altLang="en-US"/>
           </a:p>
         </p:txBody>
       </p:sp>
     </p:spTree>
-    <p:extLst>
-      <p:ext uri="{BB962C8B-B14F-4D97-AF65-F5344CB8AC3E}">
-        <p14:creationId xmlns:p14="http://schemas.microsoft.com/office/powerpoint/2010/main" val="2191958169"/>
-      </p:ext>
-    </p:extLst>
   </p:cSld>
   <p:clrMapOvr>
     <a:masterClrMapping/>
@@ -6020,6 +5882,7 @@
               <a:rPr lang="zh-CN" altLang="en-US" smtClean="0"/>
               <a:t>单击此处编辑母版文本样式</a:t>
             </a:r>
+            <a:endParaRPr lang="zh-CN" altLang="en-US" smtClean="0"/>
           </a:p>
           <a:p>
             <a:pPr lvl="1"/>
@@ -6027,6 +5890,7 @@
               <a:rPr lang="zh-CN" altLang="en-US" smtClean="0"/>
               <a:t>第二级</a:t>
             </a:r>
+            <a:endParaRPr lang="zh-CN" altLang="en-US" smtClean="0"/>
           </a:p>
           <a:p>
             <a:pPr lvl="2"/>
@@ -6034,6 +5898,7 @@
               <a:rPr lang="zh-CN" altLang="en-US" smtClean="0"/>
               <a:t>第三级</a:t>
             </a:r>
+            <a:endParaRPr lang="zh-CN" altLang="en-US" smtClean="0"/>
           </a:p>
           <a:p>
             <a:pPr lvl="3"/>
@@ -6041,6 +5906,7 @@
               <a:rPr lang="zh-CN" altLang="en-US" smtClean="0"/>
               <a:t>第四级</a:t>
             </a:r>
+            <a:endParaRPr lang="zh-CN" altLang="en-US" smtClean="0"/>
           </a:p>
           <a:p>
             <a:pPr lvl="4"/>
@@ -6134,7 +6000,6 @@
           <a:p>
             <a:fld id="{CC7595C5-1733-42E2-873F-A506DDDE3CF3}" type="datetimeFigureOut">
               <a:rPr lang="zh-CN" altLang="en-US" smtClean="0"/>
-              <a:t>2017/8/10</a:t>
             </a:fld>
             <a:endParaRPr lang="zh-CN" altLang="en-US"/>
           </a:p>
@@ -6258,18 +6123,12 @@
           <a:p>
             <a:fld id="{D4C11F7C-FCE3-4A16-9A67-0524B3D2A93B}" type="slidenum">
               <a:rPr lang="zh-CN" altLang="en-US" smtClean="0"/>
-              <a:t>‹#›</a:t>
             </a:fld>
             <a:endParaRPr lang="zh-CN" altLang="en-US"/>
           </a:p>
         </p:txBody>
       </p:sp>
     </p:spTree>
-    <p:extLst>
-      <p:ext uri="{BB962C8B-B14F-4D97-AF65-F5344CB8AC3E}">
-        <p14:creationId xmlns:p14="http://schemas.microsoft.com/office/powerpoint/2010/main" val="3659200077"/>
-      </p:ext>
-    </p:extLst>
   </p:cSld>
   <p:clrMapOvr>
     <a:masterClrMapping/>
@@ -6479,7 +6338,6 @@
           <a:p>
             <a:fld id="{CC7595C5-1733-42E2-873F-A506DDDE3CF3}" type="datetimeFigureOut">
               <a:rPr lang="zh-CN" altLang="en-US" smtClean="0"/>
-              <a:t>2017/8/10</a:t>
             </a:fld>
             <a:endParaRPr lang="zh-CN" altLang="en-US"/>
           </a:p>
@@ -6608,18 +6466,12 @@
           <a:p>
             <a:fld id="{D4C11F7C-FCE3-4A16-9A67-0524B3D2A93B}" type="slidenum">
               <a:rPr lang="zh-CN" altLang="en-US" smtClean="0"/>
-              <a:t>‹#›</a:t>
             </a:fld>
             <a:endParaRPr lang="zh-CN" altLang="en-US"/>
           </a:p>
         </p:txBody>
       </p:sp>
     </p:spTree>
-    <p:extLst>
-      <p:ext uri="{BB962C8B-B14F-4D97-AF65-F5344CB8AC3E}">
-        <p14:creationId xmlns:p14="http://schemas.microsoft.com/office/powerpoint/2010/main" val="1308284921"/>
-      </p:ext>
-    </p:extLst>
   </p:cSld>
   <p:clrMapOvr>
     <a:masterClrMapping/>
@@ -8529,6 +8381,7 @@
               <a:rPr lang="zh-CN" altLang="en-US" smtClean="0"/>
               <a:t>单击此处编辑母版文本样式</a:t>
             </a:r>
+            <a:endParaRPr lang="zh-CN" altLang="en-US" smtClean="0"/>
           </a:p>
           <a:p>
             <a:pPr lvl="1"/>
@@ -8536,6 +8389,7 @@
               <a:rPr lang="zh-CN" altLang="en-US" smtClean="0"/>
               <a:t>第二级</a:t>
             </a:r>
+            <a:endParaRPr lang="zh-CN" altLang="en-US" smtClean="0"/>
           </a:p>
           <a:p>
             <a:pPr lvl="2"/>
@@ -8543,6 +8397,7 @@
               <a:rPr lang="zh-CN" altLang="en-US" smtClean="0"/>
               <a:t>第三级</a:t>
             </a:r>
+            <a:endParaRPr lang="zh-CN" altLang="en-US" smtClean="0"/>
           </a:p>
           <a:p>
             <a:pPr lvl="3"/>
@@ -8550,6 +8405,7 @@
               <a:rPr lang="zh-CN" altLang="en-US" smtClean="0"/>
               <a:t>第四级</a:t>
             </a:r>
+            <a:endParaRPr lang="zh-CN" altLang="en-US" smtClean="0"/>
           </a:p>
           <a:p>
             <a:pPr lvl="4"/>
@@ -8596,7 +8452,6 @@
           <a:p>
             <a:fld id="{CC7595C5-1733-42E2-873F-A506DDDE3CF3}" type="datetimeFigureOut">
               <a:rPr lang="zh-CN" altLang="en-US" smtClean="0"/>
-              <a:t>2017/8/10</a:t>
             </a:fld>
             <a:endParaRPr lang="zh-CN" altLang="en-US"/>
           </a:p>
@@ -8672,37 +8527,31 @@
           <a:p>
             <a:fld id="{D4C11F7C-FCE3-4A16-9A67-0524B3D2A93B}" type="slidenum">
               <a:rPr lang="zh-CN" altLang="en-US" smtClean="0"/>
-              <a:t>‹#›</a:t>
             </a:fld>
             <a:endParaRPr lang="zh-CN" altLang="en-US"/>
           </a:p>
         </p:txBody>
       </p:sp>
     </p:spTree>
-    <p:extLst>
-      <p:ext uri="{BB962C8B-B14F-4D97-AF65-F5344CB8AC3E}">
-        <p14:creationId xmlns:p14="http://schemas.microsoft.com/office/powerpoint/2010/main" val="1121043313"/>
-      </p:ext>
-    </p:extLst>
   </p:cSld>
   <p:clrMap bg1="lt1" tx1="dk1" bg2="lt2" tx2="dk2" accent1="accent1" accent2="accent2" accent3="accent3" accent4="accent4" accent5="accent5" accent6="accent6" hlink="hlink" folHlink="folHlink"/>
   <p:sldLayoutIdLst>
-    <p:sldLayoutId id="2147483729" r:id="rId1"/>
-    <p:sldLayoutId id="2147483730" r:id="rId2"/>
-    <p:sldLayoutId id="2147483731" r:id="rId3"/>
-    <p:sldLayoutId id="2147483732" r:id="rId4"/>
-    <p:sldLayoutId id="2147483733" r:id="rId5"/>
-    <p:sldLayoutId id="2147483734" r:id="rId6"/>
-    <p:sldLayoutId id="2147483735" r:id="rId7"/>
-    <p:sldLayoutId id="2147483736" r:id="rId8"/>
-    <p:sldLayoutId id="2147483737" r:id="rId9"/>
-    <p:sldLayoutId id="2147483738" r:id="rId10"/>
-    <p:sldLayoutId id="2147483739" r:id="rId11"/>
-    <p:sldLayoutId id="2147483740" r:id="rId12"/>
-    <p:sldLayoutId id="2147483741" r:id="rId13"/>
-    <p:sldLayoutId id="2147483742" r:id="rId14"/>
-    <p:sldLayoutId id="2147483743" r:id="rId15"/>
-    <p:sldLayoutId id="2147483744" r:id="rId16"/>
+    <p:sldLayoutId id="2147483649" r:id="rId1"/>
+    <p:sldLayoutId id="2147483650" r:id="rId2"/>
+    <p:sldLayoutId id="2147483651" r:id="rId3"/>
+    <p:sldLayoutId id="2147483652" r:id="rId4"/>
+    <p:sldLayoutId id="2147483653" r:id="rId5"/>
+    <p:sldLayoutId id="2147483654" r:id="rId6"/>
+    <p:sldLayoutId id="2147483655" r:id="rId7"/>
+    <p:sldLayoutId id="2147483656" r:id="rId8"/>
+    <p:sldLayoutId id="2147483657" r:id="rId9"/>
+    <p:sldLayoutId id="2147483658" r:id="rId10"/>
+    <p:sldLayoutId id="2147483659" r:id="rId11"/>
+    <p:sldLayoutId id="2147483660" r:id="rId12"/>
+    <p:sldLayoutId id="2147483661" r:id="rId13"/>
+    <p:sldLayoutId id="2147483662" r:id="rId14"/>
+    <p:sldLayoutId id="2147483663" r:id="rId15"/>
+    <p:sldLayoutId id="2147483664" r:id="rId16"/>
   </p:sldLayoutIdLst>
   <p:txStyles>
     <p:titleStyle>
@@ -9189,11 +9038,6 @@
         </p:txBody>
       </p:sp>
     </p:spTree>
-    <p:extLst>
-      <p:ext uri="{BB962C8B-B14F-4D97-AF65-F5344CB8AC3E}">
-        <p14:creationId xmlns:p14="http://schemas.microsoft.com/office/powerpoint/2010/main" val="4107817809"/>
-      </p:ext>
-    </p:extLst>
   </p:cSld>
   <p:clrMapOvr>
     <a:masterClrMapping/>
@@ -9262,7 +9106,7 @@
           <p:nvPr/>
         </p:nvPicPr>
         <p:blipFill>
-          <a:blip r:embed="rId3"/>
+          <a:blip r:embed="rId1"/>
           <a:stretch>
             <a:fillRect/>
           </a:stretch>
@@ -9278,11 +9122,6 @@
         </p:spPr>
       </p:pic>
     </p:spTree>
-    <p:extLst>
-      <p:ext uri="{BB962C8B-B14F-4D97-AF65-F5344CB8AC3E}">
-        <p14:creationId xmlns:p14="http://schemas.microsoft.com/office/powerpoint/2010/main" val="1751052455"/>
-      </p:ext>
-    </p:extLst>
   </p:cSld>
   <p:clrMapOvr>
     <a:masterClrMapping/>
@@ -9364,6 +9203,10 @@
           </a:bodyPr>
           <a:lstStyle/>
           <a:p>
+            <a:pPr>
+              <a:buFont typeface="Wingdings" charset="0"/>
+              <a:buChar char="Ø"/>
+            </a:pPr>
             <a:r>
               <a:rPr lang="zh-CN" altLang="en-US" dirty="0" smtClean="0"/>
               <a:t>浏览器</a:t>
@@ -9371,27 +9214,59 @@
             <a:endParaRPr lang="en-US" altLang="zh-CN" dirty="0" smtClean="0"/>
           </a:p>
           <a:p>
+            <a:pPr>
+              <a:buFont typeface="Wingdings" charset="0"/>
+              <a:buChar char="Ø"/>
+            </a:pPr>
             <a:endParaRPr lang="en-US" altLang="zh-CN" dirty="0"/>
           </a:p>
           <a:p>
+            <a:pPr>
+              <a:buFont typeface="Wingdings" charset="0"/>
+              <a:buChar char="Ø"/>
+            </a:pPr>
             <a:endParaRPr lang="en-US" altLang="zh-CN" dirty="0" smtClean="0"/>
           </a:p>
           <a:p>
+            <a:pPr>
+              <a:buFont typeface="Wingdings" charset="0"/>
+              <a:buChar char="Ø"/>
+            </a:pPr>
             <a:endParaRPr lang="en-US" altLang="zh-CN" dirty="0"/>
           </a:p>
           <a:p>
+            <a:pPr>
+              <a:buFont typeface="Wingdings" charset="0"/>
+              <a:buChar char="Ø"/>
+            </a:pPr>
             <a:endParaRPr lang="en-US" altLang="zh-CN" dirty="0" smtClean="0"/>
           </a:p>
           <a:p>
+            <a:pPr>
+              <a:buFont typeface="Wingdings" charset="0"/>
+              <a:buChar char="Ø"/>
+            </a:pPr>
             <a:endParaRPr lang="en-US" altLang="zh-CN" dirty="0"/>
           </a:p>
           <a:p>
+            <a:pPr>
+              <a:buFont typeface="Wingdings" charset="0"/>
+              <a:buChar char="Ø"/>
+            </a:pPr>
             <a:endParaRPr lang="en-US" altLang="zh-CN" dirty="0" smtClean="0"/>
           </a:p>
           <a:p>
+            <a:pPr>
+              <a:buFont typeface="Wingdings" charset="0"/>
+              <a:buChar char="Ø"/>
+            </a:pPr>
             <a:endParaRPr lang="en-US" altLang="zh-CN" dirty="0"/>
           </a:p>
           <a:p>
+            <a:pPr>
+              <a:buFont typeface="Wingdings" charset="0"/>
+              <a:buChar char="Ø"/>
+            </a:pPr>
             <a:r>
               <a:rPr lang="zh-CN" altLang="en-US" dirty="0" smtClean="0"/>
               <a:t>磁盘</a:t>
@@ -9399,7 +9274,10 @@
             <a:endParaRPr lang="en-US" altLang="zh-CN" dirty="0" smtClean="0"/>
           </a:p>
           <a:p>
-            <a:pPr lvl="1"/>
+            <a:pPr lvl="1">
+              <a:buFont typeface="Wingdings" charset="0"/>
+              <a:buChar char="Ø"/>
+            </a:pPr>
             <a:r>
               <a:rPr lang="en-US" altLang="zh-CN" sz="1400" dirty="0" smtClean="0"/>
               <a:t>IE</a:t>
@@ -9420,9 +9298,13 @@
               <a:rPr lang="en-US" altLang="zh-CN" sz="1200" dirty="0" smtClean="0"/>
               <a:t>\</a:t>
             </a:r>
-          </a:p>
-          <a:p>
-            <a:pPr lvl="1"/>
+            <a:endParaRPr lang="en-US" altLang="zh-CN" sz="1200" dirty="0" smtClean="0"/>
+          </a:p>
+          <a:p>
+            <a:pPr lvl="1">
+              <a:buFont typeface="Wingdings" charset="0"/>
+              <a:buChar char="Ø"/>
+            </a:pPr>
             <a:r>
               <a:rPr lang="en-US" altLang="zh-CN" sz="1200" dirty="0"/>
               <a:t>Chrome</a:t>
@@ -9450,7 +9332,10 @@
             <a:endParaRPr lang="en-US" altLang="zh-CN" sz="1200" dirty="0" smtClean="0"/>
           </a:p>
           <a:p>
-            <a:pPr lvl="1"/>
+            <a:pPr lvl="1">
+              <a:buFont typeface="Wingdings" charset="0"/>
+              <a:buChar char="Ø"/>
+            </a:pPr>
             <a:r>
               <a:rPr lang="en-US" altLang="zh-CN" sz="1200" dirty="0" smtClean="0"/>
               <a:t>Firefox</a:t>
@@ -9478,7 +9363,10 @@
             <a:endParaRPr lang="en-US" altLang="zh-CN" sz="1200" dirty="0" smtClean="0"/>
           </a:p>
           <a:p>
-            <a:pPr lvl="1"/>
+            <a:pPr lvl="1">
+              <a:buFont typeface="Wingdings" charset="0"/>
+              <a:buChar char="Ø"/>
+            </a:pPr>
             <a:endParaRPr lang="zh-CN" altLang="en-US" dirty="0"/>
           </a:p>
         </p:txBody>
@@ -9492,7 +9380,7 @@
           <p:nvPr/>
         </p:nvPicPr>
         <p:blipFill>
-          <a:blip r:embed="rId3"/>
+          <a:blip r:embed="rId1"/>
           <a:stretch>
             <a:fillRect/>
           </a:stretch>
@@ -9508,11 +9396,6 @@
         </p:spPr>
       </p:pic>
     </p:spTree>
-    <p:extLst>
-      <p:ext uri="{BB962C8B-B14F-4D97-AF65-F5344CB8AC3E}">
-        <p14:creationId xmlns:p14="http://schemas.microsoft.com/office/powerpoint/2010/main" val="1477178624"/>
-      </p:ext>
-    </p:extLst>
   </p:cSld>
   <p:clrMapOvr>
     <a:masterClrMapping/>
@@ -9586,6 +9469,7 @@
           <a:lstStyle/>
           <a:p>
             <a:pPr marL="0" indent="0">
+              <a:buFont typeface="Wingdings" charset="0"/>
               <a:buNone/>
             </a:pPr>
             <a:r>
@@ -9596,14 +9480,24 @@
               <a:rPr lang="en-US" altLang="zh-CN" dirty="0" smtClean="0"/>
               <a:t>class</a:t>
             </a:r>
-          </a:p>
-          <a:p>
+            <a:endParaRPr lang="en-US" altLang="zh-CN" dirty="0" smtClean="0"/>
+          </a:p>
+          <a:p>
+            <a:pPr>
+              <a:buFont typeface="Wingdings" charset="0"/>
+              <a:buChar char="Ø"/>
+            </a:pPr>
             <a:r>
               <a:rPr lang="en-US" altLang="zh-CN" dirty="0" smtClean="0"/>
               <a:t>Entry</a:t>
             </a:r>
-          </a:p>
-          <a:p>
+            <a:endParaRPr lang="en-US" altLang="zh-CN" dirty="0" smtClean="0"/>
+          </a:p>
+          <a:p>
+            <a:pPr>
+              <a:buFont typeface="Wingdings" charset="0"/>
+              <a:buChar char="Ø"/>
+            </a:pPr>
             <a:r>
               <a:rPr lang="en-US" altLang="zh-CN" dirty="0" err="1"/>
               <a:t>FileEntry</a:t>
@@ -9611,6 +9505,10 @@
             <a:endParaRPr lang="en-US" altLang="zh-CN" dirty="0"/>
           </a:p>
           <a:p>
+            <a:pPr>
+              <a:buFont typeface="Wingdings" charset="0"/>
+              <a:buChar char="Ø"/>
+            </a:pPr>
             <a:r>
               <a:rPr lang="en-US" altLang="zh-CN" dirty="0" err="1"/>
               <a:t>DirectoryEntry</a:t>
@@ -9618,6 +9516,10 @@
             <a:endParaRPr lang="en-US" altLang="zh-CN" dirty="0"/>
           </a:p>
           <a:p>
+            <a:pPr>
+              <a:buFont typeface="Wingdings" charset="0"/>
+              <a:buChar char="Ø"/>
+            </a:pPr>
             <a:r>
               <a:rPr lang="en-US" altLang="zh-CN" dirty="0" err="1"/>
               <a:t>FileSystem</a:t>
@@ -9625,6 +9527,10 @@
             <a:endParaRPr lang="en-US" altLang="zh-CN" dirty="0"/>
           </a:p>
           <a:p>
+            <a:pPr>
+              <a:buFont typeface="Wingdings" charset="0"/>
+              <a:buChar char="Ø"/>
+            </a:pPr>
             <a:r>
               <a:rPr lang="en-US" altLang="zh-CN" dirty="0" err="1"/>
               <a:t>ReaderUtil</a:t>
@@ -9898,8 +9804,8 @@
         </p:nvSpPr>
         <p:spPr>
           <a:xfrm>
-            <a:off x="8491266" y="4285650"/>
-            <a:ext cx="1407543" cy="327804"/>
+            <a:off x="8340090" y="4287520"/>
+            <a:ext cx="1559560" cy="375285"/>
           </a:xfrm>
           <a:prstGeom prst="rect">
             <a:avLst/>
@@ -9923,9 +9829,6 @@
         </p:style>
         <p:txBody>
           <a:bodyPr rot="0" spcFirstLastPara="0" vert="horz" wrap="square" lIns="91440" tIns="45720" rIns="91440" bIns="45720" numCol="1" spcCol="0" rtlCol="0" fromWordArt="0" anchor="ctr" anchorCtr="0" forceAA="0" compatLnSpc="1">
-            <a:prstTxWarp prst="textNoShape">
-              <a:avLst/>
-            </a:prstTxWarp>
             <a:noAutofit/>
           </a:bodyPr>
           <a:lstStyle>
@@ -10362,11 +10265,6 @@
         </p:style>
       </p:cxnSp>
     </p:spTree>
-    <p:extLst>
-      <p:ext uri="{BB962C8B-B14F-4D97-AF65-F5344CB8AC3E}">
-        <p14:creationId xmlns:p14="http://schemas.microsoft.com/office/powerpoint/2010/main" val="710184817"/>
-      </p:ext>
-    </p:extLst>
   </p:cSld>
   <p:clrMapOvr>
     <a:masterClrMapping/>
@@ -10436,6 +10334,10 @@
           <a:bodyPr/>
           <a:lstStyle/>
           <a:p>
+            <a:pPr>
+              <a:buFont typeface="Wingdings" charset="0"/>
+              <a:buChar char="Ø"/>
+            </a:pPr>
             <a:r>
               <a:rPr lang="en-US" altLang="zh-CN" dirty="0" err="1" smtClean="0"/>
               <a:t>getMetadata</a:t>
@@ -10460,8 +10362,13 @@
               <a:rPr lang="en-US" altLang="zh-CN" dirty="0" smtClean="0"/>
               <a:t>size</a:t>
             </a:r>
-          </a:p>
-          <a:p>
+            <a:endParaRPr lang="en-US" altLang="zh-CN" dirty="0" smtClean="0"/>
+          </a:p>
+          <a:p>
+            <a:pPr>
+              <a:buFont typeface="Wingdings" charset="0"/>
+              <a:buChar char="Ø"/>
+            </a:pPr>
             <a:r>
               <a:rPr lang="en-US" altLang="zh-CN" dirty="0" err="1" smtClean="0"/>
               <a:t>moveTo</a:t>
@@ -10477,6 +10384,10 @@
             <a:endParaRPr lang="en-US" altLang="zh-CN" dirty="0" smtClean="0"/>
           </a:p>
           <a:p>
+            <a:pPr>
+              <a:buFont typeface="Wingdings" charset="0"/>
+              <a:buChar char="Ø"/>
+            </a:pPr>
             <a:r>
               <a:rPr lang="en-US" altLang="zh-CN" dirty="0" err="1" smtClean="0"/>
               <a:t>copyTo</a:t>
@@ -10492,6 +10403,10 @@
             <a:endParaRPr lang="en-US" altLang="zh-CN" dirty="0" smtClean="0"/>
           </a:p>
           <a:p>
+            <a:pPr>
+              <a:buFont typeface="Wingdings" charset="0"/>
+              <a:buChar char="Ø"/>
+            </a:pPr>
             <a:r>
               <a:rPr lang="en-US" altLang="zh-CN" dirty="0" err="1" smtClean="0"/>
               <a:t>toURL</a:t>
@@ -10524,9 +10439,11 @@
               <a:rPr lang="en-US" altLang="zh-CN" dirty="0" smtClean="0"/>
               <a:t>]</a:t>
             </a:r>
+            <a:endParaRPr lang="en-US" altLang="zh-CN" dirty="0" smtClean="0"/>
           </a:p>
           <a:p>
             <a:pPr marL="0" indent="0">
+              <a:buFont typeface="Wingdings" charset="0"/>
               <a:buNone/>
             </a:pPr>
             <a:r>
@@ -10535,7 +10452,7 @@
             </a:r>
             <a:r>
               <a:rPr lang="en-US" altLang="zh-CN" dirty="0" smtClean="0"/>
-              <a:t>                  </a:t>
+              <a:t>            </a:t>
             </a:r>
             <a:r>
               <a:rPr lang="zh-CN" altLang="en-US" dirty="0" smtClean="0"/>
@@ -10557,8 +10474,13 @@
               <a:rPr lang="en-US" altLang="zh-CN" sz="1400" dirty="0" smtClean="0"/>
               <a:t>xiangwenhu.github.io/652c7cfa-616b-4288-aaee-c30c37768237</a:t>
             </a:r>
-          </a:p>
-          <a:p>
+            <a:endParaRPr lang="en-US" altLang="zh-CN" sz="1400" dirty="0" smtClean="0"/>
+          </a:p>
+          <a:p>
+            <a:pPr>
+              <a:buFont typeface="Wingdings" charset="0"/>
+              <a:buChar char="Ø"/>
+            </a:pPr>
             <a:r>
               <a:rPr lang="en-US" altLang="zh-CN" dirty="0" smtClean="0"/>
               <a:t>remove</a:t>
@@ -10570,6 +10492,10 @@
             <a:endParaRPr lang="en-US" altLang="zh-CN" dirty="0" smtClean="0"/>
           </a:p>
           <a:p>
+            <a:pPr>
+              <a:buFont typeface="Wingdings" charset="0"/>
+              <a:buChar char="Ø"/>
+            </a:pPr>
             <a:r>
               <a:rPr lang="en-US" altLang="zh-CN" dirty="0" err="1" smtClean="0"/>
               <a:t>getParent</a:t>
@@ -10586,11 +10512,6 @@
         </p:txBody>
       </p:sp>
     </p:spTree>
-    <p:extLst>
-      <p:ext uri="{BB962C8B-B14F-4D97-AF65-F5344CB8AC3E}">
-        <p14:creationId xmlns:p14="http://schemas.microsoft.com/office/powerpoint/2010/main" val="2573165693"/>
-      </p:ext>
-    </p:extLst>
   </p:cSld>
   <p:clrMapOvr>
     <a:masterClrMapping/>
@@ -10660,6 +10581,10 @@
           <a:bodyPr/>
           <a:lstStyle/>
           <a:p>
+            <a:pPr>
+              <a:buFont typeface="Wingdings" charset="0"/>
+              <a:buChar char="Ø"/>
+            </a:pPr>
             <a:r>
               <a:rPr lang="en-US" altLang="zh-CN" dirty="0" smtClean="0"/>
               <a:t>write</a:t>
@@ -10671,6 +10596,10 @@
             <a:endParaRPr lang="en-US" altLang="zh-CN" dirty="0" smtClean="0"/>
           </a:p>
           <a:p>
+            <a:pPr>
+              <a:buFont typeface="Wingdings" charset="0"/>
+              <a:buChar char="Ø"/>
+            </a:pPr>
             <a:r>
               <a:rPr lang="en-US" altLang="zh-CN" dirty="0" err="1" smtClean="0"/>
               <a:t>getBlob</a:t>
@@ -10690,6 +10619,10 @@
             <a:endParaRPr lang="en-US" altLang="zh-CN" dirty="0"/>
           </a:p>
           <a:p>
+            <a:pPr>
+              <a:buFont typeface="Wingdings" charset="0"/>
+              <a:buChar char="Ø"/>
+            </a:pPr>
             <a:r>
               <a:rPr lang="en-US" altLang="zh-CN" dirty="0" err="1" smtClean="0"/>
               <a:t>readAsArrayBuffer</a:t>
@@ -10725,6 +10658,10 @@
             <a:endParaRPr lang="en-US" altLang="zh-CN" dirty="0"/>
           </a:p>
           <a:p>
+            <a:pPr>
+              <a:buFont typeface="Wingdings" charset="0"/>
+              <a:buChar char="Ø"/>
+            </a:pPr>
             <a:r>
               <a:rPr lang="en-US" altLang="zh-CN" dirty="0" err="1" smtClean="0"/>
               <a:t>readAsBinaryString</a:t>
@@ -10756,6 +10693,10 @@
             <a:endParaRPr lang="en-US" altLang="zh-CN" dirty="0"/>
           </a:p>
           <a:p>
+            <a:pPr>
+              <a:buFont typeface="Wingdings" charset="0"/>
+              <a:buChar char="Ø"/>
+            </a:pPr>
             <a:r>
               <a:rPr lang="en-US" altLang="zh-CN" dirty="0" err="1" smtClean="0"/>
               <a:t>readAsDataURL</a:t>
@@ -10787,6 +10728,10 @@
             <a:endParaRPr lang="en-US" altLang="zh-CN" dirty="0"/>
           </a:p>
           <a:p>
+            <a:pPr>
+              <a:buFont typeface="Wingdings" charset="0"/>
+              <a:buChar char="Ø"/>
+            </a:pPr>
             <a:r>
               <a:rPr lang="en-US" altLang="zh-CN" dirty="0" err="1" smtClean="0"/>
               <a:t>readAsText</a:t>
@@ -10829,11 +10774,6 @@
         </p:txBody>
       </p:sp>
     </p:spTree>
-    <p:extLst>
-      <p:ext uri="{BB962C8B-B14F-4D97-AF65-F5344CB8AC3E}">
-        <p14:creationId xmlns:p14="http://schemas.microsoft.com/office/powerpoint/2010/main" val="1538046023"/>
-      </p:ext>
-    </p:extLst>
   </p:cSld>
   <p:clrMapOvr>
     <a:masterClrMapping/>
@@ -10903,6 +10843,10 @@
           <a:bodyPr/>
           <a:lstStyle/>
           <a:p>
+            <a:pPr>
+              <a:buFont typeface="Wingdings" charset="0"/>
+              <a:buChar char="Ø"/>
+            </a:pPr>
             <a:r>
               <a:rPr lang="en-US" altLang="zh-CN" dirty="0" err="1" smtClean="0"/>
               <a:t>getFile</a:t>
@@ -10914,6 +10858,10 @@
             <a:endParaRPr lang="en-US" altLang="zh-CN" dirty="0"/>
           </a:p>
           <a:p>
+            <a:pPr>
+              <a:buFont typeface="Wingdings" charset="0"/>
+              <a:buChar char="Ø"/>
+            </a:pPr>
             <a:r>
               <a:rPr lang="en-US" altLang="zh-CN" dirty="0" err="1" smtClean="0"/>
               <a:t>getDirectory</a:t>
@@ -10925,6 +10873,10 @@
             <a:endParaRPr lang="en-US" altLang="zh-CN" dirty="0"/>
           </a:p>
           <a:p>
+            <a:pPr>
+              <a:buFont typeface="Wingdings" charset="0"/>
+              <a:buChar char="Ø"/>
+            </a:pPr>
             <a:r>
               <a:rPr lang="en-US" altLang="zh-CN" dirty="0"/>
               <a:t>r</a:t>
@@ -10940,6 +10892,10 @@
             <a:endParaRPr lang="en-US" altLang="zh-CN" dirty="0"/>
           </a:p>
           <a:p>
+            <a:pPr>
+              <a:buFont typeface="Wingdings" charset="0"/>
+              <a:buChar char="Ø"/>
+            </a:pPr>
             <a:r>
               <a:rPr lang="en-US" altLang="zh-CN" dirty="0" err="1" smtClean="0"/>
               <a:t>getEntries</a:t>
@@ -10956,11 +10912,6 @@
         </p:txBody>
       </p:sp>
     </p:spTree>
-    <p:extLst>
-      <p:ext uri="{BB962C8B-B14F-4D97-AF65-F5344CB8AC3E}">
-        <p14:creationId xmlns:p14="http://schemas.microsoft.com/office/powerpoint/2010/main" val="3217527126"/>
-      </p:ext>
-    </p:extLst>
   </p:cSld>
   <p:clrMapOvr>
     <a:masterClrMapping/>
@@ -11030,6 +10981,10 @@
           <a:bodyPr/>
           <a:lstStyle/>
           <a:p>
+            <a:pPr>
+              <a:buFont typeface="Wingdings" charset="0"/>
+              <a:buChar char="Ø"/>
+            </a:pPr>
             <a:r>
               <a:rPr lang="en-US" altLang="zh-CN" dirty="0" smtClean="0"/>
               <a:t>Pdf</a:t>
@@ -11037,12 +10992,35 @@
             <a:r>
               <a:rPr lang="zh-CN" altLang="en-US" dirty="0" smtClean="0"/>
               <a:t>文件缓存：例子</a:t>
+            </a:r>
+            <a:r>
+              <a:rPr lang="en-US" altLang="zh-CN" dirty="0">
+                <a:hlinkClick r:id="rId1"/>
+              </a:rPr>
+              <a:t>https://babydairy2017.cloudapp.net:8082</a:t>
+            </a:r>
+            <a:r>
+              <a:rPr lang="en-US" altLang="zh-CN" dirty="0" smtClean="0">
+                <a:hlinkClick r:id="rId1"/>
+              </a:rPr>
+              <a:t>/</a:t>
+            </a:r>
+            <a:endParaRPr lang="en-US" altLang="zh-CN" dirty="0" smtClean="0"/>
+          </a:p>
+          <a:p>
+            <a:pPr>
+              <a:buFont typeface="Wingdings" charset="0"/>
+              <a:buChar char="Ø"/>
+            </a:pPr>
+            <a:r>
+              <a:rPr lang="zh-CN" altLang="en-US" dirty="0" smtClean="0"/>
+              <a:t>音乐缓存：</a:t>
             </a:r>
             <a:r>
               <a:rPr lang="en-US" altLang="zh-CN" dirty="0">
                 <a:hlinkClick r:id="rId2"/>
               </a:rPr>
-              <a:t>https://babydairy2017.cloudapp.net:8082</a:t>
+              <a:t>https://babydairy2017.cloudapp.net:8084</a:t>
             </a:r>
             <a:r>
               <a:rPr lang="en-US" altLang="zh-CN" dirty="0" smtClean="0">
@@ -11053,25 +11031,10 @@
             <a:endParaRPr lang="en-US" altLang="zh-CN" dirty="0" smtClean="0"/>
           </a:p>
           <a:p>
-            <a:r>
-              <a:rPr lang="zh-CN" altLang="en-US" dirty="0" smtClean="0"/>
-              <a:t>音乐缓存：</a:t>
-            </a:r>
-            <a:r>
-              <a:rPr lang="en-US" altLang="zh-CN" dirty="0">
-                <a:hlinkClick r:id="rId3"/>
-              </a:rPr>
-              <a:t>https://babydairy2017.cloudapp.net:8084</a:t>
-            </a:r>
-            <a:r>
-              <a:rPr lang="en-US" altLang="zh-CN" dirty="0" smtClean="0">
-                <a:hlinkClick r:id="rId3"/>
-              </a:rPr>
-              <a:t>/</a:t>
-            </a:r>
-            <a:endParaRPr lang="en-US" altLang="zh-CN" dirty="0" smtClean="0"/>
-          </a:p>
-          <a:p>
+            <a:pPr>
+              <a:buFont typeface="Wingdings" charset="0"/>
+              <a:buChar char="Ø"/>
+            </a:pPr>
             <a:r>
               <a:rPr lang="zh-CN" altLang="en-US" dirty="0" smtClean="0"/>
               <a:t>静态资源缓存：</a:t>
@@ -11079,6 +11042,10 @@
             <a:endParaRPr lang="en-US" altLang="zh-CN" dirty="0" smtClean="0"/>
           </a:p>
           <a:p>
+            <a:pPr>
+              <a:buFont typeface="Wingdings" charset="0"/>
+              <a:buChar char="Ø"/>
+            </a:pPr>
             <a:r>
               <a:rPr lang="zh-CN" altLang="en-US" dirty="0" smtClean="0"/>
               <a:t>离线记事本</a:t>
@@ -11087,12 +11054,18 @@
               <a:rPr lang="en-US" altLang="zh-CN" dirty="0" smtClean="0"/>
               <a:t>:</a:t>
             </a:r>
-          </a:p>
-          <a:p>
+            <a:endParaRPr lang="en-US" altLang="zh-CN" dirty="0" smtClean="0"/>
+          </a:p>
+          <a:p>
+            <a:pPr>
+              <a:buFont typeface="Wingdings" charset="0"/>
+              <a:buChar char="Ø"/>
+            </a:pPr>
             <a:r>
               <a:rPr lang="en-US" altLang="zh-CN" dirty="0" smtClean="0"/>
               <a:t>……</a:t>
             </a:r>
+            <a:endParaRPr lang="en-US" altLang="zh-CN" dirty="0" smtClean="0"/>
           </a:p>
           <a:p>
             <a:endParaRPr lang="zh-CN" altLang="en-US" dirty="0"/>
@@ -11100,11 +11073,6 @@
         </p:txBody>
       </p:sp>
     </p:spTree>
-    <p:extLst>
-      <p:ext uri="{BB962C8B-B14F-4D97-AF65-F5344CB8AC3E}">
-        <p14:creationId xmlns:p14="http://schemas.microsoft.com/office/powerpoint/2010/main" val="2099359365"/>
-      </p:ext>
-    </p:extLst>
   </p:cSld>
   <p:clrMapOvr>
     <a:masterClrMapping/>
@@ -11167,6 +11135,10 @@
           <a:bodyPr/>
           <a:lstStyle/>
           <a:p>
+            <a:pPr marL="285750" indent="-285750">
+              <a:buFont typeface="Wingdings" charset="0"/>
+              <a:buChar char="Ø"/>
+            </a:pPr>
             <a:r>
               <a:rPr lang="zh-CN" altLang="en-US" dirty="0" smtClean="0"/>
               <a:t>单表设计，</a:t>
@@ -11186,6 +11158,10 @@
             <a:endParaRPr lang="en-US" altLang="zh-CN" dirty="0" smtClean="0"/>
           </a:p>
           <a:p>
+            <a:pPr marL="285750" indent="-285750">
+              <a:buFont typeface="Wingdings" charset="0"/>
+              <a:buChar char="Ø"/>
+            </a:pPr>
             <a:r>
               <a:rPr lang="en-US" altLang="zh-CN" dirty="0"/>
               <a:t>p</a:t>
@@ -11202,8 +11178,13 @@
               <a:rPr lang="en-US" altLang="zh-CN" dirty="0" smtClean="0"/>
               <a:t>88%</a:t>
             </a:r>
-          </a:p>
-          <a:p>
+            <a:endParaRPr lang="en-US" altLang="zh-CN" dirty="0" smtClean="0"/>
+          </a:p>
+          <a:p>
+            <a:pPr marL="285750" indent="-285750">
+              <a:buFont typeface="Wingdings" charset="0"/>
+              <a:buChar char="Ø"/>
+            </a:pPr>
             <a:r>
               <a:rPr lang="en-US" altLang="zh-CN" dirty="0"/>
               <a:t>m</a:t>
@@ -11219,6 +11200,10 @@
             <a:endParaRPr lang="en-US" altLang="zh-CN" dirty="0" smtClean="0"/>
           </a:p>
           <a:p>
+            <a:pPr marL="285750" indent="-285750">
+              <a:buFont typeface="Wingdings" charset="0"/>
+              <a:buChar char="Ø"/>
+            </a:pPr>
             <a:r>
               <a:rPr lang="en-US" altLang="zh-CN" dirty="0"/>
               <a:t>a</a:t>
@@ -11234,6 +11219,10 @@
             <a:endParaRPr lang="en-US" altLang="zh-CN" dirty="0" smtClean="0"/>
           </a:p>
           <a:p>
+            <a:pPr marL="285750" indent="-285750">
+              <a:buFont typeface="Wingdings" charset="0"/>
+              <a:buChar char="Ø"/>
+            </a:pPr>
             <a:r>
               <a:rPr lang="zh-CN" altLang="en-US" dirty="0"/>
               <a:t>大</a:t>
@@ -11250,11 +11239,6 @@
         </p:txBody>
       </p:sp>
     </p:spTree>
-    <p:extLst>
-      <p:ext uri="{BB962C8B-B14F-4D97-AF65-F5344CB8AC3E}">
-        <p14:creationId xmlns:p14="http://schemas.microsoft.com/office/powerpoint/2010/main" val="31550759"/>
-      </p:ext>
-    </p:extLst>
   </p:cSld>
   <p:clrMapOvr>
     <a:masterClrMapping/>
@@ -11324,101 +11308,117 @@
           <a:bodyPr/>
           <a:lstStyle/>
           <a:p>
+            <a:pPr>
+              <a:buFont typeface="Wingdings" charset="0"/>
+              <a:buChar char="Ø"/>
+            </a:pPr>
             <a:r>
               <a:rPr lang="zh-CN" altLang="en-US" dirty="0" smtClean="0"/>
               <a:t>源码地址：</a:t>
             </a:r>
             <a:r>
               <a:rPr lang="en-US" altLang="zh-CN" dirty="0">
-                <a:hlinkClick r:id="rId2"/>
+                <a:hlinkClick r:id="rId1"/>
               </a:rPr>
               <a:t>https://</a:t>
+            </a:r>
+            <a:r>
+              <a:rPr lang="en-US" altLang="zh-CN" dirty="0" smtClean="0">
+                <a:hlinkClick r:id="rId1"/>
+              </a:rPr>
+              <a:t>github.com/xiangwenhu/FileSystem/tree/master/src</a:t>
+            </a:r>
+            <a:endParaRPr lang="en-US" altLang="zh-CN" dirty="0" smtClean="0"/>
+          </a:p>
+          <a:p>
+            <a:pPr>
+              <a:buFont typeface="Wingdings" charset="0"/>
+              <a:buChar char="Ø"/>
+            </a:pPr>
+            <a:r>
+              <a:rPr lang="zh-CN" altLang="en-US" dirty="0" smtClean="0"/>
+              <a:t>现有成熟库：</a:t>
             </a:r>
             <a:r>
               <a:rPr lang="en-US" altLang="zh-CN" dirty="0" smtClean="0">
                 <a:hlinkClick r:id="rId2"/>
               </a:rPr>
-              <a:t>github.com/xiangwenhu/FileSystem/tree/master/src</a:t>
-            </a:r>
-            <a:endParaRPr lang="en-US" altLang="zh-CN" dirty="0" smtClean="0"/>
-          </a:p>
-          <a:p>
-            <a:r>
-              <a:rPr lang="zh-CN" altLang="en-US" dirty="0" smtClean="0"/>
-              <a:t>现有成熟库：</a:t>
-            </a:r>
-            <a:r>
-              <a:rPr lang="en-US" altLang="zh-CN" dirty="0" smtClean="0">
+              <a:t>dexie.js</a:t>
+            </a:r>
+            <a:r>
+              <a:rPr lang="en-US" altLang="zh-CN" dirty="0"/>
+              <a:t> </a:t>
+            </a:r>
+            <a:r>
+              <a:rPr lang="en-US" altLang="zh-CN" dirty="0" err="1" smtClean="0">
                 <a:hlinkClick r:id="rId3"/>
               </a:rPr>
-              <a:t>dexie.js</a:t>
-            </a:r>
-            <a:r>
-              <a:rPr lang="en-US" altLang="zh-CN" dirty="0"/>
+              <a:t>zangodb</a:t>
+            </a:r>
+            <a:r>
+              <a:rPr lang="en-US" altLang="zh-CN" dirty="0" smtClean="0"/>
               <a:t> </a:t>
             </a:r>
             <a:r>
-              <a:rPr lang="en-US" altLang="zh-CN" dirty="0" err="1" smtClean="0">
+              <a:rPr lang="en-US" altLang="zh-CN" u="sng" dirty="0" err="1" smtClean="0">
                 <a:hlinkClick r:id="rId4"/>
               </a:rPr>
-              <a:t>zangodb</a:t>
+              <a:t>localForage</a:t>
             </a:r>
             <a:r>
               <a:rPr lang="en-US" altLang="zh-CN" dirty="0" smtClean="0"/>
               <a:t> </a:t>
             </a:r>
             <a:r>
-              <a:rPr lang="en-US" altLang="zh-CN" u="sng" dirty="0" err="1" smtClean="0">
+              <a:rPr lang="en-US" altLang="zh-CN" u="sng" dirty="0" smtClean="0">
                 <a:hlinkClick r:id="rId5"/>
               </a:rPr>
-              <a:t>localForage</a:t>
+              <a:t>idb.filesystem.js</a:t>
+            </a:r>
+            <a:endParaRPr lang="en-US" altLang="zh-CN" u="sng" dirty="0" smtClean="0"/>
+          </a:p>
+          <a:p>
+            <a:pPr>
+              <a:buFont typeface="Wingdings" charset="0"/>
+              <a:buChar char="Ø"/>
+            </a:pPr>
+            <a:r>
+              <a:rPr lang="en-US" altLang="zh-CN" dirty="0" err="1" smtClean="0"/>
+              <a:t>indxedDB</a:t>
+            </a:r>
+            <a:r>
+              <a:rPr lang="en-US" altLang="zh-CN" dirty="0" smtClean="0"/>
+              <a:t> : </a:t>
+            </a:r>
+            <a:r>
+              <a:rPr lang="en-US" altLang="zh-CN" dirty="0" err="1" smtClean="0">
+                <a:hlinkClick r:id="rId6"/>
+              </a:rPr>
+              <a:t>indexedDB</a:t>
+            </a:r>
+            <a:endParaRPr lang="en-US" altLang="zh-CN" dirty="0" smtClean="0"/>
+          </a:p>
+          <a:p>
+            <a:pPr>
+              <a:buFont typeface="Wingdings" charset="0"/>
+              <a:buChar char="Ø"/>
+            </a:pPr>
+            <a:r>
+              <a:rPr lang="en-US" altLang="zh-CN" dirty="0" smtClean="0"/>
+              <a:t>promise </a:t>
+            </a:r>
+            <a:r>
+              <a:rPr lang="zh-CN" altLang="en-US" dirty="0" smtClean="0"/>
+              <a:t>支持程度：</a:t>
             </a:r>
             <a:r>
               <a:rPr lang="en-US" altLang="zh-CN" dirty="0" smtClean="0"/>
               <a:t> </a:t>
             </a:r>
             <a:r>
-              <a:rPr lang="en-US" altLang="zh-CN" u="sng" dirty="0" smtClean="0">
-                <a:hlinkClick r:id="rId6"/>
-              </a:rPr>
-              <a:t>idb.filesystem.js</a:t>
-            </a:r>
-            <a:endParaRPr lang="en-US" altLang="zh-CN" u="sng" dirty="0" smtClean="0"/>
-          </a:p>
-          <a:p>
-            <a:r>
-              <a:rPr lang="en-US" altLang="zh-CN" dirty="0" err="1" smtClean="0"/>
-              <a:t>indxedDB</a:t>
-            </a:r>
-            <a:r>
-              <a:rPr lang="en-US" altLang="zh-CN" dirty="0" smtClean="0"/>
-              <a:t> : </a:t>
-            </a:r>
-            <a:r>
-              <a:rPr lang="en-US" altLang="zh-CN" dirty="0" err="1" smtClean="0">
+              <a:rPr lang="en-US" altLang="zh-CN" dirty="0">
                 <a:hlinkClick r:id="rId7"/>
               </a:rPr>
-              <a:t>indexedDB</a:t>
-            </a:r>
-            <a:endParaRPr lang="en-US" altLang="zh-CN" dirty="0" smtClean="0"/>
-          </a:p>
-          <a:p>
-            <a:r>
-              <a:rPr lang="en-US" altLang="zh-CN" dirty="0" smtClean="0"/>
-              <a:t>promise </a:t>
-            </a:r>
-            <a:r>
-              <a:rPr lang="zh-CN" altLang="en-US" dirty="0" smtClean="0"/>
-              <a:t>支持程度：</a:t>
-            </a:r>
-            <a:r>
-              <a:rPr lang="en-US" altLang="zh-CN" dirty="0" smtClean="0"/>
-              <a:t> </a:t>
-            </a:r>
-            <a:r>
-              <a:rPr lang="en-US" altLang="zh-CN" dirty="0">
-                <a:hlinkClick r:id="rId8"/>
-              </a:rPr>
               <a:t>https://caniuse.com/#search=promise</a:t>
             </a:r>
             <a:endParaRPr lang="zh-CN" altLang="en-US" dirty="0"/>
@@ -11426,11 +11426,6 @@
         </p:txBody>
       </p:sp>
     </p:spTree>
-    <p:extLst>
-      <p:ext uri="{BB962C8B-B14F-4D97-AF65-F5344CB8AC3E}">
-        <p14:creationId xmlns:p14="http://schemas.microsoft.com/office/powerpoint/2010/main" val="3016765700"/>
-      </p:ext>
-    </p:extLst>
   </p:cSld>
   <p:clrMapOvr>
     <a:masterClrMapping/>
@@ -11510,6 +11505,10 @@
           <a:bodyPr/>
           <a:lstStyle/>
           <a:p>
+            <a:pPr>
+              <a:buFont typeface="Wingdings" charset="0"/>
+              <a:buChar char="Ø"/>
+            </a:pPr>
             <a:r>
               <a:rPr lang="en-US" altLang="zh-CN" dirty="0"/>
               <a:t>http</a:t>
@@ -11521,6 +11520,10 @@
             <a:endParaRPr lang="en-US" altLang="zh-CN" dirty="0" smtClean="0"/>
           </a:p>
           <a:p>
+            <a:pPr>
+              <a:buFont typeface="Wingdings" charset="0"/>
+              <a:buChar char="Ø"/>
+            </a:pPr>
             <a:r>
               <a:rPr lang="en-US" altLang="zh-CN" dirty="0"/>
               <a:t>cookie</a:t>
@@ -11532,6 +11535,10 @@
             </a:endParaRPr>
           </a:p>
           <a:p>
+            <a:pPr>
+              <a:buFont typeface="Wingdings" charset="0"/>
+              <a:buChar char="Ø"/>
+            </a:pPr>
             <a:r>
               <a:rPr lang="en-US" altLang="zh-CN" dirty="0" err="1"/>
               <a:t>localstorage</a:t>
@@ -11548,8 +11555,13 @@
               <a:rPr lang="en-US" altLang="zh-CN" strike="sngStrike" dirty="0"/>
               <a:t>Opera Mini</a:t>
             </a:r>
-          </a:p>
-          <a:p>
+            <a:endParaRPr lang="en-US" altLang="zh-CN" strike="sngStrike" dirty="0"/>
+          </a:p>
+          <a:p>
+            <a:pPr>
+              <a:buFont typeface="Wingdings" charset="0"/>
+              <a:buChar char="Ø"/>
+            </a:pPr>
             <a:r>
               <a:rPr lang="en-US" altLang="zh-CN" dirty="0" err="1"/>
               <a:t>sessionstorage</a:t>
@@ -11574,11 +11586,20 @@
               <a:rPr lang="en-US" altLang="zh-CN" strike="sngStrike" dirty="0" smtClean="0"/>
               <a:t>Mini</a:t>
             </a:r>
-          </a:p>
-          <a:p>
+            <a:endParaRPr lang="en-US" altLang="zh-CN" strike="sngStrike" dirty="0" smtClean="0"/>
+          </a:p>
+          <a:p>
+            <a:pPr>
+              <a:buFont typeface="Wingdings" charset="0"/>
+              <a:buChar char="Ø"/>
+            </a:pPr>
             <a:endParaRPr lang="en-US" altLang="zh-CN" dirty="0" smtClean="0"/>
           </a:p>
           <a:p>
+            <a:pPr>
+              <a:buFont typeface="Wingdings" charset="0"/>
+              <a:buChar char="Ø"/>
+            </a:pPr>
             <a:r>
               <a:rPr lang="en-US" altLang="zh-CN" strike="sngStrike" dirty="0" err="1"/>
               <a:t>w</a:t>
@@ -11614,6 +11635,10 @@
             </a:endParaRPr>
           </a:p>
           <a:p>
+            <a:pPr>
+              <a:buFont typeface="Wingdings" charset="0"/>
+              <a:buChar char="Ø"/>
+            </a:pPr>
             <a:r>
               <a:rPr lang="en-US" altLang="zh-CN" dirty="0" err="1"/>
               <a:t>i</a:t>
@@ -11641,6 +11666,10 @@
             <a:endParaRPr lang="en-US" altLang="zh-CN" dirty="0" smtClean="0"/>
           </a:p>
           <a:p>
+            <a:pPr>
+              <a:buFont typeface="Wingdings" charset="0"/>
+              <a:buChar char="Ø"/>
+            </a:pPr>
             <a:r>
               <a:rPr lang="en-US" altLang="zh-CN" strike="sngStrike" dirty="0" smtClean="0"/>
               <a:t>application cache 94%, </a:t>
@@ -11676,12 +11705,21 @@
             </a:endParaRPr>
           </a:p>
           <a:p>
+            <a:pPr>
+              <a:buFont typeface="Wingdings" charset="0"/>
+              <a:buChar char="Ø"/>
+            </a:pPr>
             <a:r>
               <a:rPr lang="en-US" altLang="zh-CN" dirty="0" smtClean="0"/>
               <a:t>Service Worker 73%</a:t>
             </a:r>
-          </a:p>
-          <a:p>
+            <a:endParaRPr lang="en-US" altLang="zh-CN" dirty="0" smtClean="0"/>
+          </a:p>
+          <a:p>
+            <a:pPr>
+              <a:buFont typeface="Wingdings" charset="0"/>
+              <a:buChar char="Ø"/>
+            </a:pPr>
             <a:endParaRPr lang="en-US" altLang="zh-CN" b="1" dirty="0">
               <a:solidFill>
                 <a:srgbClr val="FF0000"/>
@@ -11689,6 +11727,10 @@
             </a:endParaRPr>
           </a:p>
           <a:p>
+            <a:pPr>
+              <a:buFont typeface="Wingdings" charset="0"/>
+              <a:buChar char="Ø"/>
+            </a:pPr>
             <a:r>
               <a:rPr lang="en-US" altLang="zh-CN" b="1" dirty="0" err="1">
                 <a:solidFill>
@@ -11791,11 +11833,6 @@
         </p:txBody>
       </p:sp>
     </p:spTree>
-    <p:extLst>
-      <p:ext uri="{BB962C8B-B14F-4D97-AF65-F5344CB8AC3E}">
-        <p14:creationId xmlns:p14="http://schemas.microsoft.com/office/powerpoint/2010/main" val="2274552599"/>
-      </p:ext>
-    </p:extLst>
   </p:cSld>
   <p:clrMapOvr>
     <a:masterClrMapping/>
@@ -11865,6 +11902,10 @@
           <a:bodyPr/>
           <a:lstStyle/>
           <a:p>
+            <a:pPr>
+              <a:buFont typeface="Wingdings" charset="0"/>
+              <a:buChar char="Ø"/>
+            </a:pPr>
             <a:r>
               <a:rPr lang="zh-CN" altLang="en-US" dirty="0" smtClean="0"/>
               <a:t>每个域名下的个数和大小有限制（仅供参考）</a:t>
@@ -11872,21 +11913,45 @@
             <a:endParaRPr lang="en-US" altLang="zh-CN" dirty="0" smtClean="0"/>
           </a:p>
           <a:p>
+            <a:pPr>
+              <a:buFont typeface="Wingdings" charset="0"/>
+              <a:buChar char="Ø"/>
+            </a:pPr>
             <a:endParaRPr lang="en-US" altLang="zh-CN" dirty="0" smtClean="0"/>
           </a:p>
           <a:p>
+            <a:pPr>
+              <a:buFont typeface="Wingdings" charset="0"/>
+              <a:buChar char="Ø"/>
+            </a:pPr>
             <a:endParaRPr lang="en-US" altLang="zh-CN" dirty="0"/>
           </a:p>
           <a:p>
+            <a:pPr>
+              <a:buFont typeface="Wingdings" charset="0"/>
+              <a:buChar char="Ø"/>
+            </a:pPr>
             <a:endParaRPr lang="en-US" altLang="zh-CN" dirty="0" smtClean="0"/>
           </a:p>
           <a:p>
+            <a:pPr>
+              <a:buFont typeface="Wingdings" charset="0"/>
+              <a:buChar char="Ø"/>
+            </a:pPr>
             <a:endParaRPr lang="en-US" altLang="zh-CN" dirty="0"/>
           </a:p>
           <a:p>
+            <a:pPr>
+              <a:buFont typeface="Wingdings" charset="0"/>
+              <a:buChar char="Ø"/>
+            </a:pPr>
             <a:endParaRPr lang="en-US" altLang="zh-CN" dirty="0"/>
           </a:p>
           <a:p>
+            <a:pPr>
+              <a:buFont typeface="Wingdings" charset="0"/>
+              <a:buChar char="Ø"/>
+            </a:pPr>
             <a:r>
               <a:rPr lang="zh-CN" altLang="en-US" dirty="0" smtClean="0"/>
               <a:t>缺点</a:t>
@@ -11894,7 +11959,10 @@
             <a:endParaRPr lang="en-US" altLang="zh-CN" dirty="0" smtClean="0"/>
           </a:p>
           <a:p>
-            <a:pPr lvl="1"/>
+            <a:pPr lvl="1">
+              <a:buFont typeface="Wingdings" charset="0"/>
+              <a:buChar char="Ø"/>
+            </a:pPr>
             <a:r>
               <a:rPr lang="zh-CN" altLang="en-US" dirty="0"/>
               <a:t>小</a:t>
@@ -11902,7 +11970,10 @@
             <a:endParaRPr lang="en-US" altLang="zh-CN" dirty="0" smtClean="0"/>
           </a:p>
           <a:p>
-            <a:pPr lvl="1"/>
+            <a:pPr lvl="1">
+              <a:buFont typeface="Wingdings" charset="0"/>
+              <a:buChar char="Ø"/>
+            </a:pPr>
             <a:r>
               <a:rPr lang="zh-CN" altLang="en-US" dirty="0" smtClean="0"/>
               <a:t>存储越多，</a:t>
@@ -11925,13 +11996,7 @@
           <p:cNvGraphicFramePr>
             <a:graphicFrameLocks noGrp="1"/>
           </p:cNvGraphicFramePr>
-          <p:nvPr>
-            <p:extLst>
-              <p:ext uri="{D42A27DB-BD31-4B8C-83A1-F6EECF244321}">
-                <p14:modId xmlns:p14="http://schemas.microsoft.com/office/powerpoint/2010/main" val="1440433571"/>
-              </p:ext>
-            </p:extLst>
-          </p:nvPr>
+          <p:nvPr/>
         </p:nvGraphicFramePr>
         <p:xfrm>
           <a:off x="2589212" y="2488971"/>
@@ -12693,9 +12758,6 @@
         </p:spPr>
         <p:txBody>
           <a:bodyPr vert="horz" wrap="none" lIns="91440" tIns="45720" rIns="91440" bIns="45720" numCol="1" anchor="ctr" anchorCtr="0" compatLnSpc="1">
-            <a:prstTxWarp prst="textNoShape">
-              <a:avLst/>
-            </a:prstTxWarp>
             <a:spAutoFit/>
           </a:bodyPr>
           <a:lstStyle/>
@@ -12714,21 +12776,7 @@
               <a:buSzTx/>
               <a:buFontTx/>
               <a:buNone/>
-              <a:tabLst/>
             </a:pPr>
-            <a:r>
-              <a:rPr kumimoji="0" lang="zh-CN" altLang="zh-CN" sz="1800" b="0" i="0" u="none" strike="noStrike" cap="none" normalizeH="0" baseline="0" smtClean="0">
-                <a:ln>
-                  <a:noFill/>
-                </a:ln>
-                <a:solidFill>
-                  <a:schemeClr val="tx1"/>
-                </a:solidFill>
-                <a:effectLst/>
-                <a:latin typeface="Arial" panose="020B0604020202020204" pitchFamily="34" charset="0"/>
-              </a:rPr>
-              <a:t/>
-            </a:r>
             <a:br>
               <a:rPr kumimoji="0" lang="zh-CN" altLang="zh-CN" sz="1800" b="0" i="0" u="none" strike="noStrike" cap="none" normalizeH="0" baseline="0" smtClean="0">
                 <a:ln>
@@ -12738,22 +12786,9 @@
                   <a:schemeClr val="tx1"/>
                 </a:solidFill>
                 <a:effectLst/>
-                <a:latin typeface="Arial" panose="020B0604020202020204" pitchFamily="34" charset="0"/>
+                <a:latin typeface="Arial" pitchFamily="34" charset="0"/>
               </a:rPr>
             </a:br>
-            <a:r>
-              <a:rPr kumimoji="0" lang="zh-CN" altLang="zh-CN" sz="1800" b="0" i="0" u="none" strike="noStrike" cap="none" normalizeH="0" baseline="0" smtClean="0">
-                <a:ln>
-                  <a:noFill/>
-                </a:ln>
-                <a:solidFill>
-                  <a:schemeClr val="tx1"/>
-                </a:solidFill>
-                <a:effectLst/>
-                <a:latin typeface="Arial" panose="020B0604020202020204" pitchFamily="34" charset="0"/>
-              </a:rPr>
-              <a:t/>
-            </a:r>
             <a:br>
               <a:rPr kumimoji="0" lang="zh-CN" altLang="zh-CN" sz="1800" b="0" i="0" u="none" strike="noStrike" cap="none" normalizeH="0" baseline="0" smtClean="0">
                 <a:ln>
@@ -12763,7 +12798,7 @@
                   <a:schemeClr val="tx1"/>
                 </a:solidFill>
                 <a:effectLst/>
-                <a:latin typeface="Arial" panose="020B0604020202020204" pitchFamily="34" charset="0"/>
+                <a:latin typeface="Arial" pitchFamily="34" charset="0"/>
               </a:rPr>
             </a:br>
             <a:endParaRPr kumimoji="0" lang="zh-CN" altLang="zh-CN" sz="1800" b="0" i="0" u="none" strike="noStrike" cap="none" normalizeH="0" baseline="0" smtClean="0">
@@ -12774,7 +12809,7 @@
                 <a:schemeClr val="tx1"/>
               </a:solidFill>
               <a:effectLst/>
-              <a:latin typeface="Arial" panose="020B0604020202020204" pitchFamily="34" charset="0"/>
+              <a:latin typeface="Arial" pitchFamily="34" charset="0"/>
             </a:endParaRPr>
           </a:p>
         </p:txBody>
@@ -12788,7 +12823,7 @@
           <p:nvPr/>
         </p:nvPicPr>
         <p:blipFill>
-          <a:blip r:embed="rId3"/>
+          <a:blip r:embed="rId1"/>
           <a:stretch>
             <a:fillRect/>
           </a:stretch>
@@ -12804,11 +12839,6 @@
         </p:spPr>
       </p:pic>
     </p:spTree>
-    <p:extLst>
-      <p:ext uri="{BB962C8B-B14F-4D97-AF65-F5344CB8AC3E}">
-        <p14:creationId xmlns:p14="http://schemas.microsoft.com/office/powerpoint/2010/main" val="2399614890"/>
-      </p:ext>
-    </p:extLst>
   </p:cSld>
   <p:clrMapOvr>
     <a:masterClrMapping/>
@@ -12859,10 +12889,6 @@
               <a:rPr lang="en-US" altLang="zh-CN" dirty="0" err="1" smtClean="0"/>
               <a:t>localStorage</a:t>
             </a:r>
-            <a:r>
-              <a:rPr lang="en-US" altLang="zh-CN" dirty="0" smtClean="0"/>
-              <a:t/>
-            </a:r>
             <a:br>
               <a:rPr lang="en-US" altLang="zh-CN" dirty="0" smtClean="0"/>
             </a:br>
@@ -12889,6 +12915,10 @@
           <a:bodyPr/>
           <a:lstStyle/>
           <a:p>
+            <a:pPr>
+              <a:buFont typeface="Wingdings" charset="0"/>
+              <a:buChar char="Ø"/>
+            </a:pPr>
             <a:r>
               <a:rPr lang="zh-CN" altLang="en-US" dirty="0" smtClean="0"/>
               <a:t>仅供参考 ： （单位字符数）</a:t>
@@ -12896,6 +12926,10 @@
             <a:endParaRPr lang="en-US" altLang="zh-CN" dirty="0" smtClean="0"/>
           </a:p>
           <a:p>
+            <a:pPr>
+              <a:buFont typeface="Wingdings" charset="0"/>
+              <a:buChar char="Ø"/>
+            </a:pPr>
             <a:r>
               <a:rPr lang="en-US" altLang="zh-CN" dirty="0" smtClean="0"/>
               <a:t>IE9 </a:t>
@@ -12908,8 +12942,13 @@
               <a:rPr lang="en-US" altLang="zh-CN" dirty="0" smtClean="0"/>
               <a:t>5000 000 </a:t>
             </a:r>
-          </a:p>
-          <a:p>
+            <a:endParaRPr lang="en-US" altLang="zh-CN" dirty="0" smtClean="0"/>
+          </a:p>
+          <a:p>
+            <a:pPr>
+              <a:buFont typeface="Wingdings" charset="0"/>
+              <a:buChar char="Ø"/>
+            </a:pPr>
             <a:r>
               <a:rPr lang="en-US" altLang="zh-CN" dirty="0" err="1" smtClean="0"/>
               <a:t>firefox</a:t>
@@ -12929,6 +12968,10 @@
             <a:endParaRPr lang="en-US" altLang="zh-CN" dirty="0"/>
           </a:p>
           <a:p>
+            <a:pPr>
+              <a:buFont typeface="Wingdings" charset="0"/>
+              <a:buChar char="Ø"/>
+            </a:pPr>
             <a:r>
               <a:rPr lang="en-US" altLang="zh-CN" dirty="0"/>
               <a:t>chrome  28.0  &gt; 2621435 + 5 = </a:t>
@@ -12940,6 +12983,10 @@
             <a:endParaRPr lang="en-US" altLang="zh-CN" dirty="0"/>
           </a:p>
           <a:p>
+            <a:pPr>
+              <a:buFont typeface="Wingdings" charset="0"/>
+              <a:buChar char="Ø"/>
+            </a:pPr>
             <a:r>
               <a:rPr lang="en-US" altLang="zh-CN" dirty="0"/>
               <a:t>safari  5.1   &gt; 2621435 + 5 = </a:t>
@@ -12951,6 +12998,10 @@
             <a:endParaRPr lang="en-US" altLang="zh-CN" dirty="0"/>
           </a:p>
           <a:p>
+            <a:pPr>
+              <a:buFont typeface="Wingdings" charset="0"/>
+              <a:buChar char="Ø"/>
+            </a:pPr>
             <a:r>
               <a:rPr lang="en-US" altLang="zh-CN" dirty="0"/>
               <a:t>opera   12.15 &gt; 5M </a:t>
@@ -12971,7 +13022,7 @@
           <p:nvPr/>
         </p:nvPicPr>
         <p:blipFill>
-          <a:blip r:embed="rId3"/>
+          <a:blip r:embed="rId1"/>
           <a:stretch>
             <a:fillRect/>
           </a:stretch>
@@ -12987,11 +13038,6 @@
         </p:spPr>
       </p:pic>
     </p:spTree>
-    <p:extLst>
-      <p:ext uri="{BB962C8B-B14F-4D97-AF65-F5344CB8AC3E}">
-        <p14:creationId xmlns:p14="http://schemas.microsoft.com/office/powerpoint/2010/main" val="1103907868"/>
-      </p:ext>
-    </p:extLst>
   </p:cSld>
   <p:clrMapOvr>
     <a:masterClrMapping/>
@@ -13137,13 +13183,7 @@
           <p:cNvGraphicFramePr>
             <a:graphicFrameLocks noGrp="1"/>
           </p:cNvGraphicFramePr>
-          <p:nvPr>
-            <p:extLst>
-              <p:ext uri="{D42A27DB-BD31-4B8C-83A1-F6EECF244321}">
-                <p14:modId xmlns:p14="http://schemas.microsoft.com/office/powerpoint/2010/main" val="3134583527"/>
-              </p:ext>
-            </p:extLst>
-          </p:nvPr>
+          <p:nvPr/>
         </p:nvGraphicFramePr>
         <p:xfrm>
           <a:off x="2720047" y="1667774"/>
@@ -13650,11 +13690,6 @@
         </a:graphic>
       </p:graphicFrame>
     </p:spTree>
-    <p:extLst>
-      <p:ext uri="{BB962C8B-B14F-4D97-AF65-F5344CB8AC3E}">
-        <p14:creationId xmlns:p14="http://schemas.microsoft.com/office/powerpoint/2010/main" val="753899786"/>
-      </p:ext>
-    </p:extLst>
   </p:cSld>
   <p:clrMapOvr>
     <a:masterClrMapping/>
@@ -13788,9 +13823,17 @@
             <a:endParaRPr lang="en-US" altLang="zh-CN" dirty="0" smtClean="0"/>
           </a:p>
           <a:p>
+            <a:pPr>
+              <a:buFont typeface="Wingdings" charset="0"/>
+              <a:buChar char="Ø"/>
+            </a:pPr>
             <a:endParaRPr lang="en-US" altLang="zh-CN" dirty="0"/>
           </a:p>
           <a:p>
+            <a:pPr>
+              <a:buFont typeface="Wingdings" charset="0"/>
+              <a:buChar char="Ø"/>
+            </a:pPr>
             <a:r>
               <a:rPr lang="zh-CN" altLang="en-US" dirty="0" smtClean="0"/>
               <a:t>仅仅有</a:t>
@@ -13814,6 +13857,10 @@
             <a:endParaRPr lang="en-US" altLang="zh-CN" dirty="0" smtClean="0"/>
           </a:p>
           <a:p>
+            <a:pPr>
+              <a:buFont typeface="Wingdings" charset="0"/>
+              <a:buChar char="Ø"/>
+            </a:pPr>
             <a:r>
               <a:rPr lang="zh-CN" altLang="en-US" dirty="0" smtClean="0"/>
               <a:t>异步回调陷阱</a:t>
@@ -13834,7 +13881,7 @@
           <p:nvPr/>
         </p:nvPicPr>
         <p:blipFill>
-          <a:blip r:embed="rId3"/>
+          <a:blip r:embed="rId1"/>
           <a:stretch>
             <a:fillRect/>
           </a:stretch>
@@ -13850,11 +13897,6 @@
         </p:spPr>
       </p:pic>
     </p:spTree>
-    <p:extLst>
-      <p:ext uri="{BB962C8B-B14F-4D97-AF65-F5344CB8AC3E}">
-        <p14:creationId xmlns:p14="http://schemas.microsoft.com/office/powerpoint/2010/main" val="4138635956"/>
-      </p:ext>
-    </p:extLst>
   </p:cSld>
   <p:clrMapOvr>
     <a:masterClrMapping/>
@@ -13919,6 +13961,10 @@
           </a:bodyPr>
           <a:lstStyle/>
           <a:p>
+            <a:pPr>
+              <a:buFont typeface="Wingdings" charset="0"/>
+              <a:buChar char="Ø"/>
+            </a:pPr>
             <a:r>
               <a:rPr lang="zh-CN" altLang="en-US" dirty="0" smtClean="0"/>
               <a:t>优点</a:t>
@@ -13926,7 +13972,10 @@
             <a:endParaRPr lang="en-US" altLang="zh-CN" dirty="0" smtClean="0"/>
           </a:p>
           <a:p>
-            <a:pPr lvl="1"/>
+            <a:pPr lvl="1">
+              <a:buFont typeface="Wingdings" charset="0"/>
+              <a:buChar char="Ø"/>
+            </a:pPr>
             <a:r>
               <a:rPr lang="zh-CN" altLang="en-US" dirty="0"/>
               <a:t>支持度相对高</a:t>
@@ -13934,7 +13983,10 @@
             <a:endParaRPr lang="en-US" altLang="zh-CN" dirty="0"/>
           </a:p>
           <a:p>
-            <a:pPr lvl="1"/>
+            <a:pPr lvl="1">
+              <a:buFont typeface="Wingdings" charset="0"/>
+              <a:buChar char="Ø"/>
+            </a:pPr>
             <a:r>
               <a:rPr lang="zh-CN" altLang="en-US" dirty="0"/>
               <a:t>定额大</a:t>
@@ -13942,7 +13994,10 @@
             <a:endParaRPr lang="en-US" altLang="zh-CN" dirty="0"/>
           </a:p>
           <a:p>
-            <a:pPr lvl="1"/>
+            <a:pPr lvl="1">
+              <a:buFont typeface="Wingdings" charset="0"/>
+              <a:buChar char="Ø"/>
+            </a:pPr>
             <a:r>
               <a:rPr lang="zh-CN" altLang="en-US" dirty="0"/>
               <a:t>支持</a:t>
@@ -13966,7 +14021,10 @@
             <a:endParaRPr lang="en-US" altLang="zh-CN" dirty="0"/>
           </a:p>
           <a:p>
-            <a:pPr lvl="1"/>
+            <a:pPr lvl="1">
+              <a:buFont typeface="Wingdings" charset="0"/>
+              <a:buChar char="Ø"/>
+            </a:pPr>
             <a:r>
               <a:rPr lang="zh-CN" altLang="en-US" dirty="0"/>
               <a:t>可操作性高</a:t>
@@ -13974,7 +14032,10 @@
             <a:endParaRPr lang="en-US" altLang="zh-CN" dirty="0"/>
           </a:p>
           <a:p>
-            <a:pPr lvl="1"/>
+            <a:pPr lvl="1">
+              <a:buFont typeface="Wingdings" charset="0"/>
+              <a:buChar char="Ø"/>
+            </a:pPr>
             <a:r>
               <a:rPr lang="zh-CN" altLang="en-US" dirty="0"/>
               <a:t>大量数据有</a:t>
@@ -13986,7 +14047,10 @@
             <a:endParaRPr lang="en-US" altLang="zh-CN" dirty="0" smtClean="0"/>
           </a:p>
           <a:p>
-            <a:pPr lvl="1"/>
+            <a:pPr lvl="1">
+              <a:buFont typeface="Wingdings" charset="0"/>
+              <a:buChar char="Ø"/>
+            </a:pPr>
             <a:r>
               <a:rPr lang="zh-CN" altLang="en-US" dirty="0" smtClean="0"/>
               <a:t>高性能  （最新</a:t>
@@ -14026,6 +14090,10 @@
             <a:endParaRPr lang="en-US" altLang="zh-CN" dirty="0" smtClean="0"/>
           </a:p>
           <a:p>
+            <a:pPr>
+              <a:buFont typeface="Wingdings" charset="0"/>
+              <a:buChar char="Ø"/>
+            </a:pPr>
             <a:r>
               <a:rPr lang="zh-CN" altLang="en-US" dirty="0" smtClean="0"/>
               <a:t>缺点</a:t>
@@ -14033,7 +14101,10 @@
             <a:endParaRPr lang="en-US" altLang="zh-CN" dirty="0" smtClean="0"/>
           </a:p>
           <a:p>
-            <a:pPr lvl="1"/>
+            <a:pPr lvl="1">
+              <a:buFont typeface="Wingdings" charset="0"/>
+              <a:buChar char="Ø"/>
+            </a:pPr>
             <a:r>
               <a:rPr lang="zh-CN" altLang="en-US" dirty="0" smtClean="0"/>
               <a:t>查询功能相对弱</a:t>
@@ -14041,7 +14112,10 @@
             <a:endParaRPr lang="en-US" altLang="zh-CN" dirty="0" smtClean="0"/>
           </a:p>
           <a:p>
-            <a:pPr lvl="1"/>
+            <a:pPr lvl="1">
+              <a:buFont typeface="Wingdings" charset="0"/>
+              <a:buChar char="Ø"/>
+            </a:pPr>
             <a:r>
               <a:rPr lang="zh-CN" altLang="en-US" dirty="0"/>
               <a:t>升级</a:t>
@@ -14058,11 +14132,6 @@
         </p:txBody>
       </p:sp>
     </p:spTree>
-    <p:extLst>
-      <p:ext uri="{BB962C8B-B14F-4D97-AF65-F5344CB8AC3E}">
-        <p14:creationId xmlns:p14="http://schemas.microsoft.com/office/powerpoint/2010/main" val="3568076964"/>
-      </p:ext>
-    </p:extLst>
   </p:cSld>
   <p:clrMapOvr>
     <a:masterClrMapping/>
@@ -14142,6 +14211,10 @@
           <a:bodyPr/>
           <a:lstStyle/>
           <a:p>
+            <a:pPr>
+              <a:buFont typeface="Wingdings" charset="0"/>
+              <a:buChar char="Ø"/>
+            </a:pPr>
             <a:r>
               <a:rPr lang="zh-CN" altLang="en-US" dirty="0" smtClean="0"/>
               <a:t>基于</a:t>
@@ -14174,8 +14247,13 @@
               <a:rPr lang="en-US" altLang="zh-CN" dirty="0" smtClean="0"/>
               <a:t>promise</a:t>
             </a:r>
-          </a:p>
-          <a:p>
+            <a:endParaRPr lang="en-US" altLang="zh-CN" dirty="0" smtClean="0"/>
+          </a:p>
+          <a:p>
+            <a:pPr>
+              <a:buFont typeface="Wingdings" charset="0"/>
+              <a:buChar char="Ø"/>
+            </a:pPr>
             <a:r>
               <a:rPr lang="zh-CN" altLang="en-US" dirty="0" smtClean="0"/>
               <a:t>基于</a:t>
@@ -14211,6 +14289,10 @@
             <a:endParaRPr lang="en-US" altLang="zh-CN" dirty="0" smtClean="0"/>
           </a:p>
           <a:p>
+            <a:pPr>
+              <a:buFont typeface="Wingdings" charset="0"/>
+              <a:buChar char="Ø"/>
+            </a:pPr>
             <a:r>
               <a:rPr lang="zh-CN" altLang="en-US" dirty="0"/>
               <a:t>大</a:t>
@@ -14222,6 +14304,10 @@
             <a:endParaRPr lang="en-US" altLang="zh-CN" dirty="0" smtClean="0"/>
           </a:p>
           <a:p>
+            <a:pPr>
+              <a:buFont typeface="Wingdings" charset="0"/>
+              <a:buChar char="Ø"/>
+            </a:pPr>
             <a:r>
               <a:rPr lang="zh-CN" altLang="en-US" dirty="0" smtClean="0"/>
               <a:t>高效，</a:t>
@@ -14261,6 +14347,10 @@
             <a:endParaRPr lang="en-US" altLang="zh-CN" dirty="0" smtClean="0"/>
           </a:p>
           <a:p>
+            <a:pPr>
+              <a:buFont typeface="Wingdings" charset="0"/>
+              <a:buChar char="Ø"/>
+            </a:pPr>
             <a:r>
               <a:rPr lang="zh-CN" altLang="en-US" dirty="0" smtClean="0"/>
               <a:t>小巧，（注释</a:t>
@@ -14308,6 +14398,10 @@
             <a:endParaRPr lang="en-US" altLang="zh-CN" dirty="0" smtClean="0"/>
           </a:p>
           <a:p>
+            <a:pPr>
+              <a:buFont typeface="Wingdings" charset="0"/>
+              <a:buChar char="Ø"/>
+            </a:pPr>
             <a:r>
               <a:rPr lang="zh-CN" altLang="en-US" dirty="0" smtClean="0"/>
               <a:t>内置便捷的文件读取，</a:t>
@@ -14376,11 +14470,6 @@
         </p:txBody>
       </p:sp>
     </p:spTree>
-    <p:extLst>
-      <p:ext uri="{BB962C8B-B14F-4D97-AF65-F5344CB8AC3E}">
-        <p14:creationId xmlns:p14="http://schemas.microsoft.com/office/powerpoint/2010/main" val="1154008255"/>
-      </p:ext>
-    </p:extLst>
   </p:cSld>
   <p:clrMapOvr>
     <a:masterClrMapping/>
@@ -14429,7 +14518,7 @@
           <a:p>
             <a:r>
               <a:rPr lang="en-US" altLang="zh-CN" sz="2800" dirty="0" smtClean="0">
-                <a:hlinkClick r:id="rId3"/>
+                <a:hlinkClick r:id="rId1"/>
               </a:rPr>
               <a:t>Demo</a:t>
             </a:r>
@@ -14452,7 +14541,7 @@
           </p:nvPr>
         </p:nvPicPr>
         <p:blipFill>
-          <a:blip r:embed="rId4"/>
+          <a:blip r:embed="rId2"/>
           <a:stretch>
             <a:fillRect/>
           </a:stretch>
@@ -14476,7 +14565,7 @@
           <p:nvPr/>
         </p:nvPicPr>
         <p:blipFill>
-          <a:blip r:embed="rId5"/>
+          <a:blip r:embed="rId3"/>
           <a:stretch>
             <a:fillRect/>
           </a:stretch>
@@ -14500,7 +14589,7 @@
           <p:nvPr/>
         </p:nvPicPr>
         <p:blipFill>
-          <a:blip r:embed="rId6"/>
+          <a:blip r:embed="rId4"/>
           <a:stretch>
             <a:fillRect/>
           </a:stretch>
@@ -14524,7 +14613,7 @@
           <p:nvPr/>
         </p:nvPicPr>
         <p:blipFill>
-          <a:blip r:embed="rId7"/>
+          <a:blip r:embed="rId5"/>
           <a:stretch>
             <a:fillRect/>
           </a:stretch>
@@ -14540,11 +14629,6 @@
         </p:spPr>
       </p:pic>
     </p:spTree>
-    <p:extLst>
-      <p:ext uri="{BB962C8B-B14F-4D97-AF65-F5344CB8AC3E}">
-        <p14:creationId xmlns:p14="http://schemas.microsoft.com/office/powerpoint/2010/main" val="2214303341"/>
-      </p:ext>
-    </p:extLst>
   </p:cSld>
   <p:clrMapOvr>
     <a:masterClrMapping/>
@@ -14602,7 +14686,7 @@
     </a:clrScheme>
     <a:fontScheme name="丝状">
       <a:majorFont>
-        <a:latin typeface="Century Gothic" panose="020B0502020202020204"/>
+        <a:latin typeface="Century Gothic"/>
         <a:ea typeface=""/>
         <a:cs typeface=""/>
         <a:font script="Jpan" typeface="メイリオ"/>
@@ -14637,7 +14721,7 @@
         <a:font script="Geor" typeface="Sylfaen"/>
       </a:majorFont>
       <a:minorFont>
-        <a:latin typeface="Century Gothic" panose="020B0502020202020204"/>
+        <a:latin typeface="Century Gothic"/>
         <a:ea typeface=""/>
         <a:cs typeface=""/>
         <a:font script="Jpan" typeface="メイリオ"/>
@@ -14796,7 +14880,7 @@
   <a:extraClrSchemeLst/>
   <a:extLst>
     <a:ext uri="{05A4C25C-085E-4340-85A3-A5531E510DB2}">
-      <thm15:themeFamily xmlns:thm15="http://schemas.microsoft.com/office/thememl/2012/main" name="Wisp" id="{7CB32D59-10C0-40DD-B7BD-2E94284A981C}" vid="{24B1A44C-C006-48B2-A4D7-E5549B3D8CD4}"/>
+      <thm15:themeFamily xmlns:thm15="http://schemas.microsoft.com/office/thememl/2012/main" name="Office Theme" id="{62F939B6-93AF-4DB8-9C6B-D6C7DFDC589F}" vid="{4A3C46E8-61CC-4603-A589-7422A47A8E4A}"/>
     </a:ext>
   </a:extLst>
 </a:theme>
@@ -14845,7 +14929,7 @@
     </a:clrScheme>
     <a:fontScheme name="Office">
       <a:majorFont>
-        <a:latin typeface="Calibri Light" panose="020F0302020204030204"/>
+        <a:latin typeface="Calibri Light"/>
         <a:ea typeface=""/>
         <a:cs typeface=""/>
         <a:font script="Jpan" typeface="ＭＳ Ｐゴシック"/>
@@ -14880,7 +14964,7 @@
         <a:font script="Geor" typeface="Sylfaen"/>
       </a:majorFont>
       <a:minorFont>
-        <a:latin typeface="Calibri" panose="020F0502020204030204"/>
+        <a:latin typeface="Calibri"/>
         <a:ea typeface=""/>
         <a:cs typeface=""/>
         <a:font script="Jpan" typeface="ＭＳ Ｐゴシック"/>
